--- a/IT002-OOP/Slide thực hành/Lab 1. BasicCplusplus.pptx
+++ b/IT002-OOP/Slide thực hành/Lab 1. BasicCplusplus.pptx
@@ -4,6 +4,9 @@
   <p:sldMasterIdLst>
     <p:sldMasterId id="2147483648" r:id="rId1"/>
   </p:sldMasterIdLst>
+  <p:notesMasterIdLst>
+    <p:notesMasterId r:id="rId11"/>
+  </p:notesMasterIdLst>
   <p:sldIdLst>
     <p:sldId id="269" r:id="rId2"/>
     <p:sldId id="270" r:id="rId3"/>
@@ -13,6 +16,7 @@
     <p:sldId id="258" r:id="rId7"/>
     <p:sldId id="263" r:id="rId8"/>
     <p:sldId id="264" r:id="rId9"/>
+    <p:sldId id="271" r:id="rId10"/>
   </p:sldIdLst>
   <p:sldSz cx="12192000" cy="6858000"/>
   <p:notesSz cx="6858000" cy="9144000"/>
@@ -119,6 +123,354 @@
 </p:presentation>
 </file>
 
+<file path=ppt/notesMasters/notesMaster1.xml><?xml version="1.0" encoding="utf-8"?>
+<p:notesMaster xmlns:a="http://schemas.openxmlformats.org/drawingml/2006/main" xmlns:r="http://schemas.openxmlformats.org/officeDocument/2006/relationships" xmlns:p="http://schemas.openxmlformats.org/presentationml/2006/main">
+  <p:cSld>
+    <p:bg>
+      <p:bgRef idx="1001">
+        <a:schemeClr val="bg1"/>
+      </p:bgRef>
+    </p:bg>
+    <p:spTree>
+      <p:nvGrpSpPr>
+        <p:cNvPr id="1" name=""/>
+        <p:cNvGrpSpPr/>
+        <p:nvPr/>
+      </p:nvGrpSpPr>
+      <p:grpSpPr>
+        <a:xfrm>
+          <a:off x="0" y="0"/>
+          <a:ext cx="0" cy="0"/>
+          <a:chOff x="0" y="0"/>
+          <a:chExt cx="0" cy="0"/>
+        </a:xfrm>
+      </p:grpSpPr>
+      <p:sp>
+        <p:nvSpPr>
+          <p:cNvPr id="2" name="Header Placeholder 1"/>
+          <p:cNvSpPr>
+            <a:spLocks noGrp="1"/>
+          </p:cNvSpPr>
+          <p:nvPr>
+            <p:ph type="hdr" sz="quarter"/>
+          </p:nvPr>
+        </p:nvSpPr>
+        <p:spPr>
+          <a:xfrm>
+            <a:off x="0" y="0"/>
+            <a:ext cx="2971800" cy="458788"/>
+          </a:xfrm>
+          <a:prstGeom prst="rect">
+            <a:avLst/>
+          </a:prstGeom>
+        </p:spPr>
+        <p:txBody>
+          <a:bodyPr vert="horz" lIns="91440" tIns="45720" rIns="91440" bIns="45720" rtlCol="0"/>
+          <a:lstStyle>
+            <a:lvl1pPr algn="l">
+              <a:defRPr sz="1200"/>
+            </a:lvl1pPr>
+          </a:lstStyle>
+          <a:p>
+            <a:endParaRPr lang="en-VN"/>
+          </a:p>
+        </p:txBody>
+      </p:sp>
+      <p:sp>
+        <p:nvSpPr>
+          <p:cNvPr id="3" name="Date Placeholder 2"/>
+          <p:cNvSpPr>
+            <a:spLocks noGrp="1"/>
+          </p:cNvSpPr>
+          <p:nvPr>
+            <p:ph type="dt" idx="1"/>
+          </p:nvPr>
+        </p:nvSpPr>
+        <p:spPr>
+          <a:xfrm>
+            <a:off x="3884613" y="0"/>
+            <a:ext cx="2971800" cy="458788"/>
+          </a:xfrm>
+          <a:prstGeom prst="rect">
+            <a:avLst/>
+          </a:prstGeom>
+        </p:spPr>
+        <p:txBody>
+          <a:bodyPr vert="horz" lIns="91440" tIns="45720" rIns="91440" bIns="45720" rtlCol="0"/>
+          <a:lstStyle>
+            <a:lvl1pPr algn="r">
+              <a:defRPr sz="1200"/>
+            </a:lvl1pPr>
+          </a:lstStyle>
+          <a:p>
+            <a:fld id="{D58EBEF0-1929-6C4C-9D10-0A24CA585262}" type="datetimeFigureOut">
+              <a:t>28/02/2023</a:t>
+            </a:fld>
+            <a:endParaRPr lang="en-VN"/>
+          </a:p>
+        </p:txBody>
+      </p:sp>
+      <p:sp>
+        <p:nvSpPr>
+          <p:cNvPr id="4" name="Slide Image Placeholder 3"/>
+          <p:cNvSpPr>
+            <a:spLocks noGrp="1" noRot="1" noChangeAspect="1"/>
+          </p:cNvSpPr>
+          <p:nvPr>
+            <p:ph type="sldImg" idx="2"/>
+          </p:nvPr>
+        </p:nvSpPr>
+        <p:spPr>
+          <a:xfrm>
+            <a:off x="685800" y="1143000"/>
+            <a:ext cx="5486400" cy="3086100"/>
+          </a:xfrm>
+          <a:prstGeom prst="rect">
+            <a:avLst/>
+          </a:prstGeom>
+          <a:noFill/>
+          <a:ln w="12700">
+            <a:solidFill>
+              <a:prstClr val="black"/>
+            </a:solidFill>
+          </a:ln>
+        </p:spPr>
+        <p:txBody>
+          <a:bodyPr vert="horz" lIns="91440" tIns="45720" rIns="91440" bIns="45720" rtlCol="0" anchor="ctr"/>
+          <a:lstStyle/>
+          <a:p>
+            <a:endParaRPr lang="en-VN"/>
+          </a:p>
+        </p:txBody>
+      </p:sp>
+      <p:sp>
+        <p:nvSpPr>
+          <p:cNvPr id="5" name="Notes Placeholder 4"/>
+          <p:cNvSpPr>
+            <a:spLocks noGrp="1"/>
+          </p:cNvSpPr>
+          <p:nvPr>
+            <p:ph type="body" sz="quarter" idx="3"/>
+          </p:nvPr>
+        </p:nvSpPr>
+        <p:spPr>
+          <a:xfrm>
+            <a:off x="685800" y="4400550"/>
+            <a:ext cx="5486400" cy="3600450"/>
+          </a:xfrm>
+          <a:prstGeom prst="rect">
+            <a:avLst/>
+          </a:prstGeom>
+        </p:spPr>
+        <p:txBody>
+          <a:bodyPr vert="horz" lIns="91440" tIns="45720" rIns="91440" bIns="45720" rtlCol="0"/>
+          <a:lstStyle/>
+          <a:p>
+            <a:pPr lvl="0"/>
+            <a:r>
+              <a:rPr lang="en-US"/>
+              <a:t>Click to edit Master text styles</a:t>
+            </a:r>
+          </a:p>
+          <a:p>
+            <a:pPr lvl="1"/>
+            <a:r>
+              <a:rPr lang="en-US"/>
+              <a:t>Second level</a:t>
+            </a:r>
+          </a:p>
+          <a:p>
+            <a:pPr lvl="2"/>
+            <a:r>
+              <a:rPr lang="en-US"/>
+              <a:t>Third level</a:t>
+            </a:r>
+          </a:p>
+          <a:p>
+            <a:pPr lvl="3"/>
+            <a:r>
+              <a:rPr lang="en-US"/>
+              <a:t>Fourth level</a:t>
+            </a:r>
+          </a:p>
+          <a:p>
+            <a:pPr lvl="4"/>
+            <a:r>
+              <a:rPr lang="en-US"/>
+              <a:t>Fifth level</a:t>
+            </a:r>
+            <a:endParaRPr lang="en-VN"/>
+          </a:p>
+        </p:txBody>
+      </p:sp>
+      <p:sp>
+        <p:nvSpPr>
+          <p:cNvPr id="6" name="Footer Placeholder 5"/>
+          <p:cNvSpPr>
+            <a:spLocks noGrp="1"/>
+          </p:cNvSpPr>
+          <p:nvPr>
+            <p:ph type="ftr" sz="quarter" idx="4"/>
+          </p:nvPr>
+        </p:nvSpPr>
+        <p:spPr>
+          <a:xfrm>
+            <a:off x="0" y="8685213"/>
+            <a:ext cx="2971800" cy="458787"/>
+          </a:xfrm>
+          <a:prstGeom prst="rect">
+            <a:avLst/>
+          </a:prstGeom>
+        </p:spPr>
+        <p:txBody>
+          <a:bodyPr vert="horz" lIns="91440" tIns="45720" rIns="91440" bIns="45720" rtlCol="0" anchor="b"/>
+          <a:lstStyle>
+            <a:lvl1pPr algn="l">
+              <a:defRPr sz="1200"/>
+            </a:lvl1pPr>
+          </a:lstStyle>
+          <a:p>
+            <a:endParaRPr lang="en-VN"/>
+          </a:p>
+        </p:txBody>
+      </p:sp>
+      <p:sp>
+        <p:nvSpPr>
+          <p:cNvPr id="7" name="Slide Number Placeholder 6"/>
+          <p:cNvSpPr>
+            <a:spLocks noGrp="1"/>
+          </p:cNvSpPr>
+          <p:nvPr>
+            <p:ph type="sldNum" sz="quarter" idx="5"/>
+          </p:nvPr>
+        </p:nvSpPr>
+        <p:spPr>
+          <a:xfrm>
+            <a:off x="3884613" y="8685213"/>
+            <a:ext cx="2971800" cy="458787"/>
+          </a:xfrm>
+          <a:prstGeom prst="rect">
+            <a:avLst/>
+          </a:prstGeom>
+        </p:spPr>
+        <p:txBody>
+          <a:bodyPr vert="horz" lIns="91440" tIns="45720" rIns="91440" bIns="45720" rtlCol="0" anchor="b"/>
+          <a:lstStyle>
+            <a:lvl1pPr algn="r">
+              <a:defRPr sz="1200"/>
+            </a:lvl1pPr>
+          </a:lstStyle>
+          <a:p>
+            <a:fld id="{AFF8A350-7AA6-6B4E-830A-A5509294DF43}" type="slidenum">
+              <a:t>‹#›</a:t>
+            </a:fld>
+            <a:endParaRPr lang="en-VN"/>
+          </a:p>
+        </p:txBody>
+      </p:sp>
+    </p:spTree>
+    <p:extLst>
+      <p:ext uri="{BB962C8B-B14F-4D97-AF65-F5344CB8AC3E}">
+        <p14:creationId xmlns:p14="http://schemas.microsoft.com/office/powerpoint/2010/main" val="2606862033"/>
+      </p:ext>
+    </p:extLst>
+  </p:cSld>
+  <p:clrMap bg1="lt1" tx1="dk1" bg2="lt2" tx2="dk2" accent1="accent1" accent2="accent2" accent3="accent3" accent4="accent4" accent5="accent5" accent6="accent6" hlink="hlink" folHlink="folHlink"/>
+  <p:notesStyle>
+    <a:lvl1pPr marL="0" algn="l" defTabSz="914400" rtl="0" eaLnBrk="1" latinLnBrk="0" hangingPunct="1">
+      <a:defRPr sz="1200" kern="1200">
+        <a:solidFill>
+          <a:schemeClr val="tx1"/>
+        </a:solidFill>
+        <a:latin typeface="+mn-lt"/>
+        <a:ea typeface="+mn-ea"/>
+        <a:cs typeface="+mn-cs"/>
+      </a:defRPr>
+    </a:lvl1pPr>
+    <a:lvl2pPr marL="457200" algn="l" defTabSz="914400" rtl="0" eaLnBrk="1" latinLnBrk="0" hangingPunct="1">
+      <a:defRPr sz="1200" kern="1200">
+        <a:solidFill>
+          <a:schemeClr val="tx1"/>
+        </a:solidFill>
+        <a:latin typeface="+mn-lt"/>
+        <a:ea typeface="+mn-ea"/>
+        <a:cs typeface="+mn-cs"/>
+      </a:defRPr>
+    </a:lvl2pPr>
+    <a:lvl3pPr marL="914400" algn="l" defTabSz="914400" rtl="0" eaLnBrk="1" latinLnBrk="0" hangingPunct="1">
+      <a:defRPr sz="1200" kern="1200">
+        <a:solidFill>
+          <a:schemeClr val="tx1"/>
+        </a:solidFill>
+        <a:latin typeface="+mn-lt"/>
+        <a:ea typeface="+mn-ea"/>
+        <a:cs typeface="+mn-cs"/>
+      </a:defRPr>
+    </a:lvl3pPr>
+    <a:lvl4pPr marL="1371600" algn="l" defTabSz="914400" rtl="0" eaLnBrk="1" latinLnBrk="0" hangingPunct="1">
+      <a:defRPr sz="1200" kern="1200">
+        <a:solidFill>
+          <a:schemeClr val="tx1"/>
+        </a:solidFill>
+        <a:latin typeface="+mn-lt"/>
+        <a:ea typeface="+mn-ea"/>
+        <a:cs typeface="+mn-cs"/>
+      </a:defRPr>
+    </a:lvl4pPr>
+    <a:lvl5pPr marL="1828800" algn="l" defTabSz="914400" rtl="0" eaLnBrk="1" latinLnBrk="0" hangingPunct="1">
+      <a:defRPr sz="1200" kern="1200">
+        <a:solidFill>
+          <a:schemeClr val="tx1"/>
+        </a:solidFill>
+        <a:latin typeface="+mn-lt"/>
+        <a:ea typeface="+mn-ea"/>
+        <a:cs typeface="+mn-cs"/>
+      </a:defRPr>
+    </a:lvl5pPr>
+    <a:lvl6pPr marL="2286000" algn="l" defTabSz="914400" rtl="0" eaLnBrk="1" latinLnBrk="0" hangingPunct="1">
+      <a:defRPr sz="1200" kern="1200">
+        <a:solidFill>
+          <a:schemeClr val="tx1"/>
+        </a:solidFill>
+        <a:latin typeface="+mn-lt"/>
+        <a:ea typeface="+mn-ea"/>
+        <a:cs typeface="+mn-cs"/>
+      </a:defRPr>
+    </a:lvl6pPr>
+    <a:lvl7pPr marL="2743200" algn="l" defTabSz="914400" rtl="0" eaLnBrk="1" latinLnBrk="0" hangingPunct="1">
+      <a:defRPr sz="1200" kern="1200">
+        <a:solidFill>
+          <a:schemeClr val="tx1"/>
+        </a:solidFill>
+        <a:latin typeface="+mn-lt"/>
+        <a:ea typeface="+mn-ea"/>
+        <a:cs typeface="+mn-cs"/>
+      </a:defRPr>
+    </a:lvl7pPr>
+    <a:lvl8pPr marL="3200400" algn="l" defTabSz="914400" rtl="0" eaLnBrk="1" latinLnBrk="0" hangingPunct="1">
+      <a:defRPr sz="1200" kern="1200">
+        <a:solidFill>
+          <a:schemeClr val="tx1"/>
+        </a:solidFill>
+        <a:latin typeface="+mn-lt"/>
+        <a:ea typeface="+mn-ea"/>
+        <a:cs typeface="+mn-cs"/>
+      </a:defRPr>
+    </a:lvl8pPr>
+    <a:lvl9pPr marL="3657600" algn="l" defTabSz="914400" rtl="0" eaLnBrk="1" latinLnBrk="0" hangingPunct="1">
+      <a:defRPr sz="1200" kern="1200">
+        <a:solidFill>
+          <a:schemeClr val="tx1"/>
+        </a:solidFill>
+        <a:latin typeface="+mn-lt"/>
+        <a:ea typeface="+mn-ea"/>
+        <a:cs typeface="+mn-cs"/>
+      </a:defRPr>
+    </a:lvl9pPr>
+  </p:notesStyle>
+</p:notesMaster>
+</file>
+
 <file path=ppt/slideLayouts/slideLayout1.xml><?xml version="1.0" encoding="utf-8"?>
 <p:sldLayout xmlns:a="http://schemas.openxmlformats.org/drawingml/2006/main" xmlns:r="http://schemas.openxmlformats.org/officeDocument/2006/relationships" xmlns:p="http://schemas.openxmlformats.org/presentationml/2006/main" type="title" preserve="1">
   <p:cSld name="Title Slide">
@@ -246,9 +598,8 @@
           <a:bodyPr/>
           <a:lstStyle/>
           <a:p>
-            <a:fld id="{199A3582-EB61-4765-8E60-B3244E8DDD3F}" type="datetimeFigureOut">
-              <a:rPr lang="en-US" smtClean="0"/>
-              <a:t>3/8/2022</a:t>
+            <a:fld id="{0DDB0C27-5CC0-AE4B-A9B6-1C1A8F15976E}" type="datetime1">
+              <a:t>28/02/2023</a:t>
             </a:fld>
             <a:endParaRPr lang="en-US"/>
           </a:p>
@@ -414,9 +765,8 @@
           <a:bodyPr/>
           <a:lstStyle/>
           <a:p>
-            <a:fld id="{199A3582-EB61-4765-8E60-B3244E8DDD3F}" type="datetimeFigureOut">
-              <a:rPr lang="en-US" smtClean="0"/>
-              <a:t>3/8/2022</a:t>
+            <a:fld id="{A1AB976C-5E89-BE46-B6A2-18E033DC7B7F}" type="datetime1">
+              <a:t>28/02/2023</a:t>
             </a:fld>
             <a:endParaRPr lang="en-US"/>
           </a:p>
@@ -592,9 +942,8 @@
           <a:bodyPr/>
           <a:lstStyle/>
           <a:p>
-            <a:fld id="{199A3582-EB61-4765-8E60-B3244E8DDD3F}" type="datetimeFigureOut">
-              <a:rPr lang="en-US" smtClean="0"/>
-              <a:t>3/8/2022</a:t>
+            <a:fld id="{D3EB9961-F7AC-F442-9DA7-5C044E83E8F0}" type="datetime1">
+              <a:t>28/02/2023</a:t>
             </a:fld>
             <a:endParaRPr lang="en-US"/>
           </a:p>
@@ -760,9 +1109,8 @@
           <a:bodyPr/>
           <a:lstStyle/>
           <a:p>
-            <a:fld id="{199A3582-EB61-4765-8E60-B3244E8DDD3F}" type="datetimeFigureOut">
-              <a:rPr lang="en-US" smtClean="0"/>
-              <a:t>3/8/2022</a:t>
+            <a:fld id="{2BC5C2EC-D52B-4E49-9BD2-7F34EF2A2110}" type="datetime1">
+              <a:t>28/02/2023</a:t>
             </a:fld>
             <a:endParaRPr lang="en-US"/>
           </a:p>
@@ -1005,9 +1353,8 @@
           <a:bodyPr/>
           <a:lstStyle/>
           <a:p>
-            <a:fld id="{199A3582-EB61-4765-8E60-B3244E8DDD3F}" type="datetimeFigureOut">
-              <a:rPr lang="en-US" smtClean="0"/>
-              <a:t>3/8/2022</a:t>
+            <a:fld id="{2E689BA2-5EDF-204F-BDB5-47A63D89879F}" type="datetime1">
+              <a:t>28/02/2023</a:t>
             </a:fld>
             <a:endParaRPr lang="en-US"/>
           </a:p>
@@ -1234,9 +1581,8 @@
           <a:bodyPr/>
           <a:lstStyle/>
           <a:p>
-            <a:fld id="{199A3582-EB61-4765-8E60-B3244E8DDD3F}" type="datetimeFigureOut">
-              <a:rPr lang="en-US" smtClean="0"/>
-              <a:t>3/8/2022</a:t>
+            <a:fld id="{C71BC0A1-3625-D949-894B-12A4B1103545}" type="datetime1">
+              <a:t>28/02/2023</a:t>
             </a:fld>
             <a:endParaRPr lang="en-US"/>
           </a:p>
@@ -1598,9 +1944,8 @@
           <a:bodyPr/>
           <a:lstStyle/>
           <a:p>
-            <a:fld id="{199A3582-EB61-4765-8E60-B3244E8DDD3F}" type="datetimeFigureOut">
-              <a:rPr lang="en-US" smtClean="0"/>
-              <a:t>3/8/2022</a:t>
+            <a:fld id="{631AF034-057E-7E42-A703-A16CE37858B1}" type="datetime1">
+              <a:t>28/02/2023</a:t>
             </a:fld>
             <a:endParaRPr lang="en-US"/>
           </a:p>
@@ -1715,9 +2060,8 @@
           <a:bodyPr/>
           <a:lstStyle/>
           <a:p>
-            <a:fld id="{199A3582-EB61-4765-8E60-B3244E8DDD3F}" type="datetimeFigureOut">
-              <a:rPr lang="en-US" smtClean="0"/>
-              <a:t>3/8/2022</a:t>
+            <a:fld id="{6C312224-5262-0D45-8752-AD88DF7DF160}" type="datetime1">
+              <a:t>28/02/2023</a:t>
             </a:fld>
             <a:endParaRPr lang="en-US"/>
           </a:p>
@@ -1810,9 +2154,8 @@
           <a:bodyPr/>
           <a:lstStyle/>
           <a:p>
-            <a:fld id="{199A3582-EB61-4765-8E60-B3244E8DDD3F}" type="datetimeFigureOut">
-              <a:rPr lang="en-US" smtClean="0"/>
-              <a:t>3/8/2022</a:t>
+            <a:fld id="{186C3894-04D4-E046-8AC0-98EC70D1D50C}" type="datetime1">
+              <a:t>28/02/2023</a:t>
             </a:fld>
             <a:endParaRPr lang="en-US"/>
           </a:p>
@@ -2085,9 +2428,8 @@
           <a:bodyPr/>
           <a:lstStyle/>
           <a:p>
-            <a:fld id="{199A3582-EB61-4765-8E60-B3244E8DDD3F}" type="datetimeFigureOut">
-              <a:rPr lang="en-US" smtClean="0"/>
-              <a:t>3/8/2022</a:t>
+            <a:fld id="{BD6227EF-D3E1-B74B-97FE-FE43DF3D709B}" type="datetime1">
+              <a:t>28/02/2023</a:t>
             </a:fld>
             <a:endParaRPr lang="en-US"/>
           </a:p>
@@ -2337,9 +2679,8 @@
           <a:bodyPr/>
           <a:lstStyle/>
           <a:p>
-            <a:fld id="{199A3582-EB61-4765-8E60-B3244E8DDD3F}" type="datetimeFigureOut">
-              <a:rPr lang="en-US" smtClean="0"/>
-              <a:t>3/8/2022</a:t>
+            <a:fld id="{1A1BECCB-56EF-1541-9CBC-CE4FC0155FEE}" type="datetime1">
+              <a:t>28/02/2023</a:t>
             </a:fld>
             <a:endParaRPr lang="en-US"/>
           </a:p>
@@ -2548,9 +2889,8 @@
             </a:lvl1pPr>
           </a:lstStyle>
           <a:p>
-            <a:fld id="{199A3582-EB61-4765-8E60-B3244E8DDD3F}" type="datetimeFigureOut">
-              <a:rPr lang="en-US" smtClean="0"/>
-              <a:t>3/8/2022</a:t>
+            <a:fld id="{0DFD353B-B5AB-CF4C-8D9F-51BDAFC66301}" type="datetime1">
+              <a:t>28/02/2023</a:t>
             </a:fld>
             <a:endParaRPr lang="en-US"/>
           </a:p>
@@ -2655,6 +2995,7 @@
     <p:sldLayoutId id="2147483658" r:id="rId10"/>
     <p:sldLayoutId id="2147483659" r:id="rId11"/>
   </p:sldLayoutIdLst>
+  <p:hf hdr="0" ftr="0" dt="0"/>
   <p:txStyles>
     <p:titleStyle>
       <a:lvl1pPr algn="l" defTabSz="914400" rtl="0" eaLnBrk="1" latinLnBrk="0" hangingPunct="1">
@@ -3044,6 +3385,35 @@
           </a:p>
         </p:txBody>
       </p:sp>
+      <p:sp>
+        <p:nvSpPr>
+          <p:cNvPr id="4" name="Slide Number Placeholder 3">
+            <a:extLst>
+              <a:ext uri="{FF2B5EF4-FFF2-40B4-BE49-F238E27FC236}">
+                <a16:creationId xmlns:a16="http://schemas.microsoft.com/office/drawing/2014/main" id="{A2933275-80ED-C475-7A0C-867978AF8378}"/>
+              </a:ext>
+            </a:extLst>
+          </p:cNvPr>
+          <p:cNvSpPr>
+            <a:spLocks noGrp="1"/>
+          </p:cNvSpPr>
+          <p:nvPr>
+            <p:ph type="sldNum" sz="quarter" idx="12"/>
+          </p:nvPr>
+        </p:nvSpPr>
+        <p:spPr/>
+        <p:txBody>
+          <a:bodyPr/>
+          <a:lstStyle/>
+          <a:p>
+            <a:fld id="{9D563E13-6253-4AA0-BAE6-80A963751161}" type="slidenum">
+              <a:rPr lang="en-US" smtClean="0"/>
+              <a:t>1</a:t>
+            </a:fld>
+            <a:endParaRPr lang="en-US"/>
+          </a:p>
+        </p:txBody>
+      </p:sp>
     </p:spTree>
     <p:extLst>
       <p:ext uri="{BB962C8B-B14F-4D97-AF65-F5344CB8AC3E}">
@@ -3160,6 +3530,35 @@
           </a:p>
         </p:txBody>
       </p:sp>
+      <p:sp>
+        <p:nvSpPr>
+          <p:cNvPr id="4" name="Slide Number Placeholder 3">
+            <a:extLst>
+              <a:ext uri="{FF2B5EF4-FFF2-40B4-BE49-F238E27FC236}">
+                <a16:creationId xmlns:a16="http://schemas.microsoft.com/office/drawing/2014/main" id="{506B39E0-253E-13EB-8BBC-DEF0D6A33B5E}"/>
+              </a:ext>
+            </a:extLst>
+          </p:cNvPr>
+          <p:cNvSpPr>
+            <a:spLocks noGrp="1"/>
+          </p:cNvSpPr>
+          <p:nvPr>
+            <p:ph type="sldNum" sz="quarter" idx="12"/>
+          </p:nvPr>
+        </p:nvSpPr>
+        <p:spPr/>
+        <p:txBody>
+          <a:bodyPr/>
+          <a:lstStyle/>
+          <a:p>
+            <a:fld id="{9D563E13-6253-4AA0-BAE6-80A963751161}" type="slidenum">
+              <a:rPr lang="en-US" smtClean="0"/>
+              <a:t>2</a:t>
+            </a:fld>
+            <a:endParaRPr lang="en-US"/>
+          </a:p>
+        </p:txBody>
+      </p:sp>
     </p:spTree>
     <p:extLst>
       <p:ext uri="{BB962C8B-B14F-4D97-AF65-F5344CB8AC3E}">
@@ -3234,6 +3633,35 @@
           </a:p>
         </p:txBody>
       </p:sp>
+      <p:sp>
+        <p:nvSpPr>
+          <p:cNvPr id="4" name="Slide Number Placeholder 3">
+            <a:extLst>
+              <a:ext uri="{FF2B5EF4-FFF2-40B4-BE49-F238E27FC236}">
+                <a16:creationId xmlns:a16="http://schemas.microsoft.com/office/drawing/2014/main" id="{8975A5AA-092F-F762-FC4A-5FE44A096C99}"/>
+              </a:ext>
+            </a:extLst>
+          </p:cNvPr>
+          <p:cNvSpPr>
+            <a:spLocks noGrp="1"/>
+          </p:cNvSpPr>
+          <p:nvPr>
+            <p:ph type="sldNum" sz="quarter" idx="12"/>
+          </p:nvPr>
+        </p:nvSpPr>
+        <p:spPr/>
+        <p:txBody>
+          <a:bodyPr/>
+          <a:lstStyle/>
+          <a:p>
+            <a:fld id="{9D563E13-6253-4AA0-BAE6-80A963751161}" type="slidenum">
+              <a:rPr lang="en-US" smtClean="0"/>
+              <a:t>3</a:t>
+            </a:fld>
+            <a:endParaRPr lang="en-US"/>
+          </a:p>
+        </p:txBody>
+      </p:sp>
     </p:spTree>
     <p:extLst>
       <p:ext uri="{BB962C8B-B14F-4D97-AF65-F5344CB8AC3E}">
@@ -3326,6 +3754,35 @@
           </a:p>
         </p:txBody>
       </p:sp>
+      <p:sp>
+        <p:nvSpPr>
+          <p:cNvPr id="4" name="Slide Number Placeholder 3">
+            <a:extLst>
+              <a:ext uri="{FF2B5EF4-FFF2-40B4-BE49-F238E27FC236}">
+                <a16:creationId xmlns:a16="http://schemas.microsoft.com/office/drawing/2014/main" id="{9BC3737D-6DC2-9949-18DB-A8A6DF6C3E4B}"/>
+              </a:ext>
+            </a:extLst>
+          </p:cNvPr>
+          <p:cNvSpPr>
+            <a:spLocks noGrp="1"/>
+          </p:cNvSpPr>
+          <p:nvPr>
+            <p:ph type="sldNum" sz="quarter" idx="12"/>
+          </p:nvPr>
+        </p:nvSpPr>
+        <p:spPr/>
+        <p:txBody>
+          <a:bodyPr/>
+          <a:lstStyle/>
+          <a:p>
+            <a:fld id="{9D563E13-6253-4AA0-BAE6-80A963751161}" type="slidenum">
+              <a:rPr lang="en-US" smtClean="0"/>
+              <a:t>4</a:t>
+            </a:fld>
+            <a:endParaRPr lang="en-US"/>
+          </a:p>
+        </p:txBody>
+      </p:sp>
     </p:spTree>
     <p:extLst>
       <p:ext uri="{BB962C8B-B14F-4D97-AF65-F5344CB8AC3E}">
@@ -3866,6 +4323,35 @@
               <a:rPr lang="en-US" sz="3200"/>
               <a:t>;</a:t>
             </a:r>
+          </a:p>
+        </p:txBody>
+      </p:sp>
+      <p:sp>
+        <p:nvSpPr>
+          <p:cNvPr id="3" name="Slide Number Placeholder 2">
+            <a:extLst>
+              <a:ext uri="{FF2B5EF4-FFF2-40B4-BE49-F238E27FC236}">
+                <a16:creationId xmlns:a16="http://schemas.microsoft.com/office/drawing/2014/main" id="{D349229F-E639-0A3E-E918-54110FCD24C9}"/>
+              </a:ext>
+            </a:extLst>
+          </p:cNvPr>
+          <p:cNvSpPr>
+            <a:spLocks noGrp="1"/>
+          </p:cNvSpPr>
+          <p:nvPr>
+            <p:ph type="sldNum" sz="quarter" idx="12"/>
+          </p:nvPr>
+        </p:nvSpPr>
+        <p:spPr/>
+        <p:txBody>
+          <a:bodyPr/>
+          <a:lstStyle/>
+          <a:p>
+            <a:fld id="{9D563E13-6253-4AA0-BAE6-80A963751161}" type="slidenum">
+              <a:rPr lang="en-US" smtClean="0"/>
+              <a:t>5</a:t>
+            </a:fld>
+            <a:endParaRPr lang="en-US"/>
           </a:p>
         </p:txBody>
       </p:sp>
@@ -5161,6 +5647,35 @@
               <a:rPr lang="en-US"/>
               <a:t>int b = 6;</a:t>
             </a:r>
+          </a:p>
+        </p:txBody>
+      </p:sp>
+      <p:sp>
+        <p:nvSpPr>
+          <p:cNvPr id="6" name="Slide Number Placeholder 5">
+            <a:extLst>
+              <a:ext uri="{FF2B5EF4-FFF2-40B4-BE49-F238E27FC236}">
+                <a16:creationId xmlns:a16="http://schemas.microsoft.com/office/drawing/2014/main" id="{613E713D-21CE-D808-E519-5A160F5B1BBD}"/>
+              </a:ext>
+            </a:extLst>
+          </p:cNvPr>
+          <p:cNvSpPr>
+            <a:spLocks noGrp="1"/>
+          </p:cNvSpPr>
+          <p:nvPr>
+            <p:ph type="sldNum" sz="quarter" idx="12"/>
+          </p:nvPr>
+        </p:nvSpPr>
+        <p:spPr/>
+        <p:txBody>
+          <a:bodyPr/>
+          <a:lstStyle/>
+          <a:p>
+            <a:fld id="{9D563E13-6253-4AA0-BAE6-80A963751161}" type="slidenum">
+              <a:rPr lang="en-US" smtClean="0"/>
+              <a:t>6</a:t>
+            </a:fld>
+            <a:endParaRPr lang="en-US"/>
           </a:p>
         </p:txBody>
       </p:sp>
@@ -6571,6 +7086,35 @@
           </a:fontRef>
         </p:style>
       </p:cxnSp>
+      <p:sp>
+        <p:nvSpPr>
+          <p:cNvPr id="7" name="Slide Number Placeholder 6">
+            <a:extLst>
+              <a:ext uri="{FF2B5EF4-FFF2-40B4-BE49-F238E27FC236}">
+                <a16:creationId xmlns:a16="http://schemas.microsoft.com/office/drawing/2014/main" id="{0B37982E-12BF-2E89-130A-9240E35DC9D9}"/>
+              </a:ext>
+            </a:extLst>
+          </p:cNvPr>
+          <p:cNvSpPr>
+            <a:spLocks noGrp="1"/>
+          </p:cNvSpPr>
+          <p:nvPr>
+            <p:ph type="sldNum" sz="quarter" idx="12"/>
+          </p:nvPr>
+        </p:nvSpPr>
+        <p:spPr/>
+        <p:txBody>
+          <a:bodyPr/>
+          <a:lstStyle/>
+          <a:p>
+            <a:fld id="{9D563E13-6253-4AA0-BAE6-80A963751161}" type="slidenum">
+              <a:rPr lang="en-US" smtClean="0"/>
+              <a:t>7</a:t>
+            </a:fld>
+            <a:endParaRPr lang="en-US"/>
+          </a:p>
+        </p:txBody>
+      </p:sp>
     </p:spTree>
     <p:extLst>
       <p:ext uri="{BB962C8B-B14F-4D97-AF65-F5344CB8AC3E}">
@@ -7370,10 +7914,166 @@
           </a:fontRef>
         </p:style>
       </p:cxnSp>
+      <p:sp>
+        <p:nvSpPr>
+          <p:cNvPr id="6" name="Slide Number Placeholder 5">
+            <a:extLst>
+              <a:ext uri="{FF2B5EF4-FFF2-40B4-BE49-F238E27FC236}">
+                <a16:creationId xmlns:a16="http://schemas.microsoft.com/office/drawing/2014/main" id="{017EDD38-BB96-7263-F901-63271DCF20EE}"/>
+              </a:ext>
+            </a:extLst>
+          </p:cNvPr>
+          <p:cNvSpPr>
+            <a:spLocks noGrp="1"/>
+          </p:cNvSpPr>
+          <p:nvPr>
+            <p:ph type="sldNum" sz="quarter" idx="12"/>
+          </p:nvPr>
+        </p:nvSpPr>
+        <p:spPr/>
+        <p:txBody>
+          <a:bodyPr/>
+          <a:lstStyle/>
+          <a:p>
+            <a:fld id="{9D563E13-6253-4AA0-BAE6-80A963751161}" type="slidenum">
+              <a:rPr lang="en-US" smtClean="0"/>
+              <a:t>8</a:t>
+            </a:fld>
+            <a:endParaRPr lang="en-US"/>
+          </a:p>
+        </p:txBody>
+      </p:sp>
     </p:spTree>
     <p:extLst>
       <p:ext uri="{BB962C8B-B14F-4D97-AF65-F5344CB8AC3E}">
         <p14:creationId xmlns:p14="http://schemas.microsoft.com/office/powerpoint/2010/main" val="2900171510"/>
+      </p:ext>
+    </p:extLst>
+  </p:cSld>
+  <p:clrMapOvr>
+    <a:masterClrMapping/>
+  </p:clrMapOvr>
+</p:sld>
+</file>
+
+<file path=ppt/slides/slide9.xml><?xml version="1.0" encoding="utf-8"?>
+<p:sld xmlns:a="http://schemas.openxmlformats.org/drawingml/2006/main" xmlns:r="http://schemas.openxmlformats.org/officeDocument/2006/relationships" xmlns:p="http://schemas.openxmlformats.org/presentationml/2006/main">
+  <p:cSld>
+    <p:spTree>
+      <p:nvGrpSpPr>
+        <p:cNvPr id="1" name=""/>
+        <p:cNvGrpSpPr/>
+        <p:nvPr/>
+      </p:nvGrpSpPr>
+      <p:grpSpPr>
+        <a:xfrm>
+          <a:off x="0" y="0"/>
+          <a:ext cx="0" cy="0"/>
+          <a:chOff x="0" y="0"/>
+          <a:chExt cx="0" cy="0"/>
+        </a:xfrm>
+      </p:grpSpPr>
+      <p:sp>
+        <p:nvSpPr>
+          <p:cNvPr id="2" name="Title 1">
+            <a:extLst>
+              <a:ext uri="{FF2B5EF4-FFF2-40B4-BE49-F238E27FC236}">
+                <a16:creationId xmlns:a16="http://schemas.microsoft.com/office/drawing/2014/main" id="{67D3186F-ACA5-2CDC-07A3-119704A9ACFA}"/>
+              </a:ext>
+            </a:extLst>
+          </p:cNvPr>
+          <p:cNvSpPr>
+            <a:spLocks noGrp="1"/>
+          </p:cNvSpPr>
+          <p:nvPr>
+            <p:ph type="title"/>
+          </p:nvPr>
+        </p:nvSpPr>
+        <p:spPr/>
+        <p:txBody>
+          <a:bodyPr/>
+          <a:lstStyle/>
+          <a:p>
+            <a:r>
+              <a:rPr lang="en-VN"/>
+              <a:t>Một số mẹo hữu ích</a:t>
+            </a:r>
+          </a:p>
+        </p:txBody>
+      </p:sp>
+      <p:sp>
+        <p:nvSpPr>
+          <p:cNvPr id="3" name="Content Placeholder 2">
+            <a:extLst>
+              <a:ext uri="{FF2B5EF4-FFF2-40B4-BE49-F238E27FC236}">
+                <a16:creationId xmlns:a16="http://schemas.microsoft.com/office/drawing/2014/main" id="{04C32ADA-8D2E-7714-C5A9-ED45B77311B2}"/>
+              </a:ext>
+            </a:extLst>
+          </p:cNvPr>
+          <p:cNvSpPr>
+            <a:spLocks noGrp="1"/>
+          </p:cNvSpPr>
+          <p:nvPr>
+            <p:ph idx="1"/>
+          </p:nvPr>
+        </p:nvSpPr>
+        <p:spPr/>
+        <p:txBody>
+          <a:bodyPr/>
+          <a:lstStyle/>
+          <a:p>
+            <a:pPr marL="0" indent="0">
+              <a:buNone/>
+            </a:pPr>
+            <a:r>
+              <a:rPr lang="en-VN"/>
+              <a:t>+ Từ khoá auto.</a:t>
+            </a:r>
+          </a:p>
+          <a:p>
+            <a:pPr marL="0" indent="0">
+              <a:buNone/>
+            </a:pPr>
+            <a:r>
+              <a:rPr lang="en-VN"/>
+              <a:t>+ Đối tượng vector&lt;&gt; để tạo kiểu dữ liệu 1 chiều, hoặc vector&lt;vector&lt;&gt;&gt; để tạo kiểu dữ liệu 2 chiều.</a:t>
+            </a:r>
+          </a:p>
+        </p:txBody>
+      </p:sp>
+      <p:sp>
+        <p:nvSpPr>
+          <p:cNvPr id="4" name="Slide Number Placeholder 3">
+            <a:extLst>
+              <a:ext uri="{FF2B5EF4-FFF2-40B4-BE49-F238E27FC236}">
+                <a16:creationId xmlns:a16="http://schemas.microsoft.com/office/drawing/2014/main" id="{CE27A83D-8964-2019-7D8B-8AD866667413}"/>
+              </a:ext>
+            </a:extLst>
+          </p:cNvPr>
+          <p:cNvSpPr>
+            <a:spLocks noGrp="1"/>
+          </p:cNvSpPr>
+          <p:nvPr>
+            <p:ph type="sldNum" sz="quarter" idx="12"/>
+          </p:nvPr>
+        </p:nvSpPr>
+        <p:spPr/>
+        <p:txBody>
+          <a:bodyPr/>
+          <a:lstStyle/>
+          <a:p>
+            <a:fld id="{9D563E13-6253-4AA0-BAE6-80A963751161}" type="slidenum">
+              <a:rPr lang="en-US" smtClean="0"/>
+              <a:t>9</a:t>
+            </a:fld>
+            <a:endParaRPr lang="en-US"/>
+          </a:p>
+        </p:txBody>
+      </p:sp>
+    </p:spTree>
+    <p:extLst>
+      <p:ext uri="{BB962C8B-B14F-4D97-AF65-F5344CB8AC3E}">
+        <p14:creationId xmlns:p14="http://schemas.microsoft.com/office/powerpoint/2010/main" val="3112299850"/>
       </p:ext>
     </p:extLst>
   </p:cSld>
@@ -7642,4 +8342,299 @@
     </a:ext>
   </a:extLst>
 </a:theme>
+</file>
+
+<file path=ppt/theme/theme2.xml><?xml version="1.0" encoding="utf-8"?>
+<a:theme xmlns:a="http://schemas.openxmlformats.org/drawingml/2006/main" name="Office Theme 2013 - 2022">
+  <a:themeElements>
+    <a:clrScheme name="Office">
+      <a:dk1>
+        <a:sysClr val="windowText" lastClr="000000"/>
+      </a:dk1>
+      <a:lt1>
+        <a:sysClr val="window" lastClr="FFFFFF"/>
+      </a:lt1>
+      <a:dk2>
+        <a:srgbClr val="44546A"/>
+      </a:dk2>
+      <a:lt2>
+        <a:srgbClr val="E7E6E6"/>
+      </a:lt2>
+      <a:accent1>
+        <a:srgbClr val="4472C4"/>
+      </a:accent1>
+      <a:accent2>
+        <a:srgbClr val="ED7D31"/>
+      </a:accent2>
+      <a:accent3>
+        <a:srgbClr val="A5A5A5"/>
+      </a:accent3>
+      <a:accent4>
+        <a:srgbClr val="FFC000"/>
+      </a:accent4>
+      <a:accent5>
+        <a:srgbClr val="5B9BD5"/>
+      </a:accent5>
+      <a:accent6>
+        <a:srgbClr val="70AD47"/>
+      </a:accent6>
+      <a:hlink>
+        <a:srgbClr val="0563C1"/>
+      </a:hlink>
+      <a:folHlink>
+        <a:srgbClr val="954F72"/>
+      </a:folHlink>
+    </a:clrScheme>
+    <a:fontScheme name="Office">
+      <a:majorFont>
+        <a:latin typeface="Calibri Light" panose="020F0302020204030204"/>
+        <a:ea typeface=""/>
+        <a:cs typeface=""/>
+        <a:font script="Jpan" typeface="游ゴシック Light"/>
+        <a:font script="Hang" typeface="맑은 고딕"/>
+        <a:font script="Hans" typeface="等线 Light"/>
+        <a:font script="Hant" typeface="新細明體"/>
+        <a:font script="Arab" typeface="Times New Roman"/>
+        <a:font script="Hebr" typeface="Times New Roman"/>
+        <a:font script="Thai" typeface="Angsana New"/>
+        <a:font script="Ethi" typeface="Nyala"/>
+        <a:font script="Beng" typeface="Vrinda"/>
+        <a:font script="Gujr" typeface="Shruti"/>
+        <a:font script="Khmr" typeface="MoolBoran"/>
+        <a:font script="Knda" typeface="Tunga"/>
+        <a:font script="Guru" typeface="Raavi"/>
+        <a:font script="Cans" typeface="Euphemia"/>
+        <a:font script="Cher" typeface="Plantagenet Cherokee"/>
+        <a:font script="Yiii" typeface="Microsoft Yi Baiti"/>
+        <a:font script="Tibt" typeface="Microsoft Himalaya"/>
+        <a:font script="Thaa" typeface="MV Boli"/>
+        <a:font script="Deva" typeface="Mangal"/>
+        <a:font script="Telu" typeface="Gautami"/>
+        <a:font script="Taml" typeface="Latha"/>
+        <a:font script="Syrc" typeface="Estrangelo Edessa"/>
+        <a:font script="Orya" typeface="Kalinga"/>
+        <a:font script="Mlym" typeface="Kartika"/>
+        <a:font script="Laoo" typeface="DokChampa"/>
+        <a:font script="Sinh" typeface="Iskoola Pota"/>
+        <a:font script="Mong" typeface="Mongolian Baiti"/>
+        <a:font script="Viet" typeface="Times New Roman"/>
+        <a:font script="Uigh" typeface="Microsoft Uighur"/>
+        <a:font script="Geor" typeface="Sylfaen"/>
+        <a:font script="Armn" typeface="Arial"/>
+        <a:font script="Bugi" typeface="Leelawadee UI"/>
+        <a:font script="Bopo" typeface="Microsoft JhengHei"/>
+        <a:font script="Java" typeface="Javanese Text"/>
+        <a:font script="Lisu" typeface="Segoe UI"/>
+        <a:font script="Mymr" typeface="Myanmar Text"/>
+        <a:font script="Nkoo" typeface="Ebrima"/>
+        <a:font script="Olck" typeface="Nirmala UI"/>
+        <a:font script="Osma" typeface="Ebrima"/>
+        <a:font script="Phag" typeface="Phagspa"/>
+        <a:font script="Syrn" typeface="Estrangelo Edessa"/>
+        <a:font script="Syrj" typeface="Estrangelo Edessa"/>
+        <a:font script="Syre" typeface="Estrangelo Edessa"/>
+        <a:font script="Sora" typeface="Nirmala UI"/>
+        <a:font script="Tale" typeface="Microsoft Tai Le"/>
+        <a:font script="Talu" typeface="Microsoft New Tai Lue"/>
+        <a:font script="Tfng" typeface="Ebrima"/>
+      </a:majorFont>
+      <a:minorFont>
+        <a:latin typeface="Calibri" panose="020F0502020204030204"/>
+        <a:ea typeface=""/>
+        <a:cs typeface=""/>
+        <a:font script="Jpan" typeface="游ゴシック"/>
+        <a:font script="Hang" typeface="맑은 고딕"/>
+        <a:font script="Hans" typeface="等线"/>
+        <a:font script="Hant" typeface="新細明體"/>
+        <a:font script="Arab" typeface="Arial"/>
+        <a:font script="Hebr" typeface="Arial"/>
+        <a:font script="Thai" typeface="Cordia New"/>
+        <a:font script="Ethi" typeface="Nyala"/>
+        <a:font script="Beng" typeface="Vrinda"/>
+        <a:font script="Gujr" typeface="Shruti"/>
+        <a:font script="Khmr" typeface="DaunPenh"/>
+        <a:font script="Knda" typeface="Tunga"/>
+        <a:font script="Guru" typeface="Raavi"/>
+        <a:font script="Cans" typeface="Euphemia"/>
+        <a:font script="Cher" typeface="Plantagenet Cherokee"/>
+        <a:font script="Yiii" typeface="Microsoft Yi Baiti"/>
+        <a:font script="Tibt" typeface="Microsoft Himalaya"/>
+        <a:font script="Thaa" typeface="MV Boli"/>
+        <a:font script="Deva" typeface="Mangal"/>
+        <a:font script="Telu" typeface="Gautami"/>
+        <a:font script="Taml" typeface="Latha"/>
+        <a:font script="Syrc" typeface="Estrangelo Edessa"/>
+        <a:font script="Orya" typeface="Kalinga"/>
+        <a:font script="Mlym" typeface="Kartika"/>
+        <a:font script="Laoo" typeface="DokChampa"/>
+        <a:font script="Sinh" typeface="Iskoola Pota"/>
+        <a:font script="Mong" typeface="Mongolian Baiti"/>
+        <a:font script="Viet" typeface="Arial"/>
+        <a:font script="Uigh" typeface="Microsoft Uighur"/>
+        <a:font script="Geor" typeface="Sylfaen"/>
+        <a:font script="Armn" typeface="Arial"/>
+        <a:font script="Bugi" typeface="Leelawadee UI"/>
+        <a:font script="Bopo" typeface="Microsoft JhengHei"/>
+        <a:font script="Java" typeface="Javanese Text"/>
+        <a:font script="Lisu" typeface="Segoe UI"/>
+        <a:font script="Mymr" typeface="Myanmar Text"/>
+        <a:font script="Nkoo" typeface="Ebrima"/>
+        <a:font script="Olck" typeface="Nirmala UI"/>
+        <a:font script="Osma" typeface="Ebrima"/>
+        <a:font script="Phag" typeface="Phagspa"/>
+        <a:font script="Syrn" typeface="Estrangelo Edessa"/>
+        <a:font script="Syrj" typeface="Estrangelo Edessa"/>
+        <a:font script="Syre" typeface="Estrangelo Edessa"/>
+        <a:font script="Sora" typeface="Nirmala UI"/>
+        <a:font script="Tale" typeface="Microsoft Tai Le"/>
+        <a:font script="Talu" typeface="Microsoft New Tai Lue"/>
+        <a:font script="Tfng" typeface="Ebrima"/>
+      </a:minorFont>
+    </a:fontScheme>
+    <a:fmtScheme name="Office">
+      <a:fillStyleLst>
+        <a:solidFill>
+          <a:schemeClr val="phClr"/>
+        </a:solidFill>
+        <a:gradFill rotWithShape="1">
+          <a:gsLst>
+            <a:gs pos="0">
+              <a:schemeClr val="phClr">
+                <a:lumMod val="110000"/>
+                <a:satMod val="105000"/>
+                <a:tint val="67000"/>
+              </a:schemeClr>
+            </a:gs>
+            <a:gs pos="50000">
+              <a:schemeClr val="phClr">
+                <a:lumMod val="105000"/>
+                <a:satMod val="103000"/>
+                <a:tint val="73000"/>
+              </a:schemeClr>
+            </a:gs>
+            <a:gs pos="100000">
+              <a:schemeClr val="phClr">
+                <a:lumMod val="105000"/>
+                <a:satMod val="109000"/>
+                <a:tint val="81000"/>
+              </a:schemeClr>
+            </a:gs>
+          </a:gsLst>
+          <a:lin ang="5400000" scaled="0"/>
+        </a:gradFill>
+        <a:gradFill rotWithShape="1">
+          <a:gsLst>
+            <a:gs pos="0">
+              <a:schemeClr val="phClr">
+                <a:satMod val="103000"/>
+                <a:lumMod val="102000"/>
+                <a:tint val="94000"/>
+              </a:schemeClr>
+            </a:gs>
+            <a:gs pos="50000">
+              <a:schemeClr val="phClr">
+                <a:satMod val="110000"/>
+                <a:lumMod val="100000"/>
+                <a:shade val="100000"/>
+              </a:schemeClr>
+            </a:gs>
+            <a:gs pos="100000">
+              <a:schemeClr val="phClr">
+                <a:lumMod val="99000"/>
+                <a:satMod val="120000"/>
+                <a:shade val="78000"/>
+              </a:schemeClr>
+            </a:gs>
+          </a:gsLst>
+          <a:lin ang="5400000" scaled="0"/>
+        </a:gradFill>
+      </a:fillStyleLst>
+      <a:lnStyleLst>
+        <a:ln w="6350" cap="flat" cmpd="sng" algn="ctr">
+          <a:solidFill>
+            <a:schemeClr val="phClr"/>
+          </a:solidFill>
+          <a:prstDash val="solid"/>
+          <a:miter lim="800000"/>
+        </a:ln>
+        <a:ln w="12700" cap="flat" cmpd="sng" algn="ctr">
+          <a:solidFill>
+            <a:schemeClr val="phClr"/>
+          </a:solidFill>
+          <a:prstDash val="solid"/>
+          <a:miter lim="800000"/>
+        </a:ln>
+        <a:ln w="19050" cap="flat" cmpd="sng" algn="ctr">
+          <a:solidFill>
+            <a:schemeClr val="phClr"/>
+          </a:solidFill>
+          <a:prstDash val="solid"/>
+          <a:miter lim="800000"/>
+        </a:ln>
+      </a:lnStyleLst>
+      <a:effectStyleLst>
+        <a:effectStyle>
+          <a:effectLst/>
+        </a:effectStyle>
+        <a:effectStyle>
+          <a:effectLst/>
+        </a:effectStyle>
+        <a:effectStyle>
+          <a:effectLst>
+            <a:outerShdw blurRad="57150" dist="19050" dir="5400000" algn="ctr" rotWithShape="0">
+              <a:srgbClr val="000000">
+                <a:alpha val="63000"/>
+              </a:srgbClr>
+            </a:outerShdw>
+          </a:effectLst>
+        </a:effectStyle>
+      </a:effectStyleLst>
+      <a:bgFillStyleLst>
+        <a:solidFill>
+          <a:schemeClr val="phClr"/>
+        </a:solidFill>
+        <a:solidFill>
+          <a:schemeClr val="phClr">
+            <a:tint val="95000"/>
+            <a:satMod val="170000"/>
+          </a:schemeClr>
+        </a:solidFill>
+        <a:gradFill rotWithShape="1">
+          <a:gsLst>
+            <a:gs pos="0">
+              <a:schemeClr val="phClr">
+                <a:tint val="93000"/>
+                <a:satMod val="150000"/>
+                <a:shade val="98000"/>
+                <a:lumMod val="102000"/>
+              </a:schemeClr>
+            </a:gs>
+            <a:gs pos="50000">
+              <a:schemeClr val="phClr">
+                <a:tint val="98000"/>
+                <a:satMod val="130000"/>
+                <a:shade val="90000"/>
+                <a:lumMod val="103000"/>
+              </a:schemeClr>
+            </a:gs>
+            <a:gs pos="100000">
+              <a:schemeClr val="phClr">
+                <a:shade val="63000"/>
+                <a:satMod val="120000"/>
+              </a:schemeClr>
+            </a:gs>
+          </a:gsLst>
+          <a:lin ang="5400000" scaled="0"/>
+        </a:gradFill>
+      </a:bgFillStyleLst>
+    </a:fmtScheme>
+  </a:themeElements>
+  <a:objectDefaults/>
+  <a:extraClrSchemeLst/>
+  <a:extLst>
+    <a:ext uri="{05A4C25C-085E-4340-85A3-A5531E510DB2}">
+      <thm15:themeFamily xmlns:thm15="http://schemas.microsoft.com/office/thememl/2012/main" name="Office Theme 2013 - 2022" id="{62F939B6-93AF-4DB8-9C6B-D6C7DFDC589F}" vid="{4A3C46E8-61CC-4603-A589-7422A47A8E4A}"/>
+    </a:ext>
+  </a:extLst>
+</a:theme>
 </file>
--- a/IT002-OOP/Slide thực hành/Lab 1. BasicCplusplus.pptx
+++ b/IT002-OOP/Slide thực hành/Lab 1. BasicCplusplus.pptx
@@ -9,7 +9,7 @@
   </p:notesMasterIdLst>
   <p:sldIdLst>
     <p:sldId id="269" r:id="rId2"/>
-    <p:sldId id="270" r:id="rId3"/>
+    <p:sldId id="272" r:id="rId3"/>
     <p:sldId id="256" r:id="rId4"/>
     <p:sldId id="267" r:id="rId5"/>
     <p:sldId id="257" r:id="rId6"/>
@@ -204,7 +204,7 @@
           </a:lstStyle>
           <a:p>
             <a:fld id="{D58EBEF0-1929-6C4C-9D10-0A24CA585262}" type="datetimeFigureOut">
-              <a:t>28/02/2023</a:t>
+              <a:t>09/05/2023</a:t>
             </a:fld>
             <a:endParaRPr lang="en-VN"/>
           </a:p>
@@ -599,7 +599,7 @@
           <a:lstStyle/>
           <a:p>
             <a:fld id="{0DDB0C27-5CC0-AE4B-A9B6-1C1A8F15976E}" type="datetime1">
-              <a:t>28/02/2023</a:t>
+              <a:t>09/05/2023</a:t>
             </a:fld>
             <a:endParaRPr lang="en-US"/>
           </a:p>
@@ -766,7 +766,7 @@
           <a:lstStyle/>
           <a:p>
             <a:fld id="{A1AB976C-5E89-BE46-B6A2-18E033DC7B7F}" type="datetime1">
-              <a:t>28/02/2023</a:t>
+              <a:t>09/05/2023</a:t>
             </a:fld>
             <a:endParaRPr lang="en-US"/>
           </a:p>
@@ -943,7 +943,7 @@
           <a:lstStyle/>
           <a:p>
             <a:fld id="{D3EB9961-F7AC-F442-9DA7-5C044E83E8F0}" type="datetime1">
-              <a:t>28/02/2023</a:t>
+              <a:t>09/05/2023</a:t>
             </a:fld>
             <a:endParaRPr lang="en-US"/>
           </a:p>
@@ -1110,7 +1110,7 @@
           <a:lstStyle/>
           <a:p>
             <a:fld id="{2BC5C2EC-D52B-4E49-9BD2-7F34EF2A2110}" type="datetime1">
-              <a:t>28/02/2023</a:t>
+              <a:t>09/05/2023</a:t>
             </a:fld>
             <a:endParaRPr lang="en-US"/>
           </a:p>
@@ -1354,7 +1354,7 @@
           <a:lstStyle/>
           <a:p>
             <a:fld id="{2E689BA2-5EDF-204F-BDB5-47A63D89879F}" type="datetime1">
-              <a:t>28/02/2023</a:t>
+              <a:t>09/05/2023</a:t>
             </a:fld>
             <a:endParaRPr lang="en-US"/>
           </a:p>
@@ -1582,7 +1582,7 @@
           <a:lstStyle/>
           <a:p>
             <a:fld id="{C71BC0A1-3625-D949-894B-12A4B1103545}" type="datetime1">
-              <a:t>28/02/2023</a:t>
+              <a:t>09/05/2023</a:t>
             </a:fld>
             <a:endParaRPr lang="en-US"/>
           </a:p>
@@ -1945,7 +1945,7 @@
           <a:lstStyle/>
           <a:p>
             <a:fld id="{631AF034-057E-7E42-A703-A16CE37858B1}" type="datetime1">
-              <a:t>28/02/2023</a:t>
+              <a:t>09/05/2023</a:t>
             </a:fld>
             <a:endParaRPr lang="en-US"/>
           </a:p>
@@ -2061,7 +2061,7 @@
           <a:lstStyle/>
           <a:p>
             <a:fld id="{6C312224-5262-0D45-8752-AD88DF7DF160}" type="datetime1">
-              <a:t>28/02/2023</a:t>
+              <a:t>09/05/2023</a:t>
             </a:fld>
             <a:endParaRPr lang="en-US"/>
           </a:p>
@@ -2155,7 +2155,7 @@
           <a:lstStyle/>
           <a:p>
             <a:fld id="{186C3894-04D4-E046-8AC0-98EC70D1D50C}" type="datetime1">
-              <a:t>28/02/2023</a:t>
+              <a:t>09/05/2023</a:t>
             </a:fld>
             <a:endParaRPr lang="en-US"/>
           </a:p>
@@ -2429,7 +2429,7 @@
           <a:lstStyle/>
           <a:p>
             <a:fld id="{BD6227EF-D3E1-B74B-97FE-FE43DF3D709B}" type="datetime1">
-              <a:t>28/02/2023</a:t>
+              <a:t>09/05/2023</a:t>
             </a:fld>
             <a:endParaRPr lang="en-US"/>
           </a:p>
@@ -2680,7 +2680,7 @@
           <a:lstStyle/>
           <a:p>
             <a:fld id="{1A1BECCB-56EF-1541-9CBC-CE4FC0155FEE}" type="datetime1">
-              <a:t>28/02/2023</a:t>
+              <a:t>09/05/2023</a:t>
             </a:fld>
             <a:endParaRPr lang="en-US"/>
           </a:p>
@@ -2890,7 +2890,7 @@
           </a:lstStyle>
           <a:p>
             <a:fld id="{0DFD353B-B5AB-CF4C-8D9F-51BDAFC66301}" type="datetime1">
-              <a:t>28/02/2023</a:t>
+              <a:t>09/05/2023</a:t>
             </a:fld>
             <a:endParaRPr lang="en-US"/>
           </a:p>
@@ -3364,24 +3364,65 @@
               </a:rPr>
               <a:t>haivt@uit.edu.vn</a:t>
             </a:r>
+            <a:endParaRPr lang="en-US"/>
+          </a:p>
+          <a:p>
+            <a:pPr algn="l"/>
             <a:r>
               <a:rPr lang="en-US"/>
-              <a:t>. SĐT: 0814822188</a:t>
-            </a:r>
+              <a:t>Tài liệu học tập: </a:t>
+            </a:r>
+          </a:p>
+          <a:p>
+            <a:pPr marL="342900" indent="-342900" algn="l">
+              <a:buFontTx/>
+              <a:buChar char="-"/>
+            </a:pPr>
+            <a:r>
+              <a:rPr lang="en-US"/>
+              <a:t>Moodle hoặc </a:t>
+            </a:r>
+            <a:r>
+              <a:rPr lang="en-US">
+                <a:hlinkClick r:id="rId3"/>
+              </a:rPr>
+              <a:t>Github</a:t>
+            </a:r>
+            <a:endParaRPr lang="en-US"/>
+          </a:p>
+          <a:p>
+            <a:pPr marL="342900" indent="-342900" algn="l">
+              <a:buFontTx/>
+              <a:buChar char="-"/>
+            </a:pPr>
+            <a:r>
+              <a:rPr lang="en-US">
+                <a:hlinkClick r:id="rId4"/>
+              </a:rPr>
+              <a:t>Bài viết tóm tắt</a:t>
+            </a:r>
+            <a:endParaRPr lang="en-US"/>
           </a:p>
           <a:p>
             <a:pPr algn="l"/>
             <a:r>
               <a:rPr lang="en-US"/>
-              <a:t>Facebook: fb.com/vutuanhai237</a:t>
+              <a:t>Giải đáp bài tập hàng tuần:</a:t>
             </a:r>
           </a:p>
           <a:p>
             <a:pPr algn="l"/>
             <a:r>
               <a:rPr lang="en-US"/>
-              <a:t>Tài liệu học tập: moodle hoặc https://fb.com/groups/bht.cnpm.uit</a:t>
-            </a:r>
+              <a:t>- Vui lòng post tại group: </a:t>
+            </a:r>
+            <a:r>
+              <a:rPr lang="en-US">
+                <a:hlinkClick r:id="rId5"/>
+              </a:rPr>
+              <a:t>Ban học tập CNPM - Ngôi nhà sẻ chia</a:t>
+            </a:r>
+            <a:endParaRPr lang="en-US"/>
           </a:p>
         </p:txBody>
       </p:sp>
@@ -3446,96 +3487,2084 @@
       </p:grpSpPr>
       <p:sp>
         <p:nvSpPr>
-          <p:cNvPr id="2" name="Title 1"/>
+          <p:cNvPr id="2" name="Title 1">
+            <a:extLst>
+              <a:ext uri="{FF2B5EF4-FFF2-40B4-BE49-F238E27FC236}">
+                <a16:creationId xmlns:a16="http://schemas.microsoft.com/office/drawing/2014/main" id="{6AA32E09-B0A8-E8B9-48E6-7DFDBC6660C9}"/>
+              </a:ext>
+            </a:extLst>
+          </p:cNvPr>
           <p:cNvSpPr>
             <a:spLocks noGrp="1"/>
           </p:cNvSpPr>
           <p:nvPr>
-            <p:ph type="ctrTitle"/>
+            <p:ph type="title"/>
           </p:nvPr>
         </p:nvSpPr>
-        <p:spPr>
-          <a:xfrm>
-            <a:off x="1524000" y="508409"/>
-            <a:ext cx="9144000" cy="980757"/>
-          </a:xfrm>
-        </p:spPr>
+        <p:spPr/>
         <p:txBody>
           <a:bodyPr/>
           <a:lstStyle/>
           <a:p>
-            <a:pPr algn="l"/>
-            <a:r>
-              <a:rPr lang="en-US"/>
-              <a:t>Giới thiệu</a:t>
+            <a:r>
+              <a:rPr lang="en-VN"/>
+              <a:t>Nội dung</a:t>
             </a:r>
           </a:p>
         </p:txBody>
       </p:sp>
-      <p:sp>
-        <p:nvSpPr>
-          <p:cNvPr id="3" name="Subtitle 2"/>
-          <p:cNvSpPr>
-            <a:spLocks noGrp="1"/>
-          </p:cNvSpPr>
+      <p:graphicFrame>
+        <p:nvGraphicFramePr>
+          <p:cNvPr id="5" name="Table 5">
+            <a:extLst>
+              <a:ext uri="{FF2B5EF4-FFF2-40B4-BE49-F238E27FC236}">
+                <a16:creationId xmlns:a16="http://schemas.microsoft.com/office/drawing/2014/main" id="{18A95BAC-2D72-099D-A4C4-6645783D166C}"/>
+              </a:ext>
+            </a:extLst>
+          </p:cNvPr>
+          <p:cNvGraphicFramePr>
+            <a:graphicFrameLocks noGrp="1"/>
+          </p:cNvGraphicFramePr>
           <p:nvPr>
-            <p:ph type="subTitle" idx="1"/>
+            <p:ph idx="1"/>
+            <p:extLst>
+              <p:ext uri="{D42A27DB-BD31-4B8C-83A1-F6EECF244321}">
+                <p14:modId xmlns:p14="http://schemas.microsoft.com/office/powerpoint/2010/main" val="1337746474"/>
+              </p:ext>
+            </p:extLst>
           </p:nvPr>
-        </p:nvSpPr>
-        <p:spPr>
-          <a:xfrm>
-            <a:off x="1524000" y="1711234"/>
-            <a:ext cx="9144000" cy="3958045"/>
-          </a:xfrm>
-        </p:spPr>
-        <p:txBody>
-          <a:bodyPr>
-            <a:normAutofit/>
-          </a:bodyPr>
-          <a:lstStyle/>
-          <a:p>
-            <a:pPr algn="l"/>
-            <a:r>
-              <a:rPr lang="en-US"/>
-              <a:t>Quá trình: 50 %</a:t>
-            </a:r>
-          </a:p>
-          <a:p>
-            <a:pPr algn="l"/>
-            <a:r>
-              <a:rPr lang="en-US"/>
-              <a:t>+ 5 buổi thực hành sẽ có 5 deadline: điểm phụ thuộc vào số bài chạy trên hackerrank đúng. </a:t>
-            </a:r>
-          </a:p>
-          <a:p>
-            <a:pPr algn="l"/>
-            <a:r>
-              <a:rPr lang="en-US"/>
-              <a:t>+ Link để submit bài tập sẽ được công bố đầu buổi học và có thời hạn 1 tuần.</a:t>
-            </a:r>
-          </a:p>
-          <a:p>
-            <a:pPr algn="l"/>
-            <a:r>
-              <a:rPr lang="en-US"/>
-              <a:t>Cuối kì: 50%</a:t>
-            </a:r>
-          </a:p>
-          <a:p>
-            <a:pPr algn="l"/>
-            <a:r>
-              <a:rPr lang="en-US"/>
-              <a:t>+ Thi thực hành</a:t>
-            </a:r>
-          </a:p>
-        </p:txBody>
-      </p:sp>
+        </p:nvGraphicFramePr>
+        <p:xfrm>
+          <a:off x="838201" y="1825625"/>
+          <a:ext cx="10330541" cy="4313918"/>
+        </p:xfrm>
+        <a:graphic>
+          <a:graphicData uri="http://schemas.openxmlformats.org/drawingml/2006/table">
+            <a:tbl>
+              <a:tblPr firstRow="1" bandRow="1">
+                <a:tableStyleId>{5C22544A-7EE6-4342-B048-85BDC9FD1C3A}</a:tableStyleId>
+              </a:tblPr>
+              <a:tblGrid>
+                <a:gridCol w="947056">
+                  <a:extLst>
+                    <a:ext uri="{9D8B030D-6E8A-4147-A177-3AD203B41FA5}">
+                      <a16:colId xmlns:a16="http://schemas.microsoft.com/office/drawing/2014/main" val="1597097040"/>
+                    </a:ext>
+                  </a:extLst>
+                </a:gridCol>
+                <a:gridCol w="2662410">
+                  <a:extLst>
+                    <a:ext uri="{9D8B030D-6E8A-4147-A177-3AD203B41FA5}">
+                      <a16:colId xmlns:a16="http://schemas.microsoft.com/office/drawing/2014/main" val="3095679711"/>
+                    </a:ext>
+                  </a:extLst>
+                </a:gridCol>
+                <a:gridCol w="2933803">
+                  <a:extLst>
+                    <a:ext uri="{9D8B030D-6E8A-4147-A177-3AD203B41FA5}">
+                      <a16:colId xmlns:a16="http://schemas.microsoft.com/office/drawing/2014/main" val="3708879986"/>
+                    </a:ext>
+                  </a:extLst>
+                </a:gridCol>
+                <a:gridCol w="1893636">
+                  <a:extLst>
+                    <a:ext uri="{9D8B030D-6E8A-4147-A177-3AD203B41FA5}">
+                      <a16:colId xmlns:a16="http://schemas.microsoft.com/office/drawing/2014/main" val="3511080248"/>
+                    </a:ext>
+                  </a:extLst>
+                </a:gridCol>
+                <a:gridCol w="1893636">
+                  <a:extLst>
+                    <a:ext uri="{9D8B030D-6E8A-4147-A177-3AD203B41FA5}">
+                      <a16:colId xmlns:a16="http://schemas.microsoft.com/office/drawing/2014/main" val="3683299383"/>
+                    </a:ext>
+                  </a:extLst>
+                </a:gridCol>
+              </a:tblGrid>
+              <a:tr h="616274">
+                <a:tc>
+                  <a:txBody>
+                    <a:bodyPr/>
+                    <a:lstStyle/>
+                    <a:p>
+                      <a:r>
+                        <a:rPr lang="en-VN">
+                          <a:solidFill>
+                            <a:schemeClr val="tx1"/>
+                          </a:solidFill>
+                        </a:rPr>
+                        <a:t>Tuần</a:t>
+                      </a:r>
+                    </a:p>
+                  </a:txBody>
+                  <a:tcPr anchor="ctr">
+                    <a:lnL w="12700" cap="flat" cmpd="sng" algn="ctr">
+                      <a:solidFill>
+                        <a:schemeClr val="tx1"/>
+                      </a:solidFill>
+                      <a:prstDash val="solid"/>
+                      <a:round/>
+                      <a:headEnd type="none" w="med" len="med"/>
+                      <a:tailEnd type="none" w="med" len="med"/>
+                    </a:lnL>
+                    <a:lnR w="12700" cap="flat" cmpd="sng" algn="ctr">
+                      <a:solidFill>
+                        <a:schemeClr val="tx1"/>
+                      </a:solidFill>
+                      <a:prstDash val="solid"/>
+                      <a:round/>
+                      <a:headEnd type="none" w="med" len="med"/>
+                      <a:tailEnd type="none" w="med" len="med"/>
+                    </a:lnR>
+                    <a:lnT w="12700" cap="flat" cmpd="sng" algn="ctr">
+                      <a:solidFill>
+                        <a:schemeClr val="tx1"/>
+                      </a:solidFill>
+                      <a:prstDash val="solid"/>
+                      <a:round/>
+                      <a:headEnd type="none" w="med" len="med"/>
+                      <a:tailEnd type="none" w="med" len="med"/>
+                    </a:lnT>
+                    <a:lnB w="12700" cap="flat" cmpd="sng" algn="ctr">
+                      <a:solidFill>
+                        <a:schemeClr val="tx1"/>
+                      </a:solidFill>
+                      <a:prstDash val="solid"/>
+                      <a:round/>
+                      <a:headEnd type="none" w="med" len="med"/>
+                      <a:tailEnd type="none" w="med" len="med"/>
+                    </a:lnB>
+                    <a:noFill/>
+                  </a:tcPr>
+                </a:tc>
+                <a:tc>
+                  <a:txBody>
+                    <a:bodyPr/>
+                    <a:lstStyle/>
+                    <a:p>
+                      <a:r>
+                        <a:rPr lang="en-VN">
+                          <a:solidFill>
+                            <a:schemeClr val="tx1"/>
+                          </a:solidFill>
+                        </a:rPr>
+                        <a:t>Nội dung</a:t>
+                      </a:r>
+                    </a:p>
+                  </a:txBody>
+                  <a:tcPr anchor="ctr">
+                    <a:lnL w="12700" cap="flat" cmpd="sng" algn="ctr">
+                      <a:solidFill>
+                        <a:schemeClr val="tx1"/>
+                      </a:solidFill>
+                      <a:prstDash val="solid"/>
+                      <a:round/>
+                      <a:headEnd type="none" w="med" len="med"/>
+                      <a:tailEnd type="none" w="med" len="med"/>
+                    </a:lnL>
+                    <a:lnR w="12700" cap="flat" cmpd="sng" algn="ctr">
+                      <a:solidFill>
+                        <a:schemeClr val="tx1"/>
+                      </a:solidFill>
+                      <a:prstDash val="solid"/>
+                      <a:round/>
+                      <a:headEnd type="none" w="med" len="med"/>
+                      <a:tailEnd type="none" w="med" len="med"/>
+                    </a:lnR>
+                    <a:lnT w="12700" cap="flat" cmpd="sng" algn="ctr">
+                      <a:solidFill>
+                        <a:schemeClr val="tx1"/>
+                      </a:solidFill>
+                      <a:prstDash val="solid"/>
+                      <a:round/>
+                      <a:headEnd type="none" w="med" len="med"/>
+                      <a:tailEnd type="none" w="med" len="med"/>
+                    </a:lnT>
+                    <a:lnB w="12700" cap="flat" cmpd="sng" algn="ctr">
+                      <a:solidFill>
+                        <a:schemeClr val="tx1"/>
+                      </a:solidFill>
+                      <a:prstDash val="solid"/>
+                      <a:round/>
+                      <a:headEnd type="none" w="med" len="med"/>
+                      <a:tailEnd type="none" w="med" len="med"/>
+                    </a:lnB>
+                    <a:noFill/>
+                  </a:tcPr>
+                </a:tc>
+                <a:tc>
+                  <a:txBody>
+                    <a:bodyPr/>
+                    <a:lstStyle/>
+                    <a:p>
+                      <a:r>
+                        <a:rPr lang="en-VN">
+                          <a:solidFill>
+                            <a:schemeClr val="tx1"/>
+                          </a:solidFill>
+                        </a:rPr>
+                        <a:t>Tài liệu học tập</a:t>
+                      </a:r>
+                    </a:p>
+                  </a:txBody>
+                  <a:tcPr anchor="ctr">
+                    <a:lnL w="12700" cap="flat" cmpd="sng" algn="ctr">
+                      <a:solidFill>
+                        <a:schemeClr val="tx1"/>
+                      </a:solidFill>
+                      <a:prstDash val="solid"/>
+                      <a:round/>
+                      <a:headEnd type="none" w="med" len="med"/>
+                      <a:tailEnd type="none" w="med" len="med"/>
+                    </a:lnL>
+                    <a:lnR w="12700" cap="flat" cmpd="sng" algn="ctr">
+                      <a:solidFill>
+                        <a:schemeClr val="tx1"/>
+                      </a:solidFill>
+                      <a:prstDash val="solid"/>
+                      <a:round/>
+                      <a:headEnd type="none" w="med" len="med"/>
+                      <a:tailEnd type="none" w="med" len="med"/>
+                    </a:lnR>
+                    <a:lnT w="12700" cap="flat" cmpd="sng" algn="ctr">
+                      <a:solidFill>
+                        <a:schemeClr val="tx1"/>
+                      </a:solidFill>
+                      <a:prstDash val="solid"/>
+                      <a:round/>
+                      <a:headEnd type="none" w="med" len="med"/>
+                      <a:tailEnd type="none" w="med" len="med"/>
+                    </a:lnT>
+                    <a:lnB w="12700" cap="flat" cmpd="sng" algn="ctr">
+                      <a:solidFill>
+                        <a:schemeClr val="tx1"/>
+                      </a:solidFill>
+                      <a:prstDash val="solid"/>
+                      <a:round/>
+                      <a:headEnd type="none" w="med" len="med"/>
+                      <a:tailEnd type="none" w="med" len="med"/>
+                    </a:lnB>
+                    <a:noFill/>
+                  </a:tcPr>
+                </a:tc>
+                <a:tc>
+                  <a:txBody>
+                    <a:bodyPr/>
+                    <a:lstStyle/>
+                    <a:p>
+                      <a:r>
+                        <a:rPr lang="en-VN">
+                          <a:solidFill>
+                            <a:schemeClr val="tx1"/>
+                          </a:solidFill>
+                        </a:rPr>
+                        <a:t>Deadline</a:t>
+                      </a:r>
+                    </a:p>
+                  </a:txBody>
+                  <a:tcPr anchor="ctr">
+                    <a:lnL w="12700" cap="flat" cmpd="sng" algn="ctr">
+                      <a:solidFill>
+                        <a:schemeClr val="tx1"/>
+                      </a:solidFill>
+                      <a:prstDash val="solid"/>
+                      <a:round/>
+                      <a:headEnd type="none" w="med" len="med"/>
+                      <a:tailEnd type="none" w="med" len="med"/>
+                    </a:lnL>
+                    <a:lnR w="12700" cap="flat" cmpd="sng" algn="ctr">
+                      <a:solidFill>
+                        <a:schemeClr val="tx1"/>
+                      </a:solidFill>
+                      <a:prstDash val="solid"/>
+                      <a:round/>
+                      <a:headEnd type="none" w="med" len="med"/>
+                      <a:tailEnd type="none" w="med" len="med"/>
+                    </a:lnR>
+                    <a:lnT w="12700" cap="flat" cmpd="sng" algn="ctr">
+                      <a:solidFill>
+                        <a:schemeClr val="tx1"/>
+                      </a:solidFill>
+                      <a:prstDash val="solid"/>
+                      <a:round/>
+                      <a:headEnd type="none" w="med" len="med"/>
+                      <a:tailEnd type="none" w="med" len="med"/>
+                    </a:lnT>
+                    <a:lnB w="12700" cap="flat" cmpd="sng" algn="ctr">
+                      <a:solidFill>
+                        <a:schemeClr val="tx1"/>
+                      </a:solidFill>
+                      <a:prstDash val="solid"/>
+                      <a:round/>
+                      <a:headEnd type="none" w="med" len="med"/>
+                      <a:tailEnd type="none" w="med" len="med"/>
+                    </a:lnB>
+                    <a:noFill/>
+                  </a:tcPr>
+                </a:tc>
+                <a:tc>
+                  <a:txBody>
+                    <a:bodyPr/>
+                    <a:lstStyle/>
+                    <a:p>
+                      <a:r>
+                        <a:rPr lang="en-VN">
+                          <a:solidFill>
+                            <a:schemeClr val="tx1"/>
+                          </a:solidFill>
+                        </a:rPr>
+                        <a:t>Trọng số</a:t>
+                      </a:r>
+                    </a:p>
+                  </a:txBody>
+                  <a:tcPr anchor="ctr">
+                    <a:lnL w="12700" cap="flat" cmpd="sng" algn="ctr">
+                      <a:solidFill>
+                        <a:schemeClr val="tx1"/>
+                      </a:solidFill>
+                      <a:prstDash val="solid"/>
+                      <a:round/>
+                      <a:headEnd type="none" w="med" len="med"/>
+                      <a:tailEnd type="none" w="med" len="med"/>
+                    </a:lnL>
+                    <a:lnR w="12700" cap="flat" cmpd="sng" algn="ctr">
+                      <a:solidFill>
+                        <a:schemeClr val="tx1"/>
+                      </a:solidFill>
+                      <a:prstDash val="solid"/>
+                      <a:round/>
+                      <a:headEnd type="none" w="med" len="med"/>
+                      <a:tailEnd type="none" w="med" len="med"/>
+                    </a:lnR>
+                    <a:lnT w="12700" cap="flat" cmpd="sng" algn="ctr">
+                      <a:solidFill>
+                        <a:schemeClr val="tx1"/>
+                      </a:solidFill>
+                      <a:prstDash val="solid"/>
+                      <a:round/>
+                      <a:headEnd type="none" w="med" len="med"/>
+                      <a:tailEnd type="none" w="med" len="med"/>
+                    </a:lnT>
+                    <a:lnB w="12700" cap="flat" cmpd="sng" algn="ctr">
+                      <a:solidFill>
+                        <a:schemeClr val="tx1"/>
+                      </a:solidFill>
+                      <a:prstDash val="solid"/>
+                      <a:round/>
+                      <a:headEnd type="none" w="med" len="med"/>
+                      <a:tailEnd type="none" w="med" len="med"/>
+                    </a:lnB>
+                    <a:noFill/>
+                  </a:tcPr>
+                </a:tc>
+                <a:extLst>
+                  <a:ext uri="{0D108BD9-81ED-4DB2-BD59-A6C34878D82A}">
+                    <a16:rowId xmlns:a16="http://schemas.microsoft.com/office/drawing/2014/main" val="929385586"/>
+                  </a:ext>
+                </a:extLst>
+              </a:tr>
+              <a:tr h="616274">
+                <a:tc>
+                  <a:txBody>
+                    <a:bodyPr/>
+                    <a:lstStyle/>
+                    <a:p>
+                      <a:r>
+                        <a:rPr lang="en-VN">
+                          <a:solidFill>
+                            <a:schemeClr val="tx1"/>
+                          </a:solidFill>
+                        </a:rPr>
+                        <a:t>3-4</a:t>
+                      </a:r>
+                    </a:p>
+                  </a:txBody>
+                  <a:tcPr anchor="ctr">
+                    <a:lnL w="12700" cap="flat" cmpd="sng" algn="ctr">
+                      <a:solidFill>
+                        <a:schemeClr val="tx1"/>
+                      </a:solidFill>
+                      <a:prstDash val="solid"/>
+                      <a:round/>
+                      <a:headEnd type="none" w="med" len="med"/>
+                      <a:tailEnd type="none" w="med" len="med"/>
+                    </a:lnL>
+                    <a:lnR w="12700" cap="flat" cmpd="sng" algn="ctr">
+                      <a:solidFill>
+                        <a:schemeClr val="tx1"/>
+                      </a:solidFill>
+                      <a:prstDash val="solid"/>
+                      <a:round/>
+                      <a:headEnd type="none" w="med" len="med"/>
+                      <a:tailEnd type="none" w="med" len="med"/>
+                    </a:lnR>
+                    <a:lnT w="12700" cap="flat" cmpd="sng" algn="ctr">
+                      <a:solidFill>
+                        <a:schemeClr val="tx1"/>
+                      </a:solidFill>
+                      <a:prstDash val="solid"/>
+                      <a:round/>
+                      <a:headEnd type="none" w="med" len="med"/>
+                      <a:tailEnd type="none" w="med" len="med"/>
+                    </a:lnT>
+                    <a:lnB w="12700" cap="flat" cmpd="sng" algn="ctr">
+                      <a:solidFill>
+                        <a:schemeClr val="tx1"/>
+                      </a:solidFill>
+                      <a:prstDash val="solid"/>
+                      <a:round/>
+                      <a:headEnd type="none" w="med" len="med"/>
+                      <a:tailEnd type="none" w="med" len="med"/>
+                    </a:lnB>
+                    <a:noFill/>
+                  </a:tcPr>
+                </a:tc>
+                <a:tc>
+                  <a:txBody>
+                    <a:bodyPr/>
+                    <a:lstStyle/>
+                    <a:p>
+                      <a:r>
+                        <a:rPr lang="en-VN">
+                          <a:solidFill>
+                            <a:schemeClr val="tx1"/>
+                          </a:solidFill>
+                        </a:rPr>
+                        <a:t>Lab 1. Ôn tập C++</a:t>
+                      </a:r>
+                    </a:p>
+                  </a:txBody>
+                  <a:tcPr anchor="ctr">
+                    <a:lnL w="12700" cap="flat" cmpd="sng" algn="ctr">
+                      <a:solidFill>
+                        <a:schemeClr val="tx1"/>
+                      </a:solidFill>
+                      <a:prstDash val="solid"/>
+                      <a:round/>
+                      <a:headEnd type="none" w="med" len="med"/>
+                      <a:tailEnd type="none" w="med" len="med"/>
+                    </a:lnL>
+                    <a:lnR w="12700" cap="flat" cmpd="sng" algn="ctr">
+                      <a:solidFill>
+                        <a:schemeClr val="tx1"/>
+                      </a:solidFill>
+                      <a:prstDash val="solid"/>
+                      <a:round/>
+                      <a:headEnd type="none" w="med" len="med"/>
+                      <a:tailEnd type="none" w="med" len="med"/>
+                    </a:lnR>
+                    <a:lnT w="12700" cap="flat" cmpd="sng" algn="ctr">
+                      <a:solidFill>
+                        <a:schemeClr val="tx1"/>
+                      </a:solidFill>
+                      <a:prstDash val="solid"/>
+                      <a:round/>
+                      <a:headEnd type="none" w="med" len="med"/>
+                      <a:tailEnd type="none" w="med" len="med"/>
+                    </a:lnT>
+                    <a:lnB w="12700" cap="flat" cmpd="sng" algn="ctr">
+                      <a:solidFill>
+                        <a:schemeClr val="tx1"/>
+                      </a:solidFill>
+                      <a:prstDash val="solid"/>
+                      <a:round/>
+                      <a:headEnd type="none" w="med" len="med"/>
+                      <a:tailEnd type="none" w="med" len="med"/>
+                    </a:lnB>
+                    <a:noFill/>
+                  </a:tcPr>
+                </a:tc>
+                <a:tc>
+                  <a:txBody>
+                    <a:bodyPr/>
+                    <a:lstStyle/>
+                    <a:p>
+                      <a:r>
+                        <a:rPr lang="en-VN">
+                          <a:solidFill>
+                            <a:schemeClr val="tx1"/>
+                          </a:solidFill>
+                        </a:rPr>
+                        <a:t>Lab 1 Hackerrank</a:t>
+                      </a:r>
+                    </a:p>
+                  </a:txBody>
+                  <a:tcPr anchor="ctr">
+                    <a:lnL w="12700" cap="flat" cmpd="sng" algn="ctr">
+                      <a:solidFill>
+                        <a:schemeClr val="tx1"/>
+                      </a:solidFill>
+                      <a:prstDash val="solid"/>
+                      <a:round/>
+                      <a:headEnd type="none" w="med" len="med"/>
+                      <a:tailEnd type="none" w="med" len="med"/>
+                    </a:lnL>
+                    <a:lnR w="12700" cap="flat" cmpd="sng" algn="ctr">
+                      <a:solidFill>
+                        <a:schemeClr val="tx1"/>
+                      </a:solidFill>
+                      <a:prstDash val="solid"/>
+                      <a:round/>
+                      <a:headEnd type="none" w="med" len="med"/>
+                      <a:tailEnd type="none" w="med" len="med"/>
+                    </a:lnR>
+                    <a:lnT w="12700" cap="flat" cmpd="sng" algn="ctr">
+                      <a:solidFill>
+                        <a:schemeClr val="tx1"/>
+                      </a:solidFill>
+                      <a:prstDash val="solid"/>
+                      <a:round/>
+                      <a:headEnd type="none" w="med" len="med"/>
+                      <a:tailEnd type="none" w="med" len="med"/>
+                    </a:lnT>
+                    <a:lnB w="12700" cap="flat" cmpd="sng" algn="ctr">
+                      <a:solidFill>
+                        <a:schemeClr val="tx1"/>
+                      </a:solidFill>
+                      <a:prstDash val="solid"/>
+                      <a:round/>
+                      <a:headEnd type="none" w="med" len="med"/>
+                      <a:tailEnd type="none" w="med" len="med"/>
+                    </a:lnB>
+                    <a:noFill/>
+                  </a:tcPr>
+                </a:tc>
+                <a:tc>
+                  <a:txBody>
+                    <a:bodyPr/>
+                    <a:lstStyle/>
+                    <a:p>
+                      <a:r>
+                        <a:rPr lang="en-VN">
+                          <a:solidFill>
+                            <a:schemeClr val="tx1"/>
+                          </a:solidFill>
+                        </a:rPr>
+                        <a:t>1 tuần</a:t>
+                      </a:r>
+                    </a:p>
+                  </a:txBody>
+                  <a:tcPr anchor="ctr">
+                    <a:lnL w="12700" cap="flat" cmpd="sng" algn="ctr">
+                      <a:solidFill>
+                        <a:schemeClr val="tx1"/>
+                      </a:solidFill>
+                      <a:prstDash val="solid"/>
+                      <a:round/>
+                      <a:headEnd type="none" w="med" len="med"/>
+                      <a:tailEnd type="none" w="med" len="med"/>
+                    </a:lnL>
+                    <a:lnR w="12700" cap="flat" cmpd="sng" algn="ctr">
+                      <a:solidFill>
+                        <a:schemeClr val="tx1"/>
+                      </a:solidFill>
+                      <a:prstDash val="solid"/>
+                      <a:round/>
+                      <a:headEnd type="none" w="med" len="med"/>
+                      <a:tailEnd type="none" w="med" len="med"/>
+                    </a:lnR>
+                    <a:lnT w="12700" cap="flat" cmpd="sng" algn="ctr">
+                      <a:solidFill>
+                        <a:schemeClr val="tx1"/>
+                      </a:solidFill>
+                      <a:prstDash val="solid"/>
+                      <a:round/>
+                      <a:headEnd type="none" w="med" len="med"/>
+                      <a:tailEnd type="none" w="med" len="med"/>
+                    </a:lnT>
+                    <a:lnB w="12700" cap="flat" cmpd="sng" algn="ctr">
+                      <a:solidFill>
+                        <a:schemeClr val="tx1"/>
+                      </a:solidFill>
+                      <a:prstDash val="solid"/>
+                      <a:round/>
+                      <a:headEnd type="none" w="med" len="med"/>
+                      <a:tailEnd type="none" w="med" len="med"/>
+                    </a:lnB>
+                    <a:noFill/>
+                  </a:tcPr>
+                </a:tc>
+                <a:tc>
+                  <a:txBody>
+                    <a:bodyPr/>
+                    <a:lstStyle/>
+                    <a:p>
+                      <a:r>
+                        <a:rPr lang="en-VN">
+                          <a:solidFill>
+                            <a:schemeClr val="tx1"/>
+                          </a:solidFill>
+                        </a:rPr>
+                        <a:t>10%</a:t>
+                      </a:r>
+                    </a:p>
+                  </a:txBody>
+                  <a:tcPr anchor="ctr">
+                    <a:lnL w="12700" cap="flat" cmpd="sng" algn="ctr">
+                      <a:solidFill>
+                        <a:schemeClr val="tx1"/>
+                      </a:solidFill>
+                      <a:prstDash val="solid"/>
+                      <a:round/>
+                      <a:headEnd type="none" w="med" len="med"/>
+                      <a:tailEnd type="none" w="med" len="med"/>
+                    </a:lnL>
+                    <a:lnR w="12700" cap="flat" cmpd="sng" algn="ctr">
+                      <a:solidFill>
+                        <a:schemeClr val="tx1"/>
+                      </a:solidFill>
+                      <a:prstDash val="solid"/>
+                      <a:round/>
+                      <a:headEnd type="none" w="med" len="med"/>
+                      <a:tailEnd type="none" w="med" len="med"/>
+                    </a:lnR>
+                    <a:lnT w="12700" cap="flat" cmpd="sng" algn="ctr">
+                      <a:solidFill>
+                        <a:schemeClr val="tx1"/>
+                      </a:solidFill>
+                      <a:prstDash val="solid"/>
+                      <a:round/>
+                      <a:headEnd type="none" w="med" len="med"/>
+                      <a:tailEnd type="none" w="med" len="med"/>
+                    </a:lnT>
+                    <a:lnB w="12700" cap="flat" cmpd="sng" algn="ctr">
+                      <a:solidFill>
+                        <a:schemeClr val="tx1"/>
+                      </a:solidFill>
+                      <a:prstDash val="solid"/>
+                      <a:round/>
+                      <a:headEnd type="none" w="med" len="med"/>
+                      <a:tailEnd type="none" w="med" len="med"/>
+                    </a:lnB>
+                    <a:noFill/>
+                  </a:tcPr>
+                </a:tc>
+                <a:extLst>
+                  <a:ext uri="{0D108BD9-81ED-4DB2-BD59-A6C34878D82A}">
+                    <a16:rowId xmlns:a16="http://schemas.microsoft.com/office/drawing/2014/main" val="3995092040"/>
+                  </a:ext>
+                </a:extLst>
+              </a:tr>
+              <a:tr h="616274">
+                <a:tc>
+                  <a:txBody>
+                    <a:bodyPr/>
+                    <a:lstStyle/>
+                    <a:p>
+                      <a:r>
+                        <a:rPr lang="en-VN">
+                          <a:solidFill>
+                            <a:schemeClr val="tx1"/>
+                          </a:solidFill>
+                        </a:rPr>
+                        <a:t>5-6</a:t>
+                      </a:r>
+                    </a:p>
+                  </a:txBody>
+                  <a:tcPr anchor="ctr">
+                    <a:lnL w="12700" cap="flat" cmpd="sng" algn="ctr">
+                      <a:solidFill>
+                        <a:schemeClr val="tx1"/>
+                      </a:solidFill>
+                      <a:prstDash val="solid"/>
+                      <a:round/>
+                      <a:headEnd type="none" w="med" len="med"/>
+                      <a:tailEnd type="none" w="med" len="med"/>
+                    </a:lnL>
+                    <a:lnR w="12700" cap="flat" cmpd="sng" algn="ctr">
+                      <a:solidFill>
+                        <a:schemeClr val="tx1"/>
+                      </a:solidFill>
+                      <a:prstDash val="solid"/>
+                      <a:round/>
+                      <a:headEnd type="none" w="med" len="med"/>
+                      <a:tailEnd type="none" w="med" len="med"/>
+                    </a:lnR>
+                    <a:lnT w="12700" cap="flat" cmpd="sng" algn="ctr">
+                      <a:solidFill>
+                        <a:schemeClr val="tx1"/>
+                      </a:solidFill>
+                      <a:prstDash val="solid"/>
+                      <a:round/>
+                      <a:headEnd type="none" w="med" len="med"/>
+                      <a:tailEnd type="none" w="med" len="med"/>
+                    </a:lnT>
+                    <a:lnB w="12700" cap="flat" cmpd="sng" algn="ctr">
+                      <a:solidFill>
+                        <a:schemeClr val="tx1"/>
+                      </a:solidFill>
+                      <a:prstDash val="solid"/>
+                      <a:round/>
+                      <a:headEnd type="none" w="med" len="med"/>
+                      <a:tailEnd type="none" w="med" len="med"/>
+                    </a:lnB>
+                    <a:noFill/>
+                  </a:tcPr>
+                </a:tc>
+                <a:tc>
+                  <a:txBody>
+                    <a:bodyPr/>
+                    <a:lstStyle/>
+                    <a:p>
+                      <a:r>
+                        <a:rPr lang="en-VN">
+                          <a:solidFill>
+                            <a:schemeClr val="tx1"/>
+                          </a:solidFill>
+                        </a:rPr>
+                        <a:t>Lab 2. OOP cơ bản</a:t>
+                      </a:r>
+                    </a:p>
+                  </a:txBody>
+                  <a:tcPr anchor="ctr">
+                    <a:lnL w="12700" cap="flat" cmpd="sng" algn="ctr">
+                      <a:solidFill>
+                        <a:schemeClr val="tx1"/>
+                      </a:solidFill>
+                      <a:prstDash val="solid"/>
+                      <a:round/>
+                      <a:headEnd type="none" w="med" len="med"/>
+                      <a:tailEnd type="none" w="med" len="med"/>
+                    </a:lnL>
+                    <a:lnR w="12700" cap="flat" cmpd="sng" algn="ctr">
+                      <a:solidFill>
+                        <a:schemeClr val="tx1"/>
+                      </a:solidFill>
+                      <a:prstDash val="solid"/>
+                      <a:round/>
+                      <a:headEnd type="none" w="med" len="med"/>
+                      <a:tailEnd type="none" w="med" len="med"/>
+                    </a:lnR>
+                    <a:lnT w="12700" cap="flat" cmpd="sng" algn="ctr">
+                      <a:solidFill>
+                        <a:schemeClr val="tx1"/>
+                      </a:solidFill>
+                      <a:prstDash val="solid"/>
+                      <a:round/>
+                      <a:headEnd type="none" w="med" len="med"/>
+                      <a:tailEnd type="none" w="med" len="med"/>
+                    </a:lnT>
+                    <a:lnB w="12700" cap="flat" cmpd="sng" algn="ctr">
+                      <a:solidFill>
+                        <a:schemeClr val="tx1"/>
+                      </a:solidFill>
+                      <a:prstDash val="solid"/>
+                      <a:round/>
+                      <a:headEnd type="none" w="med" len="med"/>
+                      <a:tailEnd type="none" w="med" len="med"/>
+                    </a:lnB>
+                    <a:noFill/>
+                  </a:tcPr>
+                </a:tc>
+                <a:tc>
+                  <a:txBody>
+                    <a:bodyPr/>
+                    <a:lstStyle/>
+                    <a:p>
+                      <a:r>
+                        <a:rPr lang="en-VN">
+                          <a:solidFill>
+                            <a:schemeClr val="tx1"/>
+                          </a:solidFill>
+                        </a:rPr>
+                        <a:t>Lab 2 Hackerrank</a:t>
+                      </a:r>
+                    </a:p>
+                  </a:txBody>
+                  <a:tcPr anchor="ctr">
+                    <a:lnL w="12700" cap="flat" cmpd="sng" algn="ctr">
+                      <a:solidFill>
+                        <a:schemeClr val="tx1"/>
+                      </a:solidFill>
+                      <a:prstDash val="solid"/>
+                      <a:round/>
+                      <a:headEnd type="none" w="med" len="med"/>
+                      <a:tailEnd type="none" w="med" len="med"/>
+                    </a:lnL>
+                    <a:lnR w="12700" cap="flat" cmpd="sng" algn="ctr">
+                      <a:solidFill>
+                        <a:schemeClr val="tx1"/>
+                      </a:solidFill>
+                      <a:prstDash val="solid"/>
+                      <a:round/>
+                      <a:headEnd type="none" w="med" len="med"/>
+                      <a:tailEnd type="none" w="med" len="med"/>
+                    </a:lnR>
+                    <a:lnT w="12700" cap="flat" cmpd="sng" algn="ctr">
+                      <a:solidFill>
+                        <a:schemeClr val="tx1"/>
+                      </a:solidFill>
+                      <a:prstDash val="solid"/>
+                      <a:round/>
+                      <a:headEnd type="none" w="med" len="med"/>
+                      <a:tailEnd type="none" w="med" len="med"/>
+                    </a:lnT>
+                    <a:lnB w="12700" cap="flat" cmpd="sng" algn="ctr">
+                      <a:solidFill>
+                        <a:schemeClr val="tx1"/>
+                      </a:solidFill>
+                      <a:prstDash val="solid"/>
+                      <a:round/>
+                      <a:headEnd type="none" w="med" len="med"/>
+                      <a:tailEnd type="none" w="med" len="med"/>
+                    </a:lnB>
+                    <a:noFill/>
+                  </a:tcPr>
+                </a:tc>
+                <a:tc>
+                  <a:txBody>
+                    <a:bodyPr/>
+                    <a:lstStyle/>
+                    <a:p>
+                      <a:r>
+                        <a:rPr lang="en-VN">
+                          <a:solidFill>
+                            <a:schemeClr val="tx1"/>
+                          </a:solidFill>
+                        </a:rPr>
+                        <a:t>1 tuần</a:t>
+                      </a:r>
+                    </a:p>
+                  </a:txBody>
+                  <a:tcPr anchor="ctr">
+                    <a:lnL w="12700" cap="flat" cmpd="sng" algn="ctr">
+                      <a:solidFill>
+                        <a:schemeClr val="tx1"/>
+                      </a:solidFill>
+                      <a:prstDash val="solid"/>
+                      <a:round/>
+                      <a:headEnd type="none" w="med" len="med"/>
+                      <a:tailEnd type="none" w="med" len="med"/>
+                    </a:lnL>
+                    <a:lnR w="12700" cap="flat" cmpd="sng" algn="ctr">
+                      <a:solidFill>
+                        <a:schemeClr val="tx1"/>
+                      </a:solidFill>
+                      <a:prstDash val="solid"/>
+                      <a:round/>
+                      <a:headEnd type="none" w="med" len="med"/>
+                      <a:tailEnd type="none" w="med" len="med"/>
+                    </a:lnR>
+                    <a:lnT w="12700" cap="flat" cmpd="sng" algn="ctr">
+                      <a:solidFill>
+                        <a:schemeClr val="tx1"/>
+                      </a:solidFill>
+                      <a:prstDash val="solid"/>
+                      <a:round/>
+                      <a:headEnd type="none" w="med" len="med"/>
+                      <a:tailEnd type="none" w="med" len="med"/>
+                    </a:lnT>
+                    <a:lnB w="12700" cap="flat" cmpd="sng" algn="ctr">
+                      <a:solidFill>
+                        <a:schemeClr val="tx1"/>
+                      </a:solidFill>
+                      <a:prstDash val="solid"/>
+                      <a:round/>
+                      <a:headEnd type="none" w="med" len="med"/>
+                      <a:tailEnd type="none" w="med" len="med"/>
+                    </a:lnB>
+                    <a:noFill/>
+                  </a:tcPr>
+                </a:tc>
+                <a:tc>
+                  <a:txBody>
+                    <a:bodyPr/>
+                    <a:lstStyle/>
+                    <a:p>
+                      <a:r>
+                        <a:rPr lang="en-VN">
+                          <a:solidFill>
+                            <a:schemeClr val="tx1"/>
+                          </a:solidFill>
+                        </a:rPr>
+                        <a:t>10%</a:t>
+                      </a:r>
+                    </a:p>
+                  </a:txBody>
+                  <a:tcPr anchor="ctr">
+                    <a:lnL w="12700" cap="flat" cmpd="sng" algn="ctr">
+                      <a:solidFill>
+                        <a:schemeClr val="tx1"/>
+                      </a:solidFill>
+                      <a:prstDash val="solid"/>
+                      <a:round/>
+                      <a:headEnd type="none" w="med" len="med"/>
+                      <a:tailEnd type="none" w="med" len="med"/>
+                    </a:lnL>
+                    <a:lnR w="12700" cap="flat" cmpd="sng" algn="ctr">
+                      <a:solidFill>
+                        <a:schemeClr val="tx1"/>
+                      </a:solidFill>
+                      <a:prstDash val="solid"/>
+                      <a:round/>
+                      <a:headEnd type="none" w="med" len="med"/>
+                      <a:tailEnd type="none" w="med" len="med"/>
+                    </a:lnR>
+                    <a:lnT w="12700" cap="flat" cmpd="sng" algn="ctr">
+                      <a:solidFill>
+                        <a:schemeClr val="tx1"/>
+                      </a:solidFill>
+                      <a:prstDash val="solid"/>
+                      <a:round/>
+                      <a:headEnd type="none" w="med" len="med"/>
+                      <a:tailEnd type="none" w="med" len="med"/>
+                    </a:lnT>
+                    <a:lnB w="12700" cap="flat" cmpd="sng" algn="ctr">
+                      <a:solidFill>
+                        <a:schemeClr val="tx1"/>
+                      </a:solidFill>
+                      <a:prstDash val="solid"/>
+                      <a:round/>
+                      <a:headEnd type="none" w="med" len="med"/>
+                      <a:tailEnd type="none" w="med" len="med"/>
+                    </a:lnB>
+                    <a:noFill/>
+                  </a:tcPr>
+                </a:tc>
+                <a:extLst>
+                  <a:ext uri="{0D108BD9-81ED-4DB2-BD59-A6C34878D82A}">
+                    <a16:rowId xmlns:a16="http://schemas.microsoft.com/office/drawing/2014/main" val="3980877085"/>
+                  </a:ext>
+                </a:extLst>
+              </a:tr>
+              <a:tr h="616274">
+                <a:tc>
+                  <a:txBody>
+                    <a:bodyPr/>
+                    <a:lstStyle/>
+                    <a:p>
+                      <a:r>
+                        <a:rPr lang="en-VN">
+                          <a:solidFill>
+                            <a:schemeClr val="tx1"/>
+                          </a:solidFill>
+                        </a:rPr>
+                        <a:t>7-8</a:t>
+                      </a:r>
+                    </a:p>
+                  </a:txBody>
+                  <a:tcPr anchor="ctr">
+                    <a:lnL w="12700" cap="flat" cmpd="sng" algn="ctr">
+                      <a:solidFill>
+                        <a:schemeClr val="tx1"/>
+                      </a:solidFill>
+                      <a:prstDash val="solid"/>
+                      <a:round/>
+                      <a:headEnd type="none" w="med" len="med"/>
+                      <a:tailEnd type="none" w="med" len="med"/>
+                    </a:lnL>
+                    <a:lnR w="12700" cap="flat" cmpd="sng" algn="ctr">
+                      <a:solidFill>
+                        <a:schemeClr val="tx1"/>
+                      </a:solidFill>
+                      <a:prstDash val="solid"/>
+                      <a:round/>
+                      <a:headEnd type="none" w="med" len="med"/>
+                      <a:tailEnd type="none" w="med" len="med"/>
+                    </a:lnR>
+                    <a:lnT w="12700" cap="flat" cmpd="sng" algn="ctr">
+                      <a:solidFill>
+                        <a:schemeClr val="tx1"/>
+                      </a:solidFill>
+                      <a:prstDash val="solid"/>
+                      <a:round/>
+                      <a:headEnd type="none" w="med" len="med"/>
+                      <a:tailEnd type="none" w="med" len="med"/>
+                    </a:lnT>
+                    <a:lnB w="12700" cap="flat" cmpd="sng" algn="ctr">
+                      <a:solidFill>
+                        <a:schemeClr val="tx1"/>
+                      </a:solidFill>
+                      <a:prstDash val="solid"/>
+                      <a:round/>
+                      <a:headEnd type="none" w="med" len="med"/>
+                      <a:tailEnd type="none" w="med" len="med"/>
+                    </a:lnB>
+                    <a:noFill/>
+                  </a:tcPr>
+                </a:tc>
+                <a:tc>
+                  <a:txBody>
+                    <a:bodyPr/>
+                    <a:lstStyle/>
+                    <a:p>
+                      <a:r>
+                        <a:rPr lang="en-VN">
+                          <a:solidFill>
+                            <a:schemeClr val="tx1"/>
+                          </a:solidFill>
+                        </a:rPr>
+                        <a:t>Lab 3. Operator</a:t>
+                      </a:r>
+                    </a:p>
+                  </a:txBody>
+                  <a:tcPr anchor="ctr">
+                    <a:lnL w="12700" cap="flat" cmpd="sng" algn="ctr">
+                      <a:solidFill>
+                        <a:schemeClr val="tx1"/>
+                      </a:solidFill>
+                      <a:prstDash val="solid"/>
+                      <a:round/>
+                      <a:headEnd type="none" w="med" len="med"/>
+                      <a:tailEnd type="none" w="med" len="med"/>
+                    </a:lnL>
+                    <a:lnR w="12700" cap="flat" cmpd="sng" algn="ctr">
+                      <a:solidFill>
+                        <a:schemeClr val="tx1"/>
+                      </a:solidFill>
+                      <a:prstDash val="solid"/>
+                      <a:round/>
+                      <a:headEnd type="none" w="med" len="med"/>
+                      <a:tailEnd type="none" w="med" len="med"/>
+                    </a:lnR>
+                    <a:lnT w="12700" cap="flat" cmpd="sng" algn="ctr">
+                      <a:solidFill>
+                        <a:schemeClr val="tx1"/>
+                      </a:solidFill>
+                      <a:prstDash val="solid"/>
+                      <a:round/>
+                      <a:headEnd type="none" w="med" len="med"/>
+                      <a:tailEnd type="none" w="med" len="med"/>
+                    </a:lnT>
+                    <a:lnB w="12700" cap="flat" cmpd="sng" algn="ctr">
+                      <a:solidFill>
+                        <a:schemeClr val="tx1"/>
+                      </a:solidFill>
+                      <a:prstDash val="solid"/>
+                      <a:round/>
+                      <a:headEnd type="none" w="med" len="med"/>
+                      <a:tailEnd type="none" w="med" len="med"/>
+                    </a:lnB>
+                    <a:noFill/>
+                  </a:tcPr>
+                </a:tc>
+                <a:tc>
+                  <a:txBody>
+                    <a:bodyPr/>
+                    <a:lstStyle/>
+                    <a:p>
+                      <a:r>
+                        <a:rPr lang="en-VN">
+                          <a:solidFill>
+                            <a:schemeClr val="tx1"/>
+                          </a:solidFill>
+                        </a:rPr>
+                        <a:t>Lab 3 Hackerrank</a:t>
+                      </a:r>
+                    </a:p>
+                  </a:txBody>
+                  <a:tcPr anchor="ctr">
+                    <a:lnL w="12700" cap="flat" cmpd="sng" algn="ctr">
+                      <a:solidFill>
+                        <a:schemeClr val="tx1"/>
+                      </a:solidFill>
+                      <a:prstDash val="solid"/>
+                      <a:round/>
+                      <a:headEnd type="none" w="med" len="med"/>
+                      <a:tailEnd type="none" w="med" len="med"/>
+                    </a:lnL>
+                    <a:lnR w="12700" cap="flat" cmpd="sng" algn="ctr">
+                      <a:solidFill>
+                        <a:schemeClr val="tx1"/>
+                      </a:solidFill>
+                      <a:prstDash val="solid"/>
+                      <a:round/>
+                      <a:headEnd type="none" w="med" len="med"/>
+                      <a:tailEnd type="none" w="med" len="med"/>
+                    </a:lnR>
+                    <a:lnT w="12700" cap="flat" cmpd="sng" algn="ctr">
+                      <a:solidFill>
+                        <a:schemeClr val="tx1"/>
+                      </a:solidFill>
+                      <a:prstDash val="solid"/>
+                      <a:round/>
+                      <a:headEnd type="none" w="med" len="med"/>
+                      <a:tailEnd type="none" w="med" len="med"/>
+                    </a:lnT>
+                    <a:lnB w="12700" cap="flat" cmpd="sng" algn="ctr">
+                      <a:solidFill>
+                        <a:schemeClr val="tx1"/>
+                      </a:solidFill>
+                      <a:prstDash val="solid"/>
+                      <a:round/>
+                      <a:headEnd type="none" w="med" len="med"/>
+                      <a:tailEnd type="none" w="med" len="med"/>
+                    </a:lnB>
+                    <a:noFill/>
+                  </a:tcPr>
+                </a:tc>
+                <a:tc>
+                  <a:txBody>
+                    <a:bodyPr/>
+                    <a:lstStyle/>
+                    <a:p>
+                      <a:r>
+                        <a:rPr lang="en-VN">
+                          <a:solidFill>
+                            <a:schemeClr val="tx1"/>
+                          </a:solidFill>
+                        </a:rPr>
+                        <a:t>2 tuần</a:t>
+                      </a:r>
+                    </a:p>
+                  </a:txBody>
+                  <a:tcPr anchor="ctr">
+                    <a:lnL w="12700" cap="flat" cmpd="sng" algn="ctr">
+                      <a:solidFill>
+                        <a:schemeClr val="tx1"/>
+                      </a:solidFill>
+                      <a:prstDash val="solid"/>
+                      <a:round/>
+                      <a:headEnd type="none" w="med" len="med"/>
+                      <a:tailEnd type="none" w="med" len="med"/>
+                    </a:lnL>
+                    <a:lnR w="12700" cap="flat" cmpd="sng" algn="ctr">
+                      <a:solidFill>
+                        <a:schemeClr val="tx1"/>
+                      </a:solidFill>
+                      <a:prstDash val="solid"/>
+                      <a:round/>
+                      <a:headEnd type="none" w="med" len="med"/>
+                      <a:tailEnd type="none" w="med" len="med"/>
+                    </a:lnR>
+                    <a:lnT w="12700" cap="flat" cmpd="sng" algn="ctr">
+                      <a:solidFill>
+                        <a:schemeClr val="tx1"/>
+                      </a:solidFill>
+                      <a:prstDash val="solid"/>
+                      <a:round/>
+                      <a:headEnd type="none" w="med" len="med"/>
+                      <a:tailEnd type="none" w="med" len="med"/>
+                    </a:lnT>
+                    <a:lnB w="12700" cap="flat" cmpd="sng" algn="ctr">
+                      <a:solidFill>
+                        <a:schemeClr val="tx1"/>
+                      </a:solidFill>
+                      <a:prstDash val="solid"/>
+                      <a:round/>
+                      <a:headEnd type="none" w="med" len="med"/>
+                      <a:tailEnd type="none" w="med" len="med"/>
+                    </a:lnB>
+                    <a:noFill/>
+                  </a:tcPr>
+                </a:tc>
+                <a:tc>
+                  <a:txBody>
+                    <a:bodyPr/>
+                    <a:lstStyle/>
+                    <a:p>
+                      <a:r>
+                        <a:rPr lang="en-VN">
+                          <a:solidFill>
+                            <a:schemeClr val="tx1"/>
+                          </a:solidFill>
+                        </a:rPr>
+                        <a:t>10%</a:t>
+                      </a:r>
+                    </a:p>
+                  </a:txBody>
+                  <a:tcPr anchor="ctr">
+                    <a:lnL w="12700" cap="flat" cmpd="sng" algn="ctr">
+                      <a:solidFill>
+                        <a:schemeClr val="tx1"/>
+                      </a:solidFill>
+                      <a:prstDash val="solid"/>
+                      <a:round/>
+                      <a:headEnd type="none" w="med" len="med"/>
+                      <a:tailEnd type="none" w="med" len="med"/>
+                    </a:lnL>
+                    <a:lnR w="12700" cap="flat" cmpd="sng" algn="ctr">
+                      <a:solidFill>
+                        <a:schemeClr val="tx1"/>
+                      </a:solidFill>
+                      <a:prstDash val="solid"/>
+                      <a:round/>
+                      <a:headEnd type="none" w="med" len="med"/>
+                      <a:tailEnd type="none" w="med" len="med"/>
+                    </a:lnR>
+                    <a:lnT w="12700" cap="flat" cmpd="sng" algn="ctr">
+                      <a:solidFill>
+                        <a:schemeClr val="tx1"/>
+                      </a:solidFill>
+                      <a:prstDash val="solid"/>
+                      <a:round/>
+                      <a:headEnd type="none" w="med" len="med"/>
+                      <a:tailEnd type="none" w="med" len="med"/>
+                    </a:lnT>
+                    <a:lnB w="12700" cap="flat" cmpd="sng" algn="ctr">
+                      <a:solidFill>
+                        <a:schemeClr val="tx1"/>
+                      </a:solidFill>
+                      <a:prstDash val="solid"/>
+                      <a:round/>
+                      <a:headEnd type="none" w="med" len="med"/>
+                      <a:tailEnd type="none" w="med" len="med"/>
+                    </a:lnB>
+                    <a:noFill/>
+                  </a:tcPr>
+                </a:tc>
+                <a:extLst>
+                  <a:ext uri="{0D108BD9-81ED-4DB2-BD59-A6C34878D82A}">
+                    <a16:rowId xmlns:a16="http://schemas.microsoft.com/office/drawing/2014/main" val="1087915165"/>
+                  </a:ext>
+                </a:extLst>
+              </a:tr>
+              <a:tr h="616274">
+                <a:tc>
+                  <a:txBody>
+                    <a:bodyPr/>
+                    <a:lstStyle/>
+                    <a:p>
+                      <a:r>
+                        <a:rPr lang="en-VN">
+                          <a:solidFill>
+                            <a:schemeClr val="tx1"/>
+                          </a:solidFill>
+                        </a:rPr>
+                        <a:t>9-10</a:t>
+                      </a:r>
+                    </a:p>
+                  </a:txBody>
+                  <a:tcPr anchor="ctr">
+                    <a:lnL w="12700" cap="flat" cmpd="sng" algn="ctr">
+                      <a:solidFill>
+                        <a:schemeClr val="tx1"/>
+                      </a:solidFill>
+                      <a:prstDash val="solid"/>
+                      <a:round/>
+                      <a:headEnd type="none" w="med" len="med"/>
+                      <a:tailEnd type="none" w="med" len="med"/>
+                    </a:lnL>
+                    <a:lnR w="12700" cap="flat" cmpd="sng" algn="ctr">
+                      <a:solidFill>
+                        <a:schemeClr val="tx1"/>
+                      </a:solidFill>
+                      <a:prstDash val="solid"/>
+                      <a:round/>
+                      <a:headEnd type="none" w="med" len="med"/>
+                      <a:tailEnd type="none" w="med" len="med"/>
+                    </a:lnR>
+                    <a:lnT w="12700" cap="flat" cmpd="sng" algn="ctr">
+                      <a:solidFill>
+                        <a:schemeClr val="tx1"/>
+                      </a:solidFill>
+                      <a:prstDash val="solid"/>
+                      <a:round/>
+                      <a:headEnd type="none" w="med" len="med"/>
+                      <a:tailEnd type="none" w="med" len="med"/>
+                    </a:lnT>
+                    <a:lnB w="12700" cap="flat" cmpd="sng" algn="ctr">
+                      <a:solidFill>
+                        <a:schemeClr val="tx1"/>
+                      </a:solidFill>
+                      <a:prstDash val="solid"/>
+                      <a:round/>
+                      <a:headEnd type="none" w="med" len="med"/>
+                      <a:tailEnd type="none" w="med" len="med"/>
+                    </a:lnB>
+                    <a:noFill/>
+                  </a:tcPr>
+                </a:tc>
+                <a:tc>
+                  <a:txBody>
+                    <a:bodyPr/>
+                    <a:lstStyle/>
+                    <a:p>
+                      <a:r>
+                        <a:rPr lang="en-VN">
+                          <a:solidFill>
+                            <a:schemeClr val="tx1"/>
+                          </a:solidFill>
+                        </a:rPr>
+                        <a:t>Lab 4. Kế thừa, đa hình</a:t>
+                      </a:r>
+                    </a:p>
+                  </a:txBody>
+                  <a:tcPr anchor="ctr">
+                    <a:lnL w="12700" cap="flat" cmpd="sng" algn="ctr">
+                      <a:solidFill>
+                        <a:schemeClr val="tx1"/>
+                      </a:solidFill>
+                      <a:prstDash val="solid"/>
+                      <a:round/>
+                      <a:headEnd type="none" w="med" len="med"/>
+                      <a:tailEnd type="none" w="med" len="med"/>
+                    </a:lnL>
+                    <a:lnR w="12700" cap="flat" cmpd="sng" algn="ctr">
+                      <a:solidFill>
+                        <a:schemeClr val="tx1"/>
+                      </a:solidFill>
+                      <a:prstDash val="solid"/>
+                      <a:round/>
+                      <a:headEnd type="none" w="med" len="med"/>
+                      <a:tailEnd type="none" w="med" len="med"/>
+                    </a:lnR>
+                    <a:lnT w="12700" cap="flat" cmpd="sng" algn="ctr">
+                      <a:solidFill>
+                        <a:schemeClr val="tx1"/>
+                      </a:solidFill>
+                      <a:prstDash val="solid"/>
+                      <a:round/>
+                      <a:headEnd type="none" w="med" len="med"/>
+                      <a:tailEnd type="none" w="med" len="med"/>
+                    </a:lnT>
+                    <a:lnB w="12700" cap="flat" cmpd="sng" algn="ctr">
+                      <a:solidFill>
+                        <a:schemeClr val="tx1"/>
+                      </a:solidFill>
+                      <a:prstDash val="solid"/>
+                      <a:round/>
+                      <a:headEnd type="none" w="med" len="med"/>
+                      <a:tailEnd type="none" w="med" len="med"/>
+                    </a:lnB>
+                    <a:noFill/>
+                  </a:tcPr>
+                </a:tc>
+                <a:tc>
+                  <a:txBody>
+                    <a:bodyPr/>
+                    <a:lstStyle/>
+                    <a:p>
+                      <a:r>
+                        <a:rPr lang="en-VN">
+                          <a:solidFill>
+                            <a:schemeClr val="tx1"/>
+                          </a:solidFill>
+                        </a:rPr>
+                        <a:t>Lab 4 Hackerrank</a:t>
+                      </a:r>
+                    </a:p>
+                  </a:txBody>
+                  <a:tcPr anchor="ctr">
+                    <a:lnL w="12700" cap="flat" cmpd="sng" algn="ctr">
+                      <a:solidFill>
+                        <a:schemeClr val="tx1"/>
+                      </a:solidFill>
+                      <a:prstDash val="solid"/>
+                      <a:round/>
+                      <a:headEnd type="none" w="med" len="med"/>
+                      <a:tailEnd type="none" w="med" len="med"/>
+                    </a:lnL>
+                    <a:lnR w="12700" cap="flat" cmpd="sng" algn="ctr">
+                      <a:solidFill>
+                        <a:schemeClr val="tx1"/>
+                      </a:solidFill>
+                      <a:prstDash val="solid"/>
+                      <a:round/>
+                      <a:headEnd type="none" w="med" len="med"/>
+                      <a:tailEnd type="none" w="med" len="med"/>
+                    </a:lnR>
+                    <a:lnT w="12700" cap="flat" cmpd="sng" algn="ctr">
+                      <a:solidFill>
+                        <a:schemeClr val="tx1"/>
+                      </a:solidFill>
+                      <a:prstDash val="solid"/>
+                      <a:round/>
+                      <a:headEnd type="none" w="med" len="med"/>
+                      <a:tailEnd type="none" w="med" len="med"/>
+                    </a:lnT>
+                    <a:lnB w="12700" cap="flat" cmpd="sng" algn="ctr">
+                      <a:solidFill>
+                        <a:schemeClr val="tx1"/>
+                      </a:solidFill>
+                      <a:prstDash val="solid"/>
+                      <a:round/>
+                      <a:headEnd type="none" w="med" len="med"/>
+                      <a:tailEnd type="none" w="med" len="med"/>
+                    </a:lnB>
+                    <a:noFill/>
+                  </a:tcPr>
+                </a:tc>
+                <a:tc>
+                  <a:txBody>
+                    <a:bodyPr/>
+                    <a:lstStyle/>
+                    <a:p>
+                      <a:r>
+                        <a:rPr lang="en-VN">
+                          <a:solidFill>
+                            <a:schemeClr val="tx1"/>
+                          </a:solidFill>
+                        </a:rPr>
+                        <a:t>1 tuần</a:t>
+                      </a:r>
+                    </a:p>
+                  </a:txBody>
+                  <a:tcPr anchor="ctr">
+                    <a:lnL w="12700" cap="flat" cmpd="sng" algn="ctr">
+                      <a:solidFill>
+                        <a:schemeClr val="tx1"/>
+                      </a:solidFill>
+                      <a:prstDash val="solid"/>
+                      <a:round/>
+                      <a:headEnd type="none" w="med" len="med"/>
+                      <a:tailEnd type="none" w="med" len="med"/>
+                    </a:lnL>
+                    <a:lnR w="12700" cap="flat" cmpd="sng" algn="ctr">
+                      <a:solidFill>
+                        <a:schemeClr val="tx1"/>
+                      </a:solidFill>
+                      <a:prstDash val="solid"/>
+                      <a:round/>
+                      <a:headEnd type="none" w="med" len="med"/>
+                      <a:tailEnd type="none" w="med" len="med"/>
+                    </a:lnR>
+                    <a:lnT w="12700" cap="flat" cmpd="sng" algn="ctr">
+                      <a:solidFill>
+                        <a:schemeClr val="tx1"/>
+                      </a:solidFill>
+                      <a:prstDash val="solid"/>
+                      <a:round/>
+                      <a:headEnd type="none" w="med" len="med"/>
+                      <a:tailEnd type="none" w="med" len="med"/>
+                    </a:lnT>
+                    <a:lnB w="12700" cap="flat" cmpd="sng" algn="ctr">
+                      <a:solidFill>
+                        <a:schemeClr val="tx1"/>
+                      </a:solidFill>
+                      <a:prstDash val="solid"/>
+                      <a:round/>
+                      <a:headEnd type="none" w="med" len="med"/>
+                      <a:tailEnd type="none" w="med" len="med"/>
+                    </a:lnB>
+                    <a:noFill/>
+                  </a:tcPr>
+                </a:tc>
+                <a:tc>
+                  <a:txBody>
+                    <a:bodyPr/>
+                    <a:lstStyle/>
+                    <a:p>
+                      <a:r>
+                        <a:rPr lang="en-VN">
+                          <a:solidFill>
+                            <a:schemeClr val="tx1"/>
+                          </a:solidFill>
+                        </a:rPr>
+                        <a:t>10%</a:t>
+                      </a:r>
+                    </a:p>
+                  </a:txBody>
+                  <a:tcPr anchor="ctr">
+                    <a:lnL w="12700" cap="flat" cmpd="sng" algn="ctr">
+                      <a:solidFill>
+                        <a:schemeClr val="tx1"/>
+                      </a:solidFill>
+                      <a:prstDash val="solid"/>
+                      <a:round/>
+                      <a:headEnd type="none" w="med" len="med"/>
+                      <a:tailEnd type="none" w="med" len="med"/>
+                    </a:lnL>
+                    <a:lnR w="12700" cap="flat" cmpd="sng" algn="ctr">
+                      <a:solidFill>
+                        <a:schemeClr val="tx1"/>
+                      </a:solidFill>
+                      <a:prstDash val="solid"/>
+                      <a:round/>
+                      <a:headEnd type="none" w="med" len="med"/>
+                      <a:tailEnd type="none" w="med" len="med"/>
+                    </a:lnR>
+                    <a:lnT w="12700" cap="flat" cmpd="sng" algn="ctr">
+                      <a:solidFill>
+                        <a:schemeClr val="tx1"/>
+                      </a:solidFill>
+                      <a:prstDash val="solid"/>
+                      <a:round/>
+                      <a:headEnd type="none" w="med" len="med"/>
+                      <a:tailEnd type="none" w="med" len="med"/>
+                    </a:lnT>
+                    <a:lnB w="12700" cap="flat" cmpd="sng" algn="ctr">
+                      <a:solidFill>
+                        <a:schemeClr val="tx1"/>
+                      </a:solidFill>
+                      <a:prstDash val="solid"/>
+                      <a:round/>
+                      <a:headEnd type="none" w="med" len="med"/>
+                      <a:tailEnd type="none" w="med" len="med"/>
+                    </a:lnB>
+                    <a:noFill/>
+                  </a:tcPr>
+                </a:tc>
+                <a:extLst>
+                  <a:ext uri="{0D108BD9-81ED-4DB2-BD59-A6C34878D82A}">
+                    <a16:rowId xmlns:a16="http://schemas.microsoft.com/office/drawing/2014/main" val="4234824033"/>
+                  </a:ext>
+                </a:extLst>
+              </a:tr>
+              <a:tr h="616274">
+                <a:tc>
+                  <a:txBody>
+                    <a:bodyPr/>
+                    <a:lstStyle/>
+                    <a:p>
+                      <a:r>
+                        <a:rPr lang="en-VN">
+                          <a:solidFill>
+                            <a:schemeClr val="tx1"/>
+                          </a:solidFill>
+                        </a:rPr>
+                        <a:t>11-12</a:t>
+                      </a:r>
+                    </a:p>
+                  </a:txBody>
+                  <a:tcPr anchor="ctr">
+                    <a:lnL w="12700" cap="flat" cmpd="sng" algn="ctr">
+                      <a:solidFill>
+                        <a:schemeClr val="tx1"/>
+                      </a:solidFill>
+                      <a:prstDash val="solid"/>
+                      <a:round/>
+                      <a:headEnd type="none" w="med" len="med"/>
+                      <a:tailEnd type="none" w="med" len="med"/>
+                    </a:lnL>
+                    <a:lnR w="12700" cap="flat" cmpd="sng" algn="ctr">
+                      <a:solidFill>
+                        <a:schemeClr val="tx1"/>
+                      </a:solidFill>
+                      <a:prstDash val="solid"/>
+                      <a:round/>
+                      <a:headEnd type="none" w="med" len="med"/>
+                      <a:tailEnd type="none" w="med" len="med"/>
+                    </a:lnR>
+                    <a:lnT w="12700" cap="flat" cmpd="sng" algn="ctr">
+                      <a:solidFill>
+                        <a:schemeClr val="tx1"/>
+                      </a:solidFill>
+                      <a:prstDash val="solid"/>
+                      <a:round/>
+                      <a:headEnd type="none" w="med" len="med"/>
+                      <a:tailEnd type="none" w="med" len="med"/>
+                    </a:lnT>
+                    <a:lnB w="12700" cap="flat" cmpd="sng" algn="ctr">
+                      <a:solidFill>
+                        <a:schemeClr val="tx1"/>
+                      </a:solidFill>
+                      <a:prstDash val="solid"/>
+                      <a:round/>
+                      <a:headEnd type="none" w="med" len="med"/>
+                      <a:tailEnd type="none" w="med" len="med"/>
+                    </a:lnB>
+                    <a:noFill/>
+                  </a:tcPr>
+                </a:tc>
+                <a:tc>
+                  <a:txBody>
+                    <a:bodyPr/>
+                    <a:lstStyle/>
+                    <a:p>
+                      <a:r>
+                        <a:rPr lang="en-VN">
+                          <a:solidFill>
+                            <a:schemeClr val="tx1"/>
+                          </a:solidFill>
+                        </a:rPr>
+                        <a:t>Lab 5. Ôn tập</a:t>
+                      </a:r>
+                    </a:p>
+                  </a:txBody>
+                  <a:tcPr anchor="ctr">
+                    <a:lnL w="12700" cap="flat" cmpd="sng" algn="ctr">
+                      <a:solidFill>
+                        <a:schemeClr val="tx1"/>
+                      </a:solidFill>
+                      <a:prstDash val="solid"/>
+                      <a:round/>
+                      <a:headEnd type="none" w="med" len="med"/>
+                      <a:tailEnd type="none" w="med" len="med"/>
+                    </a:lnL>
+                    <a:lnR w="12700" cap="flat" cmpd="sng" algn="ctr">
+                      <a:solidFill>
+                        <a:schemeClr val="tx1"/>
+                      </a:solidFill>
+                      <a:prstDash val="solid"/>
+                      <a:round/>
+                      <a:headEnd type="none" w="med" len="med"/>
+                      <a:tailEnd type="none" w="med" len="med"/>
+                    </a:lnR>
+                    <a:lnT w="12700" cap="flat" cmpd="sng" algn="ctr">
+                      <a:solidFill>
+                        <a:schemeClr val="tx1"/>
+                      </a:solidFill>
+                      <a:prstDash val="solid"/>
+                      <a:round/>
+                      <a:headEnd type="none" w="med" len="med"/>
+                      <a:tailEnd type="none" w="med" len="med"/>
+                    </a:lnT>
+                    <a:lnB w="12700" cap="flat" cmpd="sng" algn="ctr">
+                      <a:solidFill>
+                        <a:schemeClr val="tx1"/>
+                      </a:solidFill>
+                      <a:prstDash val="solid"/>
+                      <a:round/>
+                      <a:headEnd type="none" w="med" len="med"/>
+                      <a:tailEnd type="none" w="med" len="med"/>
+                    </a:lnB>
+                    <a:noFill/>
+                  </a:tcPr>
+                </a:tc>
+                <a:tc>
+                  <a:txBody>
+                    <a:bodyPr/>
+                    <a:lstStyle/>
+                    <a:p>
+                      <a:r>
+                        <a:rPr lang="en-VN">
+                          <a:solidFill>
+                            <a:schemeClr val="tx1"/>
+                          </a:solidFill>
+                        </a:rPr>
+                        <a:t>Lab 5 Hackerrank</a:t>
+                      </a:r>
+                    </a:p>
+                  </a:txBody>
+                  <a:tcPr anchor="ctr">
+                    <a:lnL w="12700" cap="flat" cmpd="sng" algn="ctr">
+                      <a:solidFill>
+                        <a:schemeClr val="tx1"/>
+                      </a:solidFill>
+                      <a:prstDash val="solid"/>
+                      <a:round/>
+                      <a:headEnd type="none" w="med" len="med"/>
+                      <a:tailEnd type="none" w="med" len="med"/>
+                    </a:lnL>
+                    <a:lnR w="12700" cap="flat" cmpd="sng" algn="ctr">
+                      <a:solidFill>
+                        <a:schemeClr val="tx1"/>
+                      </a:solidFill>
+                      <a:prstDash val="solid"/>
+                      <a:round/>
+                      <a:headEnd type="none" w="med" len="med"/>
+                      <a:tailEnd type="none" w="med" len="med"/>
+                    </a:lnR>
+                    <a:lnT w="12700" cap="flat" cmpd="sng" algn="ctr">
+                      <a:solidFill>
+                        <a:schemeClr val="tx1"/>
+                      </a:solidFill>
+                      <a:prstDash val="solid"/>
+                      <a:round/>
+                      <a:headEnd type="none" w="med" len="med"/>
+                      <a:tailEnd type="none" w="med" len="med"/>
+                    </a:lnT>
+                    <a:lnB w="12700" cap="flat" cmpd="sng" algn="ctr">
+                      <a:solidFill>
+                        <a:schemeClr val="tx1"/>
+                      </a:solidFill>
+                      <a:prstDash val="solid"/>
+                      <a:round/>
+                      <a:headEnd type="none" w="med" len="med"/>
+                      <a:tailEnd type="none" w="med" len="med"/>
+                    </a:lnB>
+                    <a:noFill/>
+                  </a:tcPr>
+                </a:tc>
+                <a:tc>
+                  <a:txBody>
+                    <a:bodyPr/>
+                    <a:lstStyle/>
+                    <a:p>
+                      <a:r>
+                        <a:rPr lang="en-VN">
+                          <a:solidFill>
+                            <a:schemeClr val="tx1"/>
+                          </a:solidFill>
+                        </a:rPr>
+                        <a:t>2 tuần</a:t>
+                      </a:r>
+                    </a:p>
+                  </a:txBody>
+                  <a:tcPr anchor="ctr">
+                    <a:lnL w="12700" cap="flat" cmpd="sng" algn="ctr">
+                      <a:solidFill>
+                        <a:schemeClr val="tx1"/>
+                      </a:solidFill>
+                      <a:prstDash val="solid"/>
+                      <a:round/>
+                      <a:headEnd type="none" w="med" len="med"/>
+                      <a:tailEnd type="none" w="med" len="med"/>
+                    </a:lnL>
+                    <a:lnR w="12700" cap="flat" cmpd="sng" algn="ctr">
+                      <a:solidFill>
+                        <a:schemeClr val="tx1"/>
+                      </a:solidFill>
+                      <a:prstDash val="solid"/>
+                      <a:round/>
+                      <a:headEnd type="none" w="med" len="med"/>
+                      <a:tailEnd type="none" w="med" len="med"/>
+                    </a:lnR>
+                    <a:lnT w="12700" cap="flat" cmpd="sng" algn="ctr">
+                      <a:solidFill>
+                        <a:schemeClr val="tx1"/>
+                      </a:solidFill>
+                      <a:prstDash val="solid"/>
+                      <a:round/>
+                      <a:headEnd type="none" w="med" len="med"/>
+                      <a:tailEnd type="none" w="med" len="med"/>
+                    </a:lnT>
+                    <a:lnB w="12700" cap="flat" cmpd="sng" algn="ctr">
+                      <a:solidFill>
+                        <a:schemeClr val="tx1"/>
+                      </a:solidFill>
+                      <a:prstDash val="solid"/>
+                      <a:round/>
+                      <a:headEnd type="none" w="med" len="med"/>
+                      <a:tailEnd type="none" w="med" len="med"/>
+                    </a:lnB>
+                    <a:noFill/>
+                  </a:tcPr>
+                </a:tc>
+                <a:tc>
+                  <a:txBody>
+                    <a:bodyPr/>
+                    <a:lstStyle/>
+                    <a:p>
+                      <a:r>
+                        <a:rPr lang="en-VN">
+                          <a:solidFill>
+                            <a:schemeClr val="tx1"/>
+                          </a:solidFill>
+                        </a:rPr>
+                        <a:t>10%</a:t>
+                      </a:r>
+                    </a:p>
+                  </a:txBody>
+                  <a:tcPr anchor="ctr">
+                    <a:lnL w="12700" cap="flat" cmpd="sng" algn="ctr">
+                      <a:solidFill>
+                        <a:schemeClr val="tx1"/>
+                      </a:solidFill>
+                      <a:prstDash val="solid"/>
+                      <a:round/>
+                      <a:headEnd type="none" w="med" len="med"/>
+                      <a:tailEnd type="none" w="med" len="med"/>
+                    </a:lnL>
+                    <a:lnR w="12700" cap="flat" cmpd="sng" algn="ctr">
+                      <a:solidFill>
+                        <a:schemeClr val="tx1"/>
+                      </a:solidFill>
+                      <a:prstDash val="solid"/>
+                      <a:round/>
+                      <a:headEnd type="none" w="med" len="med"/>
+                      <a:tailEnd type="none" w="med" len="med"/>
+                    </a:lnR>
+                    <a:lnT w="12700" cap="flat" cmpd="sng" algn="ctr">
+                      <a:solidFill>
+                        <a:schemeClr val="tx1"/>
+                      </a:solidFill>
+                      <a:prstDash val="solid"/>
+                      <a:round/>
+                      <a:headEnd type="none" w="med" len="med"/>
+                      <a:tailEnd type="none" w="med" len="med"/>
+                    </a:lnT>
+                    <a:lnB w="12700" cap="flat" cmpd="sng" algn="ctr">
+                      <a:solidFill>
+                        <a:schemeClr val="tx1"/>
+                      </a:solidFill>
+                      <a:prstDash val="solid"/>
+                      <a:round/>
+                      <a:headEnd type="none" w="med" len="med"/>
+                      <a:tailEnd type="none" w="med" len="med"/>
+                    </a:lnB>
+                    <a:noFill/>
+                  </a:tcPr>
+                </a:tc>
+                <a:extLst>
+                  <a:ext uri="{0D108BD9-81ED-4DB2-BD59-A6C34878D82A}">
+                    <a16:rowId xmlns:a16="http://schemas.microsoft.com/office/drawing/2014/main" val="277997364"/>
+                  </a:ext>
+                </a:extLst>
+              </a:tr>
+              <a:tr h="616274">
+                <a:tc>
+                  <a:txBody>
+                    <a:bodyPr/>
+                    <a:lstStyle/>
+                    <a:p>
+                      <a:r>
+                        <a:rPr lang="en-VN">
+                          <a:solidFill>
+                            <a:schemeClr val="tx1"/>
+                          </a:solidFill>
+                        </a:rPr>
+                        <a:t>13-14</a:t>
+                      </a:r>
+                    </a:p>
+                  </a:txBody>
+                  <a:tcPr anchor="ctr">
+                    <a:lnL w="12700" cap="flat" cmpd="sng" algn="ctr">
+                      <a:solidFill>
+                        <a:schemeClr val="tx1"/>
+                      </a:solidFill>
+                      <a:prstDash val="solid"/>
+                      <a:round/>
+                      <a:headEnd type="none" w="med" len="med"/>
+                      <a:tailEnd type="none" w="med" len="med"/>
+                    </a:lnL>
+                    <a:lnR w="12700" cap="flat" cmpd="sng" algn="ctr">
+                      <a:solidFill>
+                        <a:schemeClr val="tx1"/>
+                      </a:solidFill>
+                      <a:prstDash val="solid"/>
+                      <a:round/>
+                      <a:headEnd type="none" w="med" len="med"/>
+                      <a:tailEnd type="none" w="med" len="med"/>
+                    </a:lnR>
+                    <a:lnT w="12700" cap="flat" cmpd="sng" algn="ctr">
+                      <a:solidFill>
+                        <a:schemeClr val="tx1"/>
+                      </a:solidFill>
+                      <a:prstDash val="solid"/>
+                      <a:round/>
+                      <a:headEnd type="none" w="med" len="med"/>
+                      <a:tailEnd type="none" w="med" len="med"/>
+                    </a:lnT>
+                    <a:lnB w="12700" cap="flat" cmpd="sng" algn="ctr">
+                      <a:solidFill>
+                        <a:schemeClr val="tx1"/>
+                      </a:solidFill>
+                      <a:prstDash val="solid"/>
+                      <a:round/>
+                      <a:headEnd type="none" w="med" len="med"/>
+                      <a:tailEnd type="none" w="med" len="med"/>
+                    </a:lnB>
+                    <a:noFill/>
+                  </a:tcPr>
+                </a:tc>
+                <a:tc>
+                  <a:txBody>
+                    <a:bodyPr/>
+                    <a:lstStyle/>
+                    <a:p>
+                      <a:r>
+                        <a:rPr lang="en-VN">
+                          <a:solidFill>
+                            <a:schemeClr val="tx1"/>
+                          </a:solidFill>
+                        </a:rPr>
+                        <a:t>Lab 6. Thi cuối kì</a:t>
+                      </a:r>
+                    </a:p>
+                  </a:txBody>
+                  <a:tcPr anchor="ctr">
+                    <a:lnL w="12700" cap="flat" cmpd="sng" algn="ctr">
+                      <a:solidFill>
+                        <a:schemeClr val="tx1"/>
+                      </a:solidFill>
+                      <a:prstDash val="solid"/>
+                      <a:round/>
+                      <a:headEnd type="none" w="med" len="med"/>
+                      <a:tailEnd type="none" w="med" len="med"/>
+                    </a:lnL>
+                    <a:lnR w="12700" cap="flat" cmpd="sng" algn="ctr">
+                      <a:solidFill>
+                        <a:schemeClr val="tx1"/>
+                      </a:solidFill>
+                      <a:prstDash val="solid"/>
+                      <a:round/>
+                      <a:headEnd type="none" w="med" len="med"/>
+                      <a:tailEnd type="none" w="med" len="med"/>
+                    </a:lnR>
+                    <a:lnT w="12700" cap="flat" cmpd="sng" algn="ctr">
+                      <a:solidFill>
+                        <a:schemeClr val="tx1"/>
+                      </a:solidFill>
+                      <a:prstDash val="solid"/>
+                      <a:round/>
+                      <a:headEnd type="none" w="med" len="med"/>
+                      <a:tailEnd type="none" w="med" len="med"/>
+                    </a:lnT>
+                    <a:lnB w="12700" cap="flat" cmpd="sng" algn="ctr">
+                      <a:solidFill>
+                        <a:schemeClr val="tx1"/>
+                      </a:solidFill>
+                      <a:prstDash val="solid"/>
+                      <a:round/>
+                      <a:headEnd type="none" w="med" len="med"/>
+                      <a:tailEnd type="none" w="med" len="med"/>
+                    </a:lnB>
+                    <a:noFill/>
+                  </a:tcPr>
+                </a:tc>
+                <a:tc>
+                  <a:txBody>
+                    <a:bodyPr/>
+                    <a:lstStyle/>
+                    <a:p>
+                      <a:r>
+                        <a:rPr lang="en-VN">
+                          <a:solidFill>
+                            <a:schemeClr val="tx1"/>
+                          </a:solidFill>
+                        </a:rPr>
+                        <a:t>Đề thi thực hành các năm</a:t>
+                      </a:r>
+                    </a:p>
+                  </a:txBody>
+                  <a:tcPr anchor="ctr">
+                    <a:lnL w="12700" cap="flat" cmpd="sng" algn="ctr">
+                      <a:solidFill>
+                        <a:schemeClr val="tx1"/>
+                      </a:solidFill>
+                      <a:prstDash val="solid"/>
+                      <a:round/>
+                      <a:headEnd type="none" w="med" len="med"/>
+                      <a:tailEnd type="none" w="med" len="med"/>
+                    </a:lnL>
+                    <a:lnR w="12700" cap="flat" cmpd="sng" algn="ctr">
+                      <a:solidFill>
+                        <a:schemeClr val="tx1"/>
+                      </a:solidFill>
+                      <a:prstDash val="solid"/>
+                      <a:round/>
+                      <a:headEnd type="none" w="med" len="med"/>
+                      <a:tailEnd type="none" w="med" len="med"/>
+                    </a:lnR>
+                    <a:lnT w="12700" cap="flat" cmpd="sng" algn="ctr">
+                      <a:solidFill>
+                        <a:schemeClr val="tx1"/>
+                      </a:solidFill>
+                      <a:prstDash val="solid"/>
+                      <a:round/>
+                      <a:headEnd type="none" w="med" len="med"/>
+                      <a:tailEnd type="none" w="med" len="med"/>
+                    </a:lnT>
+                    <a:lnB w="12700" cap="flat" cmpd="sng" algn="ctr">
+                      <a:solidFill>
+                        <a:schemeClr val="tx1"/>
+                      </a:solidFill>
+                      <a:prstDash val="solid"/>
+                      <a:round/>
+                      <a:headEnd type="none" w="med" len="med"/>
+                      <a:tailEnd type="none" w="med" len="med"/>
+                    </a:lnB>
+                    <a:noFill/>
+                  </a:tcPr>
+                </a:tc>
+                <a:tc>
+                  <a:txBody>
+                    <a:bodyPr/>
+                    <a:lstStyle/>
+                    <a:p>
+                      <a:r>
+                        <a:rPr lang="en-VN">
+                          <a:solidFill>
+                            <a:schemeClr val="tx1"/>
+                          </a:solidFill>
+                        </a:rPr>
+                        <a:t>120 phút</a:t>
+                      </a:r>
+                    </a:p>
+                  </a:txBody>
+                  <a:tcPr anchor="ctr">
+                    <a:lnL w="12700" cap="flat" cmpd="sng" algn="ctr">
+                      <a:solidFill>
+                        <a:schemeClr val="tx1"/>
+                      </a:solidFill>
+                      <a:prstDash val="solid"/>
+                      <a:round/>
+                      <a:headEnd type="none" w="med" len="med"/>
+                      <a:tailEnd type="none" w="med" len="med"/>
+                    </a:lnL>
+                    <a:lnR w="12700" cap="flat" cmpd="sng" algn="ctr">
+                      <a:solidFill>
+                        <a:schemeClr val="tx1"/>
+                      </a:solidFill>
+                      <a:prstDash val="solid"/>
+                      <a:round/>
+                      <a:headEnd type="none" w="med" len="med"/>
+                      <a:tailEnd type="none" w="med" len="med"/>
+                    </a:lnR>
+                    <a:lnT w="12700" cap="flat" cmpd="sng" algn="ctr">
+                      <a:solidFill>
+                        <a:schemeClr val="tx1"/>
+                      </a:solidFill>
+                      <a:prstDash val="solid"/>
+                      <a:round/>
+                      <a:headEnd type="none" w="med" len="med"/>
+                      <a:tailEnd type="none" w="med" len="med"/>
+                    </a:lnT>
+                    <a:lnB w="12700" cap="flat" cmpd="sng" algn="ctr">
+                      <a:solidFill>
+                        <a:schemeClr val="tx1"/>
+                      </a:solidFill>
+                      <a:prstDash val="solid"/>
+                      <a:round/>
+                      <a:headEnd type="none" w="med" len="med"/>
+                      <a:tailEnd type="none" w="med" len="med"/>
+                    </a:lnB>
+                    <a:noFill/>
+                  </a:tcPr>
+                </a:tc>
+                <a:tc>
+                  <a:txBody>
+                    <a:bodyPr/>
+                    <a:lstStyle/>
+                    <a:p>
+                      <a:r>
+                        <a:rPr lang="en-VN">
+                          <a:solidFill>
+                            <a:schemeClr val="tx1"/>
+                          </a:solidFill>
+                        </a:rPr>
+                        <a:t>50%</a:t>
+                      </a:r>
+                    </a:p>
+                  </a:txBody>
+                  <a:tcPr anchor="ctr">
+                    <a:lnL w="12700" cap="flat" cmpd="sng" algn="ctr">
+                      <a:solidFill>
+                        <a:schemeClr val="tx1"/>
+                      </a:solidFill>
+                      <a:prstDash val="solid"/>
+                      <a:round/>
+                      <a:headEnd type="none" w="med" len="med"/>
+                      <a:tailEnd type="none" w="med" len="med"/>
+                    </a:lnL>
+                    <a:lnR w="12700" cap="flat" cmpd="sng" algn="ctr">
+                      <a:solidFill>
+                        <a:schemeClr val="tx1"/>
+                      </a:solidFill>
+                      <a:prstDash val="solid"/>
+                      <a:round/>
+                      <a:headEnd type="none" w="med" len="med"/>
+                      <a:tailEnd type="none" w="med" len="med"/>
+                    </a:lnR>
+                    <a:lnT w="12700" cap="flat" cmpd="sng" algn="ctr">
+                      <a:solidFill>
+                        <a:schemeClr val="tx1"/>
+                      </a:solidFill>
+                      <a:prstDash val="solid"/>
+                      <a:round/>
+                      <a:headEnd type="none" w="med" len="med"/>
+                      <a:tailEnd type="none" w="med" len="med"/>
+                    </a:lnT>
+                    <a:lnB w="12700" cap="flat" cmpd="sng" algn="ctr">
+                      <a:solidFill>
+                        <a:schemeClr val="tx1"/>
+                      </a:solidFill>
+                      <a:prstDash val="solid"/>
+                      <a:round/>
+                      <a:headEnd type="none" w="med" len="med"/>
+                      <a:tailEnd type="none" w="med" len="med"/>
+                    </a:lnB>
+                    <a:noFill/>
+                  </a:tcPr>
+                </a:tc>
+                <a:extLst>
+                  <a:ext uri="{0D108BD9-81ED-4DB2-BD59-A6C34878D82A}">
+                    <a16:rowId xmlns:a16="http://schemas.microsoft.com/office/drawing/2014/main" val="1080182398"/>
+                  </a:ext>
+                </a:extLst>
+              </a:tr>
+            </a:tbl>
+          </a:graphicData>
+        </a:graphic>
+      </p:graphicFrame>
       <p:sp>
         <p:nvSpPr>
           <p:cNvPr id="4" name="Slide Number Placeholder 3">
             <a:extLst>
               <a:ext uri="{FF2B5EF4-FFF2-40B4-BE49-F238E27FC236}">
-                <a16:creationId xmlns:a16="http://schemas.microsoft.com/office/drawing/2014/main" id="{506B39E0-253E-13EB-8BBC-DEF0D6A33B5E}"/>
+                <a16:creationId xmlns:a16="http://schemas.microsoft.com/office/drawing/2014/main" id="{287C5A5C-B4D0-43F2-C574-6D11E8765CAA}"/>
               </a:ext>
             </a:extLst>
           </p:cNvPr>
@@ -3562,7 +5591,7 @@
     </p:spTree>
     <p:extLst>
       <p:ext uri="{BB962C8B-B14F-4D97-AF65-F5344CB8AC3E}">
-        <p14:creationId xmlns:p14="http://schemas.microsoft.com/office/powerpoint/2010/main" val="655494530"/>
+        <p14:creationId xmlns:p14="http://schemas.microsoft.com/office/powerpoint/2010/main" val="1962736006"/>
       </p:ext>
     </p:extLst>
   </p:cSld>
@@ -3709,7 +5738,7 @@
           <a:p>
             <a:r>
               <a:rPr lang="en-US"/>
-              <a:t>Lý thuyết tuần 1</a:t>
+              <a:t>1. Lý thuyết tuần 1</a:t>
             </a:r>
           </a:p>
         </p:txBody>
@@ -3830,340 +5859,7 @@
           <a:p>
             <a:r>
               <a:rPr lang="en-US"/>
-              <a:t>cin &amp; cout</a:t>
-            </a:r>
-          </a:p>
-        </p:txBody>
-      </p:sp>
-      <p:sp>
-        <p:nvSpPr>
-          <p:cNvPr id="4" name="TextBox 3"/>
-          <p:cNvSpPr txBox="1"/>
-          <p:nvPr/>
-        </p:nvSpPr>
-        <p:spPr>
-          <a:xfrm>
-            <a:off x="838200" y="1711245"/>
-            <a:ext cx="1826623" cy="584775"/>
-          </a:xfrm>
-          <a:prstGeom prst="rect">
-            <a:avLst/>
-          </a:prstGeom>
-          <a:noFill/>
-        </p:spPr>
-        <p:txBody>
-          <a:bodyPr wrap="square" rtlCol="0">
-            <a:spAutoFit/>
-          </a:bodyPr>
-          <a:lstStyle/>
-          <a:p>
-            <a:r>
-              <a:rPr lang="en-US" sz="3200"/>
-              <a:t>iostream</a:t>
-            </a:r>
-          </a:p>
-        </p:txBody>
-      </p:sp>
-      <p:sp>
-        <p:nvSpPr>
-          <p:cNvPr id="5" name="TextBox 4"/>
-          <p:cNvSpPr txBox="1"/>
-          <p:nvPr/>
-        </p:nvSpPr>
-        <p:spPr>
-          <a:xfrm>
-            <a:off x="3790404" y="1711245"/>
-            <a:ext cx="1985556" cy="584775"/>
-          </a:xfrm>
-          <a:prstGeom prst="rect">
-            <a:avLst/>
-          </a:prstGeom>
-          <a:noFill/>
-        </p:spPr>
-        <p:txBody>
-          <a:bodyPr wrap="square" rtlCol="0">
-            <a:spAutoFit/>
-          </a:bodyPr>
-          <a:lstStyle/>
-          <a:p>
-            <a:r>
-              <a:rPr lang="en-US" sz="3200"/>
-              <a:t>&lt;istream&gt;</a:t>
-            </a:r>
-          </a:p>
-        </p:txBody>
-      </p:sp>
-      <p:sp>
-        <p:nvSpPr>
-          <p:cNvPr id="6" name="TextBox 5"/>
-          <p:cNvSpPr txBox="1"/>
-          <p:nvPr/>
-        </p:nvSpPr>
-        <p:spPr>
-          <a:xfrm>
-            <a:off x="3790404" y="2422730"/>
-            <a:ext cx="2521132" cy="584775"/>
-          </a:xfrm>
-          <a:prstGeom prst="rect">
-            <a:avLst/>
-          </a:prstGeom>
-          <a:noFill/>
-        </p:spPr>
-        <p:txBody>
-          <a:bodyPr wrap="square" rtlCol="0">
-            <a:spAutoFit/>
-          </a:bodyPr>
-          <a:lstStyle/>
-          <a:p>
-            <a:r>
-              <a:rPr lang="en-US" sz="3200"/>
-              <a:t>XeOto</a:t>
-            </a:r>
-          </a:p>
-        </p:txBody>
-      </p:sp>
-      <p:sp>
-        <p:nvSpPr>
-          <p:cNvPr id="7" name="TextBox 6"/>
-          <p:cNvSpPr txBox="1"/>
-          <p:nvPr/>
-        </p:nvSpPr>
-        <p:spPr>
-          <a:xfrm>
-            <a:off x="6901541" y="1711244"/>
-            <a:ext cx="1685109" cy="584775"/>
-          </a:xfrm>
-          <a:prstGeom prst="rect">
-            <a:avLst/>
-          </a:prstGeom>
-          <a:noFill/>
-        </p:spPr>
-        <p:txBody>
-          <a:bodyPr wrap="square" rtlCol="0">
-            <a:spAutoFit/>
-          </a:bodyPr>
-          <a:lstStyle/>
-          <a:p>
-            <a:r>
-              <a:rPr lang="en-US" sz="3200"/>
-              <a:t>cin</a:t>
-            </a:r>
-          </a:p>
-        </p:txBody>
-      </p:sp>
-      <p:sp>
-        <p:nvSpPr>
-          <p:cNvPr id="8" name="TextBox 7"/>
-          <p:cNvSpPr txBox="1"/>
-          <p:nvPr/>
-        </p:nvSpPr>
-        <p:spPr>
-          <a:xfrm>
-            <a:off x="6901540" y="2422729"/>
-            <a:ext cx="1685109" cy="584775"/>
-          </a:xfrm>
-          <a:prstGeom prst="rect">
-            <a:avLst/>
-          </a:prstGeom>
-          <a:noFill/>
-        </p:spPr>
-        <p:txBody>
-          <a:bodyPr wrap="square" rtlCol="0">
-            <a:spAutoFit/>
-          </a:bodyPr>
-          <a:lstStyle/>
-          <a:p>
-            <a:r>
-              <a:rPr lang="en-US" sz="3200"/>
-              <a:t>xe_audi</a:t>
-            </a:r>
-          </a:p>
-        </p:txBody>
-      </p:sp>
-      <p:sp>
-        <p:nvSpPr>
-          <p:cNvPr id="9" name="TextBox 8"/>
-          <p:cNvSpPr txBox="1"/>
-          <p:nvPr/>
-        </p:nvSpPr>
-        <p:spPr>
-          <a:xfrm>
-            <a:off x="10012678" y="1711244"/>
-            <a:ext cx="1685109" cy="584775"/>
-          </a:xfrm>
-          <a:prstGeom prst="rect">
-            <a:avLst/>
-          </a:prstGeom>
-          <a:noFill/>
-        </p:spPr>
-        <p:txBody>
-          <a:bodyPr wrap="square" rtlCol="0">
-            <a:spAutoFit/>
-          </a:bodyPr>
-          <a:lstStyle/>
-          <a:p>
-            <a:r>
-              <a:rPr lang="en-US" sz="3200"/>
-              <a:t>&gt;&gt;</a:t>
-            </a:r>
-          </a:p>
-        </p:txBody>
-      </p:sp>
-      <p:sp>
-        <p:nvSpPr>
-          <p:cNvPr id="10" name="TextBox 9"/>
-          <p:cNvSpPr txBox="1"/>
-          <p:nvPr/>
-        </p:nvSpPr>
-        <p:spPr>
-          <a:xfrm>
-            <a:off x="10012677" y="2422728"/>
-            <a:ext cx="1685109" cy="584775"/>
-          </a:xfrm>
-          <a:prstGeom prst="rect">
-            <a:avLst/>
-          </a:prstGeom>
-          <a:noFill/>
-        </p:spPr>
-        <p:txBody>
-          <a:bodyPr wrap="square" rtlCol="0">
-            <a:spAutoFit/>
-          </a:bodyPr>
-          <a:lstStyle/>
-          <a:p>
-            <a:r>
-              <a:rPr lang="en-US" sz="3200"/>
-              <a:t>+=</a:t>
-            </a:r>
-          </a:p>
-        </p:txBody>
-      </p:sp>
-      <p:sp>
-        <p:nvSpPr>
-          <p:cNvPr id="12" name="TextBox 11"/>
-          <p:cNvSpPr txBox="1"/>
-          <p:nvPr/>
-        </p:nvSpPr>
-        <p:spPr>
-          <a:xfrm>
-            <a:off x="838200" y="3134216"/>
-            <a:ext cx="2323011" cy="584775"/>
-          </a:xfrm>
-          <a:prstGeom prst="rect">
-            <a:avLst/>
-          </a:prstGeom>
-          <a:noFill/>
-        </p:spPr>
-        <p:txBody>
-          <a:bodyPr wrap="square" rtlCol="0">
-            <a:spAutoFit/>
-          </a:bodyPr>
-          <a:lstStyle/>
-          <a:p>
-            <a:r>
-              <a:rPr lang="en-US" sz="3200"/>
-              <a:t>namespace</a:t>
-            </a:r>
-          </a:p>
-        </p:txBody>
-      </p:sp>
-      <p:sp>
-        <p:nvSpPr>
-          <p:cNvPr id="13" name="TextBox 12"/>
-          <p:cNvSpPr txBox="1"/>
-          <p:nvPr/>
-        </p:nvSpPr>
-        <p:spPr>
-          <a:xfrm>
-            <a:off x="3772989" y="3133344"/>
-            <a:ext cx="2323011" cy="584775"/>
-          </a:xfrm>
-          <a:prstGeom prst="rect">
-            <a:avLst/>
-          </a:prstGeom>
-          <a:noFill/>
-        </p:spPr>
-        <p:txBody>
-          <a:bodyPr wrap="square" rtlCol="0">
-            <a:spAutoFit/>
-          </a:bodyPr>
-          <a:lstStyle/>
-          <a:p>
-            <a:r>
-              <a:rPr lang="en-US" sz="3200">
-                <a:solidFill>
-                  <a:schemeClr val="accent2"/>
-                </a:solidFill>
-              </a:rPr>
-              <a:t>class</a:t>
-            </a:r>
-          </a:p>
-        </p:txBody>
-      </p:sp>
-      <p:sp>
-        <p:nvSpPr>
-          <p:cNvPr id="14" name="TextBox 13"/>
-          <p:cNvSpPr txBox="1"/>
-          <p:nvPr/>
-        </p:nvSpPr>
-        <p:spPr>
-          <a:xfrm>
-            <a:off x="6901540" y="3133343"/>
-            <a:ext cx="2425340" cy="584775"/>
-          </a:xfrm>
-          <a:prstGeom prst="rect">
-            <a:avLst/>
-          </a:prstGeom>
-          <a:noFill/>
-        </p:spPr>
-        <p:txBody>
-          <a:bodyPr wrap="square" rtlCol="0">
-            <a:spAutoFit/>
-          </a:bodyPr>
-          <a:lstStyle/>
-          <a:p>
-            <a:r>
-              <a:rPr lang="en-US" sz="3200">
-                <a:solidFill>
-                  <a:schemeClr val="accent2">
-                    <a:lumMod val="50000"/>
-                  </a:schemeClr>
-                </a:solidFill>
-              </a:rPr>
-              <a:t>object</a:t>
-            </a:r>
-          </a:p>
-        </p:txBody>
-      </p:sp>
-      <p:sp>
-        <p:nvSpPr>
-          <p:cNvPr id="15" name="TextBox 14"/>
-          <p:cNvSpPr txBox="1"/>
-          <p:nvPr/>
-        </p:nvSpPr>
-        <p:spPr>
-          <a:xfrm>
-            <a:off x="9966954" y="3028059"/>
-            <a:ext cx="2425340" cy="584775"/>
-          </a:xfrm>
-          <a:prstGeom prst="rect">
-            <a:avLst/>
-          </a:prstGeom>
-          <a:noFill/>
-        </p:spPr>
-        <p:txBody>
-          <a:bodyPr wrap="square" rtlCol="0">
-            <a:spAutoFit/>
-          </a:bodyPr>
-          <a:lstStyle/>
-          <a:p>
-            <a:r>
-              <a:rPr lang="en-US" sz="3200">
-                <a:solidFill>
-                  <a:srgbClr val="0070C0"/>
-                </a:solidFill>
-              </a:rPr>
-              <a:t>Operator</a:t>
+              <a:t>1.1. cin &amp; cout</a:t>
             </a:r>
           </a:p>
         </p:txBody>
@@ -4355,6 +6051,711 @@
           </a:p>
         </p:txBody>
       </p:sp>
+      <p:graphicFrame>
+        <p:nvGraphicFramePr>
+          <p:cNvPr id="11" name="Table 17">
+            <a:extLst>
+              <a:ext uri="{FF2B5EF4-FFF2-40B4-BE49-F238E27FC236}">
+                <a16:creationId xmlns:a16="http://schemas.microsoft.com/office/drawing/2014/main" id="{2AE1F48E-4F28-6436-916D-AE3A48948B58}"/>
+              </a:ext>
+            </a:extLst>
+          </p:cNvPr>
+          <p:cNvGraphicFramePr>
+            <a:graphicFrameLocks noGrp="1"/>
+          </p:cNvGraphicFramePr>
+          <p:nvPr>
+            <p:extLst>
+              <p:ext uri="{D42A27DB-BD31-4B8C-83A1-F6EECF244321}">
+                <p14:modId xmlns:p14="http://schemas.microsoft.com/office/powerpoint/2010/main" val="1802622363"/>
+              </p:ext>
+            </p:extLst>
+          </p:nvPr>
+        </p:nvGraphicFramePr>
+        <p:xfrm>
+          <a:off x="986790" y="1878664"/>
+          <a:ext cx="9220200" cy="1950386"/>
+        </p:xfrm>
+        <a:graphic>
+          <a:graphicData uri="http://schemas.openxmlformats.org/drawingml/2006/table">
+            <a:tbl>
+              <a:tblPr firstRow="1" bandRow="1">
+                <a:tableStyleId>{5C22544A-7EE6-4342-B048-85BDC9FD1C3A}</a:tableStyleId>
+              </a:tblPr>
+              <a:tblGrid>
+                <a:gridCol w="2305050">
+                  <a:extLst>
+                    <a:ext uri="{9D8B030D-6E8A-4147-A177-3AD203B41FA5}">
+                      <a16:colId xmlns:a16="http://schemas.microsoft.com/office/drawing/2014/main" val="351112269"/>
+                    </a:ext>
+                  </a:extLst>
+                </a:gridCol>
+                <a:gridCol w="2305050">
+                  <a:extLst>
+                    <a:ext uri="{9D8B030D-6E8A-4147-A177-3AD203B41FA5}">
+                      <a16:colId xmlns:a16="http://schemas.microsoft.com/office/drawing/2014/main" val="909741625"/>
+                    </a:ext>
+                  </a:extLst>
+                </a:gridCol>
+                <a:gridCol w="2305050">
+                  <a:extLst>
+                    <a:ext uri="{9D8B030D-6E8A-4147-A177-3AD203B41FA5}">
+                      <a16:colId xmlns:a16="http://schemas.microsoft.com/office/drawing/2014/main" val="134083649"/>
+                    </a:ext>
+                  </a:extLst>
+                </a:gridCol>
+                <a:gridCol w="2305050">
+                  <a:extLst>
+                    <a:ext uri="{9D8B030D-6E8A-4147-A177-3AD203B41FA5}">
+                      <a16:colId xmlns:a16="http://schemas.microsoft.com/office/drawing/2014/main" val="1705683265"/>
+                    </a:ext>
+                  </a:extLst>
+                </a:gridCol>
+              </a:tblGrid>
+              <a:tr h="715468">
+                <a:tc>
+                  <a:txBody>
+                    <a:bodyPr/>
+                    <a:lstStyle/>
+                    <a:p>
+                      <a:pPr marL="0" marR="0" lvl="0" indent="0" algn="l" defTabSz="914400" rtl="0" eaLnBrk="1" fontAlgn="auto" latinLnBrk="0" hangingPunct="1">
+                        <a:lnSpc>
+                          <a:spcPct val="100000"/>
+                        </a:lnSpc>
+                        <a:spcBef>
+                          <a:spcPts val="0"/>
+                        </a:spcBef>
+                        <a:spcAft>
+                          <a:spcPts val="0"/>
+                        </a:spcAft>
+                        <a:buClrTx/>
+                        <a:buSzTx/>
+                        <a:buFontTx/>
+                        <a:buNone/>
+                        <a:tabLst/>
+                        <a:defRPr/>
+                      </a:pPr>
+                      <a:r>
+                        <a:rPr lang="en-US" sz="3200">
+                          <a:solidFill>
+                            <a:schemeClr val="tx1"/>
+                          </a:solidFill>
+                        </a:rPr>
+                        <a:t>namespace</a:t>
+                      </a:r>
+                    </a:p>
+                  </a:txBody>
+                  <a:tcPr>
+                    <a:lnL w="12700" cap="flat" cmpd="sng" algn="ctr">
+                      <a:solidFill>
+                        <a:schemeClr val="tx1"/>
+                      </a:solidFill>
+                      <a:prstDash val="solid"/>
+                      <a:round/>
+                      <a:headEnd type="none" w="med" len="med"/>
+                      <a:tailEnd type="none" w="med" len="med"/>
+                    </a:lnL>
+                    <a:lnR w="12700" cap="flat" cmpd="sng" algn="ctr">
+                      <a:solidFill>
+                        <a:schemeClr val="tx1"/>
+                      </a:solidFill>
+                      <a:prstDash val="solid"/>
+                      <a:round/>
+                      <a:headEnd type="none" w="med" len="med"/>
+                      <a:tailEnd type="none" w="med" len="med"/>
+                    </a:lnR>
+                    <a:lnT w="12700" cap="flat" cmpd="sng" algn="ctr">
+                      <a:solidFill>
+                        <a:schemeClr val="tx1"/>
+                      </a:solidFill>
+                      <a:prstDash val="solid"/>
+                      <a:round/>
+                      <a:headEnd type="none" w="med" len="med"/>
+                      <a:tailEnd type="none" w="med" len="med"/>
+                    </a:lnT>
+                    <a:lnB w="12700" cap="flat" cmpd="sng" algn="ctr">
+                      <a:solidFill>
+                        <a:schemeClr val="tx1"/>
+                      </a:solidFill>
+                      <a:prstDash val="solid"/>
+                      <a:round/>
+                      <a:headEnd type="none" w="med" len="med"/>
+                      <a:tailEnd type="none" w="med" len="med"/>
+                    </a:lnB>
+                    <a:noFill/>
+                  </a:tcPr>
+                </a:tc>
+                <a:tc>
+                  <a:txBody>
+                    <a:bodyPr/>
+                    <a:lstStyle/>
+                    <a:p>
+                      <a:pPr marL="0" marR="0" lvl="0" indent="0" algn="l" defTabSz="914400" rtl="0" eaLnBrk="1" fontAlgn="auto" latinLnBrk="0" hangingPunct="1">
+                        <a:lnSpc>
+                          <a:spcPct val="100000"/>
+                        </a:lnSpc>
+                        <a:spcBef>
+                          <a:spcPts val="0"/>
+                        </a:spcBef>
+                        <a:spcAft>
+                          <a:spcPts val="0"/>
+                        </a:spcAft>
+                        <a:buClrTx/>
+                        <a:buSzTx/>
+                        <a:buFontTx/>
+                        <a:buNone/>
+                        <a:tabLst/>
+                        <a:defRPr/>
+                      </a:pPr>
+                      <a:r>
+                        <a:rPr lang="en-US" sz="3200">
+                          <a:solidFill>
+                            <a:schemeClr val="accent2"/>
+                          </a:solidFill>
+                        </a:rPr>
+                        <a:t>class</a:t>
+                      </a:r>
+                    </a:p>
+                  </a:txBody>
+                  <a:tcPr>
+                    <a:lnL w="12700" cap="flat" cmpd="sng" algn="ctr">
+                      <a:solidFill>
+                        <a:schemeClr val="tx1"/>
+                      </a:solidFill>
+                      <a:prstDash val="solid"/>
+                      <a:round/>
+                      <a:headEnd type="none" w="med" len="med"/>
+                      <a:tailEnd type="none" w="med" len="med"/>
+                    </a:lnL>
+                    <a:lnR w="12700" cap="flat" cmpd="sng" algn="ctr">
+                      <a:solidFill>
+                        <a:schemeClr val="tx1"/>
+                      </a:solidFill>
+                      <a:prstDash val="solid"/>
+                      <a:round/>
+                      <a:headEnd type="none" w="med" len="med"/>
+                      <a:tailEnd type="none" w="med" len="med"/>
+                    </a:lnR>
+                    <a:lnT w="12700" cap="flat" cmpd="sng" algn="ctr">
+                      <a:solidFill>
+                        <a:schemeClr val="tx1"/>
+                      </a:solidFill>
+                      <a:prstDash val="solid"/>
+                      <a:round/>
+                      <a:headEnd type="none" w="med" len="med"/>
+                      <a:tailEnd type="none" w="med" len="med"/>
+                    </a:lnT>
+                    <a:lnB w="12700" cap="flat" cmpd="sng" algn="ctr">
+                      <a:solidFill>
+                        <a:schemeClr val="tx1"/>
+                      </a:solidFill>
+                      <a:prstDash val="solid"/>
+                      <a:round/>
+                      <a:headEnd type="none" w="med" len="med"/>
+                      <a:tailEnd type="none" w="med" len="med"/>
+                    </a:lnB>
+                    <a:noFill/>
+                  </a:tcPr>
+                </a:tc>
+                <a:tc>
+                  <a:txBody>
+                    <a:bodyPr/>
+                    <a:lstStyle/>
+                    <a:p>
+                      <a:pPr marL="0" marR="0" lvl="0" indent="0" algn="l" defTabSz="914400" rtl="0" eaLnBrk="1" fontAlgn="auto" latinLnBrk="0" hangingPunct="1">
+                        <a:lnSpc>
+                          <a:spcPct val="100000"/>
+                        </a:lnSpc>
+                        <a:spcBef>
+                          <a:spcPts val="0"/>
+                        </a:spcBef>
+                        <a:spcAft>
+                          <a:spcPts val="0"/>
+                        </a:spcAft>
+                        <a:buClrTx/>
+                        <a:buSzTx/>
+                        <a:buFontTx/>
+                        <a:buNone/>
+                        <a:tabLst/>
+                        <a:defRPr/>
+                      </a:pPr>
+                      <a:r>
+                        <a:rPr lang="en-US" sz="3200">
+                          <a:solidFill>
+                            <a:schemeClr val="accent2">
+                              <a:lumMod val="50000"/>
+                            </a:schemeClr>
+                          </a:solidFill>
+                        </a:rPr>
+                        <a:t>object</a:t>
+                      </a:r>
+                    </a:p>
+                  </a:txBody>
+                  <a:tcPr>
+                    <a:lnL w="12700" cap="flat" cmpd="sng" algn="ctr">
+                      <a:solidFill>
+                        <a:schemeClr val="tx1"/>
+                      </a:solidFill>
+                      <a:prstDash val="solid"/>
+                      <a:round/>
+                      <a:headEnd type="none" w="med" len="med"/>
+                      <a:tailEnd type="none" w="med" len="med"/>
+                    </a:lnL>
+                    <a:lnR w="12700" cap="flat" cmpd="sng" algn="ctr">
+                      <a:solidFill>
+                        <a:schemeClr val="tx1"/>
+                      </a:solidFill>
+                      <a:prstDash val="solid"/>
+                      <a:round/>
+                      <a:headEnd type="none" w="med" len="med"/>
+                      <a:tailEnd type="none" w="med" len="med"/>
+                    </a:lnR>
+                    <a:lnT w="12700" cap="flat" cmpd="sng" algn="ctr">
+                      <a:solidFill>
+                        <a:schemeClr val="tx1"/>
+                      </a:solidFill>
+                      <a:prstDash val="solid"/>
+                      <a:round/>
+                      <a:headEnd type="none" w="med" len="med"/>
+                      <a:tailEnd type="none" w="med" len="med"/>
+                    </a:lnT>
+                    <a:lnB w="12700" cap="flat" cmpd="sng" algn="ctr">
+                      <a:solidFill>
+                        <a:schemeClr val="tx1"/>
+                      </a:solidFill>
+                      <a:prstDash val="solid"/>
+                      <a:round/>
+                      <a:headEnd type="none" w="med" len="med"/>
+                      <a:tailEnd type="none" w="med" len="med"/>
+                    </a:lnB>
+                    <a:noFill/>
+                  </a:tcPr>
+                </a:tc>
+                <a:tc>
+                  <a:txBody>
+                    <a:bodyPr/>
+                    <a:lstStyle/>
+                    <a:p>
+                      <a:pPr marL="0" marR="0" lvl="0" indent="0" algn="l" defTabSz="914400" rtl="0" eaLnBrk="1" fontAlgn="auto" latinLnBrk="0" hangingPunct="1">
+                        <a:lnSpc>
+                          <a:spcPct val="100000"/>
+                        </a:lnSpc>
+                        <a:spcBef>
+                          <a:spcPts val="0"/>
+                        </a:spcBef>
+                        <a:spcAft>
+                          <a:spcPts val="0"/>
+                        </a:spcAft>
+                        <a:buClrTx/>
+                        <a:buSzTx/>
+                        <a:buFontTx/>
+                        <a:buNone/>
+                        <a:tabLst/>
+                        <a:defRPr/>
+                      </a:pPr>
+                      <a:r>
+                        <a:rPr lang="en-US" sz="3200">
+                          <a:solidFill>
+                            <a:srgbClr val="0070C0"/>
+                          </a:solidFill>
+                        </a:rPr>
+                        <a:t>Operator</a:t>
+                      </a:r>
+                    </a:p>
+                  </a:txBody>
+                  <a:tcPr>
+                    <a:lnL w="12700" cap="flat" cmpd="sng" algn="ctr">
+                      <a:solidFill>
+                        <a:schemeClr val="tx1"/>
+                      </a:solidFill>
+                      <a:prstDash val="solid"/>
+                      <a:round/>
+                      <a:headEnd type="none" w="med" len="med"/>
+                      <a:tailEnd type="none" w="med" len="med"/>
+                    </a:lnL>
+                    <a:lnR w="12700" cap="flat" cmpd="sng" algn="ctr">
+                      <a:solidFill>
+                        <a:schemeClr val="tx1"/>
+                      </a:solidFill>
+                      <a:prstDash val="solid"/>
+                      <a:round/>
+                      <a:headEnd type="none" w="med" len="med"/>
+                      <a:tailEnd type="none" w="med" len="med"/>
+                    </a:lnR>
+                    <a:lnT w="12700" cap="flat" cmpd="sng" algn="ctr">
+                      <a:solidFill>
+                        <a:schemeClr val="tx1"/>
+                      </a:solidFill>
+                      <a:prstDash val="solid"/>
+                      <a:round/>
+                      <a:headEnd type="none" w="med" len="med"/>
+                      <a:tailEnd type="none" w="med" len="med"/>
+                    </a:lnT>
+                    <a:lnB w="12700" cap="flat" cmpd="sng" algn="ctr">
+                      <a:solidFill>
+                        <a:schemeClr val="tx1"/>
+                      </a:solidFill>
+                      <a:prstDash val="solid"/>
+                      <a:round/>
+                      <a:headEnd type="none" w="med" len="med"/>
+                      <a:tailEnd type="none" w="med" len="med"/>
+                    </a:lnB>
+                    <a:noFill/>
+                  </a:tcPr>
+                </a:tc>
+                <a:extLst>
+                  <a:ext uri="{0D108BD9-81ED-4DB2-BD59-A6C34878D82A}">
+                    <a16:rowId xmlns:a16="http://schemas.microsoft.com/office/drawing/2014/main" val="185475117"/>
+                  </a:ext>
+                </a:extLst>
+              </a:tr>
+              <a:tr h="1234918">
+                <a:tc>
+                  <a:txBody>
+                    <a:bodyPr/>
+                    <a:lstStyle/>
+                    <a:p>
+                      <a:pPr marL="0" marR="0" lvl="0" indent="0" algn="l" defTabSz="914400" rtl="0" eaLnBrk="1" fontAlgn="auto" latinLnBrk="0" hangingPunct="1">
+                        <a:lnSpc>
+                          <a:spcPct val="100000"/>
+                        </a:lnSpc>
+                        <a:spcBef>
+                          <a:spcPts val="0"/>
+                        </a:spcBef>
+                        <a:spcAft>
+                          <a:spcPts val="0"/>
+                        </a:spcAft>
+                        <a:buClrTx/>
+                        <a:buSzTx/>
+                        <a:buFontTx/>
+                        <a:buNone/>
+                        <a:tabLst/>
+                        <a:defRPr/>
+                      </a:pPr>
+                      <a:r>
+                        <a:rPr lang="en-US" sz="3200">
+                          <a:solidFill>
+                            <a:schemeClr val="tx1"/>
+                          </a:solidFill>
+                        </a:rPr>
+                        <a:t>iostream</a:t>
+                      </a:r>
+                    </a:p>
+                  </a:txBody>
+                  <a:tcPr>
+                    <a:lnL w="12700" cap="flat" cmpd="sng" algn="ctr">
+                      <a:solidFill>
+                        <a:schemeClr val="tx1"/>
+                      </a:solidFill>
+                      <a:prstDash val="solid"/>
+                      <a:round/>
+                      <a:headEnd type="none" w="med" len="med"/>
+                      <a:tailEnd type="none" w="med" len="med"/>
+                    </a:lnL>
+                    <a:lnR w="12700" cap="flat" cmpd="sng" algn="ctr">
+                      <a:solidFill>
+                        <a:schemeClr val="tx1"/>
+                      </a:solidFill>
+                      <a:prstDash val="solid"/>
+                      <a:round/>
+                      <a:headEnd type="none" w="med" len="med"/>
+                      <a:tailEnd type="none" w="med" len="med"/>
+                    </a:lnR>
+                    <a:lnT w="12700" cap="flat" cmpd="sng" algn="ctr">
+                      <a:solidFill>
+                        <a:schemeClr val="tx1"/>
+                      </a:solidFill>
+                      <a:prstDash val="solid"/>
+                      <a:round/>
+                      <a:headEnd type="none" w="med" len="med"/>
+                      <a:tailEnd type="none" w="med" len="med"/>
+                    </a:lnT>
+                    <a:lnB w="12700" cap="flat" cmpd="sng" algn="ctr">
+                      <a:solidFill>
+                        <a:schemeClr val="tx1"/>
+                      </a:solidFill>
+                      <a:prstDash val="solid"/>
+                      <a:round/>
+                      <a:headEnd type="none" w="med" len="med"/>
+                      <a:tailEnd type="none" w="med" len="med"/>
+                    </a:lnB>
+                    <a:noFill/>
+                  </a:tcPr>
+                </a:tc>
+                <a:tc>
+                  <a:txBody>
+                    <a:bodyPr/>
+                    <a:lstStyle/>
+                    <a:p>
+                      <a:pPr marL="0" marR="0" lvl="0" indent="0" algn="l" defTabSz="914400" rtl="0" eaLnBrk="1" fontAlgn="auto" latinLnBrk="0" hangingPunct="1">
+                        <a:lnSpc>
+                          <a:spcPct val="100000"/>
+                        </a:lnSpc>
+                        <a:spcBef>
+                          <a:spcPts val="0"/>
+                        </a:spcBef>
+                        <a:spcAft>
+                          <a:spcPts val="0"/>
+                        </a:spcAft>
+                        <a:buClrTx/>
+                        <a:buSzTx/>
+                        <a:buFontTx/>
+                        <a:buNone/>
+                        <a:tabLst/>
+                        <a:defRPr/>
+                      </a:pPr>
+                      <a:r>
+                        <a:rPr lang="en-US" sz="3200"/>
+                        <a:t>&lt;istream&gt;</a:t>
+                      </a:r>
+                    </a:p>
+                    <a:p>
+                      <a:pPr marL="0" marR="0" lvl="0" indent="0" algn="l" defTabSz="914400" rtl="0" eaLnBrk="1" fontAlgn="auto" latinLnBrk="0" hangingPunct="1">
+                        <a:lnSpc>
+                          <a:spcPct val="100000"/>
+                        </a:lnSpc>
+                        <a:spcBef>
+                          <a:spcPts val="0"/>
+                        </a:spcBef>
+                        <a:spcAft>
+                          <a:spcPts val="0"/>
+                        </a:spcAft>
+                        <a:buClrTx/>
+                        <a:buSzTx/>
+                        <a:buFontTx/>
+                        <a:buNone/>
+                        <a:tabLst/>
+                        <a:defRPr/>
+                      </a:pPr>
+                      <a:r>
+                        <a:rPr lang="en-US" sz="3200"/>
+                        <a:t>XeOto</a:t>
+                      </a:r>
+                    </a:p>
+                  </a:txBody>
+                  <a:tcPr>
+                    <a:lnL w="12700" cap="flat" cmpd="sng" algn="ctr">
+                      <a:solidFill>
+                        <a:schemeClr val="tx1"/>
+                      </a:solidFill>
+                      <a:prstDash val="solid"/>
+                      <a:round/>
+                      <a:headEnd type="none" w="med" len="med"/>
+                      <a:tailEnd type="none" w="med" len="med"/>
+                    </a:lnL>
+                    <a:lnR w="12700" cap="flat" cmpd="sng" algn="ctr">
+                      <a:solidFill>
+                        <a:schemeClr val="tx1"/>
+                      </a:solidFill>
+                      <a:prstDash val="solid"/>
+                      <a:round/>
+                      <a:headEnd type="none" w="med" len="med"/>
+                      <a:tailEnd type="none" w="med" len="med"/>
+                    </a:lnR>
+                    <a:lnT w="12700" cap="flat" cmpd="sng" algn="ctr">
+                      <a:solidFill>
+                        <a:schemeClr val="tx1"/>
+                      </a:solidFill>
+                      <a:prstDash val="solid"/>
+                      <a:round/>
+                      <a:headEnd type="none" w="med" len="med"/>
+                      <a:tailEnd type="none" w="med" len="med"/>
+                    </a:lnT>
+                    <a:lnB w="12700" cap="flat" cmpd="sng" algn="ctr">
+                      <a:solidFill>
+                        <a:schemeClr val="tx1"/>
+                      </a:solidFill>
+                      <a:prstDash val="solid"/>
+                      <a:round/>
+                      <a:headEnd type="none" w="med" len="med"/>
+                      <a:tailEnd type="none" w="med" len="med"/>
+                    </a:lnB>
+                    <a:noFill/>
+                  </a:tcPr>
+                </a:tc>
+                <a:tc>
+                  <a:txBody>
+                    <a:bodyPr/>
+                    <a:lstStyle/>
+                    <a:p>
+                      <a:pPr marL="0" marR="0" lvl="0" indent="0" algn="l" defTabSz="914400" rtl="0" eaLnBrk="1" fontAlgn="auto" latinLnBrk="0" hangingPunct="1">
+                        <a:lnSpc>
+                          <a:spcPct val="100000"/>
+                        </a:lnSpc>
+                        <a:spcBef>
+                          <a:spcPts val="0"/>
+                        </a:spcBef>
+                        <a:spcAft>
+                          <a:spcPts val="0"/>
+                        </a:spcAft>
+                        <a:buClrTx/>
+                        <a:buSzTx/>
+                        <a:buFontTx/>
+                        <a:buNone/>
+                        <a:tabLst/>
+                        <a:defRPr/>
+                      </a:pPr>
+                      <a:r>
+                        <a:rPr lang="en-US" sz="3200"/>
+                        <a:t>cin</a:t>
+                      </a:r>
+                      <a:endParaRPr lang="en-VN" sz="3200">
+                        <a:solidFill>
+                          <a:schemeClr val="tx1"/>
+                        </a:solidFill>
+                      </a:endParaRPr>
+                    </a:p>
+                    <a:p>
+                      <a:pPr marL="0" marR="0" lvl="0" indent="0" algn="l" defTabSz="914400" rtl="0" eaLnBrk="1" fontAlgn="auto" latinLnBrk="0" hangingPunct="1">
+                        <a:lnSpc>
+                          <a:spcPct val="100000"/>
+                        </a:lnSpc>
+                        <a:spcBef>
+                          <a:spcPts val="0"/>
+                        </a:spcBef>
+                        <a:spcAft>
+                          <a:spcPts val="0"/>
+                        </a:spcAft>
+                        <a:buClrTx/>
+                        <a:buSzTx/>
+                        <a:buFontTx/>
+                        <a:buNone/>
+                        <a:tabLst/>
+                        <a:defRPr/>
+                      </a:pPr>
+                      <a:r>
+                        <a:rPr lang="en-US" sz="3200"/>
+                        <a:t>xe_audi</a:t>
+                      </a:r>
+                    </a:p>
+                  </a:txBody>
+                  <a:tcPr>
+                    <a:lnL w="12700" cap="flat" cmpd="sng" algn="ctr">
+                      <a:solidFill>
+                        <a:schemeClr val="tx1"/>
+                      </a:solidFill>
+                      <a:prstDash val="solid"/>
+                      <a:round/>
+                      <a:headEnd type="none" w="med" len="med"/>
+                      <a:tailEnd type="none" w="med" len="med"/>
+                    </a:lnL>
+                    <a:lnR w="12700" cap="flat" cmpd="sng" algn="ctr">
+                      <a:solidFill>
+                        <a:schemeClr val="tx1"/>
+                      </a:solidFill>
+                      <a:prstDash val="solid"/>
+                      <a:round/>
+                      <a:headEnd type="none" w="med" len="med"/>
+                      <a:tailEnd type="none" w="med" len="med"/>
+                    </a:lnR>
+                    <a:lnT w="12700" cap="flat" cmpd="sng" algn="ctr">
+                      <a:solidFill>
+                        <a:schemeClr val="tx1"/>
+                      </a:solidFill>
+                      <a:prstDash val="solid"/>
+                      <a:round/>
+                      <a:headEnd type="none" w="med" len="med"/>
+                      <a:tailEnd type="none" w="med" len="med"/>
+                    </a:lnT>
+                    <a:lnB w="12700" cap="flat" cmpd="sng" algn="ctr">
+                      <a:solidFill>
+                        <a:schemeClr val="tx1"/>
+                      </a:solidFill>
+                      <a:prstDash val="solid"/>
+                      <a:round/>
+                      <a:headEnd type="none" w="med" len="med"/>
+                      <a:tailEnd type="none" w="med" len="med"/>
+                    </a:lnB>
+                    <a:noFill/>
+                  </a:tcPr>
+                </a:tc>
+                <a:tc>
+                  <a:txBody>
+                    <a:bodyPr/>
+                    <a:lstStyle/>
+                    <a:p>
+                      <a:pPr marL="0" marR="0" lvl="0" indent="0" algn="l" defTabSz="914400" rtl="0" eaLnBrk="1" fontAlgn="auto" latinLnBrk="0" hangingPunct="1">
+                        <a:lnSpc>
+                          <a:spcPct val="100000"/>
+                        </a:lnSpc>
+                        <a:spcBef>
+                          <a:spcPts val="0"/>
+                        </a:spcBef>
+                        <a:spcAft>
+                          <a:spcPts val="0"/>
+                        </a:spcAft>
+                        <a:buClrTx/>
+                        <a:buSzTx/>
+                        <a:buFontTx/>
+                        <a:buNone/>
+                        <a:tabLst/>
+                        <a:defRPr/>
+                      </a:pPr>
+                      <a:r>
+                        <a:rPr lang="en-US" sz="3200"/>
+                        <a:t>&gt;&gt;</a:t>
+                      </a:r>
+                    </a:p>
+                    <a:p>
+                      <a:r>
+                        <a:rPr lang="en-VN" sz="3200">
+                          <a:solidFill>
+                            <a:schemeClr val="tx1"/>
+                          </a:solidFill>
+                        </a:rPr>
+                        <a:t>+=</a:t>
+                      </a:r>
+                    </a:p>
+                  </a:txBody>
+                  <a:tcPr>
+                    <a:lnL w="12700" cap="flat" cmpd="sng" algn="ctr">
+                      <a:solidFill>
+                        <a:schemeClr val="tx1"/>
+                      </a:solidFill>
+                      <a:prstDash val="solid"/>
+                      <a:round/>
+                      <a:headEnd type="none" w="med" len="med"/>
+                      <a:tailEnd type="none" w="med" len="med"/>
+                    </a:lnL>
+                    <a:lnR w="12700" cap="flat" cmpd="sng" algn="ctr">
+                      <a:solidFill>
+                        <a:schemeClr val="tx1"/>
+                      </a:solidFill>
+                      <a:prstDash val="solid"/>
+                      <a:round/>
+                      <a:headEnd type="none" w="med" len="med"/>
+                      <a:tailEnd type="none" w="med" len="med"/>
+                    </a:lnR>
+                    <a:lnT w="12700" cap="flat" cmpd="sng" algn="ctr">
+                      <a:solidFill>
+                        <a:schemeClr val="tx1"/>
+                      </a:solidFill>
+                      <a:prstDash val="solid"/>
+                      <a:round/>
+                      <a:headEnd type="none" w="med" len="med"/>
+                      <a:tailEnd type="none" w="med" len="med"/>
+                    </a:lnT>
+                    <a:lnB w="12700" cap="flat" cmpd="sng" algn="ctr">
+                      <a:solidFill>
+                        <a:schemeClr val="tx1"/>
+                      </a:solidFill>
+                      <a:prstDash val="solid"/>
+                      <a:round/>
+                      <a:headEnd type="none" w="med" len="med"/>
+                      <a:tailEnd type="none" w="med" len="med"/>
+                    </a:lnB>
+                    <a:noFill/>
+                  </a:tcPr>
+                </a:tc>
+                <a:extLst>
+                  <a:ext uri="{0D108BD9-81ED-4DB2-BD59-A6C34878D82A}">
+                    <a16:rowId xmlns:a16="http://schemas.microsoft.com/office/drawing/2014/main" val="1329402181"/>
+                  </a:ext>
+                </a:extLst>
+              </a:tr>
+            </a:tbl>
+          </a:graphicData>
+        </a:graphic>
+      </p:graphicFrame>
     </p:spTree>
     <p:extLst>
       <p:ext uri="{BB962C8B-B14F-4D97-AF65-F5344CB8AC3E}">
@@ -4402,7 +6803,7 @@
           <a:p>
             <a:r>
               <a:rPr lang="en-US"/>
-              <a:t>Tham chiếu &amp; Tham trị</a:t>
+              <a:t>1.2. Tham chiếu &amp; Tham trị</a:t>
             </a:r>
           </a:p>
         </p:txBody>
@@ -5726,7 +8127,7 @@
           <a:p>
             <a:r>
               <a:rPr lang="en-US"/>
-              <a:t>Tham chiếu &amp; Tham trị</a:t>
+              <a:t>1.2. Tham chiếu &amp; Tham trị</a:t>
             </a:r>
           </a:p>
         </p:txBody>
@@ -7014,8 +9415,8 @@
         </p:nvSpPr>
         <p:spPr>
           <a:xfrm>
-            <a:off x="838200" y="4938068"/>
-            <a:ext cx="1839686" cy="1171652"/>
+            <a:off x="838200" y="5458156"/>
+            <a:ext cx="1839686" cy="582984"/>
           </a:xfrm>
           <a:prstGeom prst="rect">
             <a:avLst/>
@@ -7162,7 +9563,7 @@
           <a:p>
             <a:r>
               <a:rPr lang="en-US"/>
-              <a:t>Tham chiếu &amp; Tham trị</a:t>
+              <a:t>1.3. Tham chiếu &amp; Tham trị</a:t>
             </a:r>
           </a:p>
         </p:txBody>
@@ -7996,7 +10397,7 @@
           <a:p>
             <a:r>
               <a:rPr lang="en-VN"/>
-              <a:t>Một số mẹo hữu ích</a:t>
+              <a:t>1.4. Một số mẹo hữu ích</a:t>
             </a:r>
           </a:p>
         </p:txBody>
@@ -8037,6 +10438,15 @@
             <a:r>
               <a:rPr lang="en-VN"/>
               <a:t>+ Đối tượng vector&lt;&gt; để tạo kiểu dữ liệu 1 chiều, hoặc vector&lt;vector&lt;&gt;&gt; để tạo kiểu dữ liệu 2 chiều.</a:t>
+            </a:r>
+          </a:p>
+          <a:p>
+            <a:pPr marL="0" indent="0">
+              <a:buNone/>
+            </a:pPr>
+            <a:r>
+              <a:rPr lang="en-VN"/>
+              <a:t>+ CTDL stack, queue, tree, hashmap, …</a:t>
             </a:r>
           </a:p>
         </p:txBody>

--- a/IT002-OOP/Slide thực hành/Lab 1. BasicCplusplus.pptx
+++ b/IT002-OOP/Slide thực hành/Lab 1. BasicCplusplus.pptx
@@ -5,18 +5,20 @@
     <p:sldMasterId id="2147483648" r:id="rId1"/>
   </p:sldMasterIdLst>
   <p:notesMasterIdLst>
-    <p:notesMasterId r:id="rId11"/>
+    <p:notesMasterId r:id="rId13"/>
   </p:notesMasterIdLst>
   <p:sldIdLst>
     <p:sldId id="269" r:id="rId2"/>
     <p:sldId id="272" r:id="rId3"/>
-    <p:sldId id="256" r:id="rId4"/>
-    <p:sldId id="267" r:id="rId5"/>
-    <p:sldId id="257" r:id="rId6"/>
-    <p:sldId id="258" r:id="rId7"/>
-    <p:sldId id="263" r:id="rId8"/>
-    <p:sldId id="264" r:id="rId9"/>
-    <p:sldId id="271" r:id="rId10"/>
+    <p:sldId id="273" r:id="rId4"/>
+    <p:sldId id="274" r:id="rId5"/>
+    <p:sldId id="256" r:id="rId6"/>
+    <p:sldId id="267" r:id="rId7"/>
+    <p:sldId id="257" r:id="rId8"/>
+    <p:sldId id="258" r:id="rId9"/>
+    <p:sldId id="263" r:id="rId10"/>
+    <p:sldId id="264" r:id="rId11"/>
+    <p:sldId id="271" r:id="rId12"/>
   </p:sldIdLst>
   <p:sldSz cx="12192000" cy="6858000"/>
   <p:notesSz cx="6858000" cy="9144000"/>
@@ -204,7 +206,7 @@
           </a:lstStyle>
           <a:p>
             <a:fld id="{D58EBEF0-1929-6C4C-9D10-0A24CA585262}" type="datetimeFigureOut">
-              <a:t>09/05/2023</a:t>
+              <a:t>11/06/2023</a:t>
             </a:fld>
             <a:endParaRPr lang="en-VN"/>
           </a:p>
@@ -599,7 +601,7 @@
           <a:lstStyle/>
           <a:p>
             <a:fld id="{0DDB0C27-5CC0-AE4B-A9B6-1C1A8F15976E}" type="datetime1">
-              <a:t>09/05/2023</a:t>
+              <a:t>11/06/2023</a:t>
             </a:fld>
             <a:endParaRPr lang="en-US"/>
           </a:p>
@@ -766,7 +768,7 @@
           <a:lstStyle/>
           <a:p>
             <a:fld id="{A1AB976C-5E89-BE46-B6A2-18E033DC7B7F}" type="datetime1">
-              <a:t>09/05/2023</a:t>
+              <a:t>11/06/2023</a:t>
             </a:fld>
             <a:endParaRPr lang="en-US"/>
           </a:p>
@@ -943,7 +945,7 @@
           <a:lstStyle/>
           <a:p>
             <a:fld id="{D3EB9961-F7AC-F442-9DA7-5C044E83E8F0}" type="datetime1">
-              <a:t>09/05/2023</a:t>
+              <a:t>11/06/2023</a:t>
             </a:fld>
             <a:endParaRPr lang="en-US"/>
           </a:p>
@@ -1110,7 +1112,7 @@
           <a:lstStyle/>
           <a:p>
             <a:fld id="{2BC5C2EC-D52B-4E49-9BD2-7F34EF2A2110}" type="datetime1">
-              <a:t>09/05/2023</a:t>
+              <a:t>11/06/2023</a:t>
             </a:fld>
             <a:endParaRPr lang="en-US"/>
           </a:p>
@@ -1354,7 +1356,7 @@
           <a:lstStyle/>
           <a:p>
             <a:fld id="{2E689BA2-5EDF-204F-BDB5-47A63D89879F}" type="datetime1">
-              <a:t>09/05/2023</a:t>
+              <a:t>11/06/2023</a:t>
             </a:fld>
             <a:endParaRPr lang="en-US"/>
           </a:p>
@@ -1582,7 +1584,7 @@
           <a:lstStyle/>
           <a:p>
             <a:fld id="{C71BC0A1-3625-D949-894B-12A4B1103545}" type="datetime1">
-              <a:t>09/05/2023</a:t>
+              <a:t>11/06/2023</a:t>
             </a:fld>
             <a:endParaRPr lang="en-US"/>
           </a:p>
@@ -1945,7 +1947,7 @@
           <a:lstStyle/>
           <a:p>
             <a:fld id="{631AF034-057E-7E42-A703-A16CE37858B1}" type="datetime1">
-              <a:t>09/05/2023</a:t>
+              <a:t>11/06/2023</a:t>
             </a:fld>
             <a:endParaRPr lang="en-US"/>
           </a:p>
@@ -2061,7 +2063,7 @@
           <a:lstStyle/>
           <a:p>
             <a:fld id="{6C312224-5262-0D45-8752-AD88DF7DF160}" type="datetime1">
-              <a:t>09/05/2023</a:t>
+              <a:t>11/06/2023</a:t>
             </a:fld>
             <a:endParaRPr lang="en-US"/>
           </a:p>
@@ -2155,7 +2157,7 @@
           <a:lstStyle/>
           <a:p>
             <a:fld id="{186C3894-04D4-E046-8AC0-98EC70D1D50C}" type="datetime1">
-              <a:t>09/05/2023</a:t>
+              <a:t>11/06/2023</a:t>
             </a:fld>
             <a:endParaRPr lang="en-US"/>
           </a:p>
@@ -2429,7 +2431,7 @@
           <a:lstStyle/>
           <a:p>
             <a:fld id="{BD6227EF-D3E1-B74B-97FE-FE43DF3D709B}" type="datetime1">
-              <a:t>09/05/2023</a:t>
+              <a:t>11/06/2023</a:t>
             </a:fld>
             <a:endParaRPr lang="en-US"/>
           </a:p>
@@ -2680,7 +2682,7 @@
           <a:lstStyle/>
           <a:p>
             <a:fld id="{1A1BECCB-56EF-1541-9CBC-CE4FC0155FEE}" type="datetime1">
-              <a:t>09/05/2023</a:t>
+              <a:t>11/06/2023</a:t>
             </a:fld>
             <a:endParaRPr lang="en-US"/>
           </a:p>
@@ -2890,7 +2892,7 @@
           </a:lstStyle>
           <a:p>
             <a:fld id="{0DFD353B-B5AB-CF4C-8D9F-51BDAFC66301}" type="datetime1">
-              <a:t>09/05/2023</a:t>
+              <a:t>11/06/2023</a:t>
             </a:fld>
             <a:endParaRPr lang="en-US"/>
           </a:p>
@@ -3309,7 +3311,7 @@
         <p:spPr>
           <a:xfrm>
             <a:off x="1524000" y="508409"/>
-            <a:ext cx="9144000" cy="1895157"/>
+            <a:ext cx="9144000" cy="1004705"/>
           </a:xfrm>
         </p:spPr>
         <p:txBody>
@@ -3336,13 +3338,13 @@
         </p:nvSpPr>
         <p:spPr>
           <a:xfrm>
-            <a:off x="1523999" y="2543945"/>
-            <a:ext cx="10467703" cy="3464969"/>
+            <a:off x="1524000" y="1643743"/>
+            <a:ext cx="8871858" cy="4365171"/>
           </a:xfrm>
         </p:spPr>
         <p:txBody>
           <a:bodyPr>
-            <a:normAutofit/>
+            <a:normAutofit fontScale="92500" lnSpcReduction="10000"/>
           </a:bodyPr>
           <a:lstStyle/>
           <a:p>
@@ -3411,10 +3413,13 @@
             </a:r>
           </a:p>
           <a:p>
-            <a:pPr algn="l"/>
+            <a:pPr marL="342900" indent="-342900" algn="l">
+              <a:buFontTx/>
+              <a:buChar char="-"/>
+            </a:pPr>
             <a:r>
               <a:rPr lang="en-US"/>
-              <a:t>- Vui lòng post tại group: </a:t>
+              <a:t>Vui lòng post tại group: </a:t>
             </a:r>
             <a:r>
               <a:rPr lang="en-US">
@@ -3422,7 +3427,31 @@
               </a:rPr>
               <a:t>Ban học tập CNPM - Ngôi nhà sẻ chia</a:t>
             </a:r>
-            <a:endParaRPr lang="en-US"/>
+            <a:r>
+              <a:rPr lang="en-US"/>
+              <a:t> theo định dạng</a:t>
+            </a:r>
+          </a:p>
+          <a:p>
+            <a:pPr algn="l"/>
+            <a:r>
+              <a:rPr lang="en-US"/>
+              <a:t>[Bài Lab] – [Problem cần hỏi]</a:t>
+            </a:r>
+          </a:p>
+          <a:p>
+            <a:pPr algn="l"/>
+            <a:r>
+              <a:rPr lang="en-US"/>
+              <a:t>[Trình bày vấn đề]</a:t>
+            </a:r>
+          </a:p>
+          <a:p>
+            <a:pPr algn="l"/>
+            <a:r>
+              <a:rPr lang="en-US"/>
+              <a:t>#OOP</a:t>
+            </a:r>
           </a:p>
         </p:txBody>
       </p:sp>
@@ -3459,6 +3488,970 @@
     <p:extLst>
       <p:ext uri="{BB962C8B-B14F-4D97-AF65-F5344CB8AC3E}">
         <p14:creationId xmlns:p14="http://schemas.microsoft.com/office/powerpoint/2010/main" val="4093253585"/>
+      </p:ext>
+    </p:extLst>
+  </p:cSld>
+  <p:clrMapOvr>
+    <a:masterClrMapping/>
+  </p:clrMapOvr>
+</p:sld>
+</file>
+
+<file path=ppt/slides/slide10.xml><?xml version="1.0" encoding="utf-8"?>
+<p:sld xmlns:a="http://schemas.openxmlformats.org/drawingml/2006/main" xmlns:r="http://schemas.openxmlformats.org/officeDocument/2006/relationships" xmlns:p="http://schemas.openxmlformats.org/presentationml/2006/main">
+  <p:cSld>
+    <p:spTree>
+      <p:nvGrpSpPr>
+        <p:cNvPr id="1" name=""/>
+        <p:cNvGrpSpPr/>
+        <p:nvPr/>
+      </p:nvGrpSpPr>
+      <p:grpSpPr>
+        <a:xfrm>
+          <a:off x="0" y="0"/>
+          <a:ext cx="0" cy="0"/>
+          <a:chOff x="0" y="0"/>
+          <a:chExt cx="0" cy="0"/>
+        </a:xfrm>
+      </p:grpSpPr>
+      <p:sp>
+        <p:nvSpPr>
+          <p:cNvPr id="2" name="Title 1"/>
+          <p:cNvSpPr>
+            <a:spLocks noGrp="1"/>
+          </p:cNvSpPr>
+          <p:nvPr>
+            <p:ph type="title"/>
+          </p:nvPr>
+        </p:nvSpPr>
+        <p:spPr/>
+        <p:txBody>
+          <a:bodyPr/>
+          <a:lstStyle/>
+          <a:p>
+            <a:r>
+              <a:rPr lang="en-US"/>
+              <a:t>1.3. Tham chiếu &amp; Tham trị</a:t>
+            </a:r>
+          </a:p>
+        </p:txBody>
+      </p:sp>
+      <p:sp>
+        <p:nvSpPr>
+          <p:cNvPr id="3" name="Content Placeholder 2"/>
+          <p:cNvSpPr>
+            <a:spLocks noGrp="1"/>
+          </p:cNvSpPr>
+          <p:nvPr>
+            <p:ph idx="1"/>
+          </p:nvPr>
+        </p:nvSpPr>
+        <p:spPr>
+          <a:xfrm>
+            <a:off x="968828" y="1825625"/>
+            <a:ext cx="7260772" cy="747758"/>
+          </a:xfrm>
+        </p:spPr>
+        <p:txBody>
+          <a:bodyPr>
+            <a:normAutofit/>
+          </a:bodyPr>
+          <a:lstStyle/>
+          <a:p>
+            <a:pPr marL="0" indent="0">
+              <a:buNone/>
+            </a:pPr>
+            <a:r>
+              <a:rPr lang="en-US"/>
+              <a:t>Deep copy (tham chiếu)</a:t>
+            </a:r>
+          </a:p>
+        </p:txBody>
+      </p:sp>
+      <p:graphicFrame>
+        <p:nvGraphicFramePr>
+          <p:cNvPr id="4" name="Table 3"/>
+          <p:cNvGraphicFramePr>
+            <a:graphicFrameLocks noGrp="1"/>
+          </p:cNvGraphicFramePr>
+          <p:nvPr>
+            <p:extLst>
+              <p:ext uri="{D42A27DB-BD31-4B8C-83A1-F6EECF244321}">
+                <p14:modId xmlns:p14="http://schemas.microsoft.com/office/powerpoint/2010/main" val="1742721913"/>
+              </p:ext>
+            </p:extLst>
+          </p:nvPr>
+        </p:nvGraphicFramePr>
+        <p:xfrm>
+          <a:off x="968828" y="2888774"/>
+          <a:ext cx="1709057" cy="1463040"/>
+        </p:xfrm>
+        <a:graphic>
+          <a:graphicData uri="http://schemas.openxmlformats.org/drawingml/2006/table">
+            <a:tbl>
+              <a:tblPr>
+                <a:tableStyleId>{5C22544A-7EE6-4342-B048-85BDC9FD1C3A}</a:tableStyleId>
+              </a:tblPr>
+              <a:tblGrid>
+                <a:gridCol w="1709057">
+                  <a:extLst>
+                    <a:ext uri="{9D8B030D-6E8A-4147-A177-3AD203B41FA5}">
+                      <a16:colId xmlns:a16="http://schemas.microsoft.com/office/drawing/2014/main" val="1234399600"/>
+                    </a:ext>
+                  </a:extLst>
+                </a:gridCol>
+              </a:tblGrid>
+              <a:tr h="370840">
+                <a:tc>
+                  <a:txBody>
+                    <a:bodyPr/>
+                    <a:lstStyle/>
+                    <a:p>
+                      <a:r>
+                        <a:rPr lang="en-US" sz="2600"/>
+                        <a:t>int a</a:t>
+                      </a:r>
+                    </a:p>
+                  </a:txBody>
+                  <a:tcPr>
+                    <a:lnL w="12700" cap="flat" cmpd="sng" algn="ctr">
+                      <a:solidFill>
+                        <a:schemeClr val="tx1"/>
+                      </a:solidFill>
+                      <a:prstDash val="solid"/>
+                      <a:round/>
+                      <a:headEnd type="none" w="med" len="med"/>
+                      <a:tailEnd type="none" w="med" len="med"/>
+                    </a:lnL>
+                    <a:lnR w="12700" cap="flat" cmpd="sng" algn="ctr">
+                      <a:solidFill>
+                        <a:schemeClr val="tx1"/>
+                      </a:solidFill>
+                      <a:prstDash val="solid"/>
+                      <a:round/>
+                      <a:headEnd type="none" w="med" len="med"/>
+                      <a:tailEnd type="none" w="med" len="med"/>
+                    </a:lnR>
+                    <a:lnT w="12700" cap="flat" cmpd="sng" algn="ctr">
+                      <a:solidFill>
+                        <a:schemeClr val="tx1"/>
+                      </a:solidFill>
+                      <a:prstDash val="solid"/>
+                      <a:round/>
+                      <a:headEnd type="none" w="med" len="med"/>
+                      <a:tailEnd type="none" w="med" len="med"/>
+                    </a:lnT>
+                    <a:lnB w="12700" cap="flat" cmpd="sng" algn="ctr">
+                      <a:solidFill>
+                        <a:schemeClr val="tx1"/>
+                      </a:solidFill>
+                      <a:prstDash val="solid"/>
+                      <a:round/>
+                      <a:headEnd type="none" w="med" len="med"/>
+                      <a:tailEnd type="none" w="med" len="med"/>
+                    </a:lnB>
+                    <a:solidFill>
+                      <a:schemeClr val="bg1"/>
+                    </a:solidFill>
+                  </a:tcPr>
+                </a:tc>
+                <a:extLst>
+                  <a:ext uri="{0D108BD9-81ED-4DB2-BD59-A6C34878D82A}">
+                    <a16:rowId xmlns:a16="http://schemas.microsoft.com/office/drawing/2014/main" val="140790062"/>
+                  </a:ext>
+                </a:extLst>
+              </a:tr>
+              <a:tr h="370840">
+                <a:tc>
+                  <a:txBody>
+                    <a:bodyPr/>
+                    <a:lstStyle/>
+                    <a:p>
+                      <a:r>
+                        <a:rPr lang="en-US" sz="2600"/>
+                        <a:t>int &amp;b</a:t>
+                      </a:r>
+                    </a:p>
+                  </a:txBody>
+                  <a:tcPr>
+                    <a:lnL w="12700" cap="flat" cmpd="sng" algn="ctr">
+                      <a:solidFill>
+                        <a:schemeClr val="tx1"/>
+                      </a:solidFill>
+                      <a:prstDash val="solid"/>
+                      <a:round/>
+                      <a:headEnd type="none" w="med" len="med"/>
+                      <a:tailEnd type="none" w="med" len="med"/>
+                    </a:lnL>
+                    <a:lnR w="12700" cap="flat" cmpd="sng" algn="ctr">
+                      <a:solidFill>
+                        <a:schemeClr val="tx1"/>
+                      </a:solidFill>
+                      <a:prstDash val="solid"/>
+                      <a:round/>
+                      <a:headEnd type="none" w="med" len="med"/>
+                      <a:tailEnd type="none" w="med" len="med"/>
+                    </a:lnR>
+                    <a:lnT w="12700" cap="flat" cmpd="sng" algn="ctr">
+                      <a:solidFill>
+                        <a:schemeClr val="tx1"/>
+                      </a:solidFill>
+                      <a:prstDash val="solid"/>
+                      <a:round/>
+                      <a:headEnd type="none" w="med" len="med"/>
+                      <a:tailEnd type="none" w="med" len="med"/>
+                    </a:lnT>
+                    <a:lnB w="12700" cap="flat" cmpd="sng" algn="ctr">
+                      <a:solidFill>
+                        <a:schemeClr val="tx1"/>
+                      </a:solidFill>
+                      <a:prstDash val="solid"/>
+                      <a:round/>
+                      <a:headEnd type="none" w="med" len="med"/>
+                      <a:tailEnd type="none" w="med" len="med"/>
+                    </a:lnB>
+                    <a:solidFill>
+                      <a:schemeClr val="bg1"/>
+                    </a:solidFill>
+                  </a:tcPr>
+                </a:tc>
+                <a:extLst>
+                  <a:ext uri="{0D108BD9-81ED-4DB2-BD59-A6C34878D82A}">
+                    <a16:rowId xmlns:a16="http://schemas.microsoft.com/office/drawing/2014/main" val="2051485560"/>
+                  </a:ext>
+                </a:extLst>
+              </a:tr>
+              <a:tr h="370840">
+                <a:tc>
+                  <a:txBody>
+                    <a:bodyPr/>
+                    <a:lstStyle/>
+                    <a:p>
+                      <a:r>
+                        <a:rPr lang="en-US" sz="2600" b="1"/>
+                        <a:t>RAM</a:t>
+                      </a:r>
+                    </a:p>
+                  </a:txBody>
+                  <a:tcPr>
+                    <a:lnL w="12700" cap="flat" cmpd="sng" algn="ctr">
+                      <a:solidFill>
+                        <a:schemeClr val="tx1"/>
+                      </a:solidFill>
+                      <a:prstDash val="solid"/>
+                      <a:round/>
+                      <a:headEnd type="none" w="med" len="med"/>
+                      <a:tailEnd type="none" w="med" len="med"/>
+                    </a:lnL>
+                    <a:lnR w="12700" cap="flat" cmpd="sng" algn="ctr">
+                      <a:solidFill>
+                        <a:schemeClr val="tx1"/>
+                      </a:solidFill>
+                      <a:prstDash val="solid"/>
+                      <a:round/>
+                      <a:headEnd type="none" w="med" len="med"/>
+                      <a:tailEnd type="none" w="med" len="med"/>
+                    </a:lnR>
+                    <a:lnT w="12700" cap="flat" cmpd="sng" algn="ctr">
+                      <a:solidFill>
+                        <a:schemeClr val="tx1"/>
+                      </a:solidFill>
+                      <a:prstDash val="solid"/>
+                      <a:round/>
+                      <a:headEnd type="none" w="med" len="med"/>
+                      <a:tailEnd type="none" w="med" len="med"/>
+                    </a:lnT>
+                    <a:lnB w="12700" cap="flat" cmpd="sng" algn="ctr">
+                      <a:solidFill>
+                        <a:schemeClr val="tx1"/>
+                      </a:solidFill>
+                      <a:prstDash val="solid"/>
+                      <a:round/>
+                      <a:headEnd type="none" w="med" len="med"/>
+                      <a:tailEnd type="none" w="med" len="med"/>
+                    </a:lnB>
+                    <a:solidFill>
+                      <a:schemeClr val="bg1"/>
+                    </a:solidFill>
+                  </a:tcPr>
+                </a:tc>
+                <a:extLst>
+                  <a:ext uri="{0D108BD9-81ED-4DB2-BD59-A6C34878D82A}">
+                    <a16:rowId xmlns:a16="http://schemas.microsoft.com/office/drawing/2014/main" val="3385658485"/>
+                  </a:ext>
+                </a:extLst>
+              </a:tr>
+            </a:tbl>
+          </a:graphicData>
+        </a:graphic>
+      </p:graphicFrame>
+      <p:graphicFrame>
+        <p:nvGraphicFramePr>
+          <p:cNvPr id="5" name="Table 4"/>
+          <p:cNvGraphicFramePr>
+            <a:graphicFrameLocks noGrp="1"/>
+          </p:cNvGraphicFramePr>
+          <p:nvPr>
+            <p:extLst>
+              <p:ext uri="{D42A27DB-BD31-4B8C-83A1-F6EECF244321}">
+                <p14:modId xmlns:p14="http://schemas.microsoft.com/office/powerpoint/2010/main" val="182732867"/>
+              </p:ext>
+            </p:extLst>
+          </p:nvPr>
+        </p:nvGraphicFramePr>
+        <p:xfrm>
+          <a:off x="4687388" y="2888774"/>
+          <a:ext cx="1709057" cy="1463040"/>
+        </p:xfrm>
+        <a:graphic>
+          <a:graphicData uri="http://schemas.openxmlformats.org/drawingml/2006/table">
+            <a:tbl>
+              <a:tblPr>
+                <a:tableStyleId>{5C22544A-7EE6-4342-B048-85BDC9FD1C3A}</a:tableStyleId>
+              </a:tblPr>
+              <a:tblGrid>
+                <a:gridCol w="1709057">
+                  <a:extLst>
+                    <a:ext uri="{9D8B030D-6E8A-4147-A177-3AD203B41FA5}">
+                      <a16:colId xmlns:a16="http://schemas.microsoft.com/office/drawing/2014/main" val="1234399600"/>
+                    </a:ext>
+                  </a:extLst>
+                </a:gridCol>
+              </a:tblGrid>
+              <a:tr h="370840">
+                <a:tc>
+                  <a:txBody>
+                    <a:bodyPr/>
+                    <a:lstStyle/>
+                    <a:p>
+                      <a:r>
+                        <a:rPr lang="en-US" sz="2600"/>
+                        <a:t>5</a:t>
+                      </a:r>
+                    </a:p>
+                  </a:txBody>
+                  <a:tcPr>
+                    <a:lnL w="12700" cap="flat" cmpd="sng" algn="ctr">
+                      <a:solidFill>
+                        <a:schemeClr val="tx1"/>
+                      </a:solidFill>
+                      <a:prstDash val="solid"/>
+                      <a:round/>
+                      <a:headEnd type="none" w="med" len="med"/>
+                      <a:tailEnd type="none" w="med" len="med"/>
+                    </a:lnL>
+                    <a:lnR w="12700" cap="flat" cmpd="sng" algn="ctr">
+                      <a:solidFill>
+                        <a:schemeClr val="tx1"/>
+                      </a:solidFill>
+                      <a:prstDash val="solid"/>
+                      <a:round/>
+                      <a:headEnd type="none" w="med" len="med"/>
+                      <a:tailEnd type="none" w="med" len="med"/>
+                    </a:lnR>
+                    <a:lnT w="12700" cap="flat" cmpd="sng" algn="ctr">
+                      <a:solidFill>
+                        <a:schemeClr val="tx1"/>
+                      </a:solidFill>
+                      <a:prstDash val="solid"/>
+                      <a:round/>
+                      <a:headEnd type="none" w="med" len="med"/>
+                      <a:tailEnd type="none" w="med" len="med"/>
+                    </a:lnT>
+                    <a:lnB w="12700" cap="flat" cmpd="sng" algn="ctr">
+                      <a:solidFill>
+                        <a:schemeClr val="tx1"/>
+                      </a:solidFill>
+                      <a:prstDash val="solid"/>
+                      <a:round/>
+                      <a:headEnd type="none" w="med" len="med"/>
+                      <a:tailEnd type="none" w="med" len="med"/>
+                    </a:lnB>
+                    <a:solidFill>
+                      <a:schemeClr val="bg1"/>
+                    </a:solidFill>
+                  </a:tcPr>
+                </a:tc>
+                <a:extLst>
+                  <a:ext uri="{0D108BD9-81ED-4DB2-BD59-A6C34878D82A}">
+                    <a16:rowId xmlns:a16="http://schemas.microsoft.com/office/drawing/2014/main" val="140790062"/>
+                  </a:ext>
+                </a:extLst>
+              </a:tr>
+              <a:tr h="370840">
+                <a:tc>
+                  <a:txBody>
+                    <a:bodyPr/>
+                    <a:lstStyle/>
+                    <a:p>
+                      <a:r>
+                        <a:rPr lang="en-US" sz="2600"/>
+                        <a:t>…</a:t>
+                      </a:r>
+                    </a:p>
+                  </a:txBody>
+                  <a:tcPr>
+                    <a:lnL w="12700" cap="flat" cmpd="sng" algn="ctr">
+                      <a:solidFill>
+                        <a:schemeClr val="tx1"/>
+                      </a:solidFill>
+                      <a:prstDash val="solid"/>
+                      <a:round/>
+                      <a:headEnd type="none" w="med" len="med"/>
+                      <a:tailEnd type="none" w="med" len="med"/>
+                    </a:lnL>
+                    <a:lnR w="12700" cap="flat" cmpd="sng" algn="ctr">
+                      <a:solidFill>
+                        <a:schemeClr val="tx1"/>
+                      </a:solidFill>
+                      <a:prstDash val="solid"/>
+                      <a:round/>
+                      <a:headEnd type="none" w="med" len="med"/>
+                      <a:tailEnd type="none" w="med" len="med"/>
+                    </a:lnR>
+                    <a:lnT w="12700" cap="flat" cmpd="sng" algn="ctr">
+                      <a:solidFill>
+                        <a:schemeClr val="tx1"/>
+                      </a:solidFill>
+                      <a:prstDash val="solid"/>
+                      <a:round/>
+                      <a:headEnd type="none" w="med" len="med"/>
+                      <a:tailEnd type="none" w="med" len="med"/>
+                    </a:lnT>
+                    <a:lnB w="12700" cap="flat" cmpd="sng" algn="ctr">
+                      <a:solidFill>
+                        <a:schemeClr val="tx1"/>
+                      </a:solidFill>
+                      <a:prstDash val="solid"/>
+                      <a:round/>
+                      <a:headEnd type="none" w="med" len="med"/>
+                      <a:tailEnd type="none" w="med" len="med"/>
+                    </a:lnB>
+                    <a:solidFill>
+                      <a:schemeClr val="bg1"/>
+                    </a:solidFill>
+                  </a:tcPr>
+                </a:tc>
+                <a:extLst>
+                  <a:ext uri="{0D108BD9-81ED-4DB2-BD59-A6C34878D82A}">
+                    <a16:rowId xmlns:a16="http://schemas.microsoft.com/office/drawing/2014/main" val="2051485560"/>
+                  </a:ext>
+                </a:extLst>
+              </a:tr>
+              <a:tr h="370840">
+                <a:tc>
+                  <a:txBody>
+                    <a:bodyPr/>
+                    <a:lstStyle/>
+                    <a:p>
+                      <a:r>
+                        <a:rPr lang="en-US" sz="2600" b="1"/>
+                        <a:t>RAM</a:t>
+                      </a:r>
+                    </a:p>
+                  </a:txBody>
+                  <a:tcPr>
+                    <a:lnL w="12700" cap="flat" cmpd="sng" algn="ctr">
+                      <a:solidFill>
+                        <a:schemeClr val="tx1"/>
+                      </a:solidFill>
+                      <a:prstDash val="solid"/>
+                      <a:round/>
+                      <a:headEnd type="none" w="med" len="med"/>
+                      <a:tailEnd type="none" w="med" len="med"/>
+                    </a:lnL>
+                    <a:lnR w="12700" cap="flat" cmpd="sng" algn="ctr">
+                      <a:solidFill>
+                        <a:schemeClr val="tx1"/>
+                      </a:solidFill>
+                      <a:prstDash val="solid"/>
+                      <a:round/>
+                      <a:headEnd type="none" w="med" len="med"/>
+                      <a:tailEnd type="none" w="med" len="med"/>
+                    </a:lnR>
+                    <a:lnT w="12700" cap="flat" cmpd="sng" algn="ctr">
+                      <a:solidFill>
+                        <a:schemeClr val="tx1"/>
+                      </a:solidFill>
+                      <a:prstDash val="solid"/>
+                      <a:round/>
+                      <a:headEnd type="none" w="med" len="med"/>
+                      <a:tailEnd type="none" w="med" len="med"/>
+                    </a:lnT>
+                    <a:lnB w="12700" cap="flat" cmpd="sng" algn="ctr">
+                      <a:solidFill>
+                        <a:schemeClr val="tx1"/>
+                      </a:solidFill>
+                      <a:prstDash val="solid"/>
+                      <a:round/>
+                      <a:headEnd type="none" w="med" len="med"/>
+                      <a:tailEnd type="none" w="med" len="med"/>
+                    </a:lnB>
+                    <a:solidFill>
+                      <a:schemeClr val="bg1"/>
+                    </a:solidFill>
+                  </a:tcPr>
+                </a:tc>
+                <a:extLst>
+                  <a:ext uri="{0D108BD9-81ED-4DB2-BD59-A6C34878D82A}">
+                    <a16:rowId xmlns:a16="http://schemas.microsoft.com/office/drawing/2014/main" val="3385658485"/>
+                  </a:ext>
+                </a:extLst>
+              </a:tr>
+            </a:tbl>
+          </a:graphicData>
+        </a:graphic>
+      </p:graphicFrame>
+      <p:cxnSp>
+        <p:nvCxnSpPr>
+          <p:cNvPr id="19" name="Straight Arrow Connector 18"/>
+          <p:cNvCxnSpPr/>
+          <p:nvPr/>
+        </p:nvCxnSpPr>
+        <p:spPr>
+          <a:xfrm>
+            <a:off x="2677885" y="3135086"/>
+            <a:ext cx="2009503" cy="0"/>
+          </a:xfrm>
+          <a:prstGeom prst="straightConnector1">
+            <a:avLst/>
+          </a:prstGeom>
+          <a:ln w="38100">
+            <a:solidFill>
+              <a:schemeClr val="tx1"/>
+            </a:solidFill>
+            <a:tailEnd type="triangle"/>
+          </a:ln>
+        </p:spPr>
+        <p:style>
+          <a:lnRef idx="1">
+            <a:schemeClr val="accent1"/>
+          </a:lnRef>
+          <a:fillRef idx="0">
+            <a:schemeClr val="accent1"/>
+          </a:fillRef>
+          <a:effectRef idx="0">
+            <a:schemeClr val="accent1"/>
+          </a:effectRef>
+          <a:fontRef idx="minor">
+            <a:schemeClr val="tx1"/>
+          </a:fontRef>
+        </p:style>
+      </p:cxnSp>
+      <p:sp>
+        <p:nvSpPr>
+          <p:cNvPr id="31" name="Content Placeholder 2"/>
+          <p:cNvSpPr txBox="1">
+            <a:spLocks/>
+          </p:cNvSpPr>
+          <p:nvPr/>
+        </p:nvSpPr>
+        <p:spPr>
+          <a:xfrm>
+            <a:off x="968828" y="4976213"/>
+            <a:ext cx="7260772" cy="1411524"/>
+          </a:xfrm>
+          <a:prstGeom prst="rect">
+            <a:avLst/>
+          </a:prstGeom>
+        </p:spPr>
+        <p:txBody>
+          <a:bodyPr vert="horz" lIns="91440" tIns="45720" rIns="91440" bIns="45720" rtlCol="0">
+            <a:normAutofit/>
+          </a:bodyPr>
+          <a:lstStyle>
+            <a:lvl1pPr marL="228600" indent="-228600" algn="l" defTabSz="914400" rtl="0" eaLnBrk="1" latinLnBrk="0" hangingPunct="1">
+              <a:lnSpc>
+                <a:spcPct val="90000"/>
+              </a:lnSpc>
+              <a:spcBef>
+                <a:spcPts val="1000"/>
+              </a:spcBef>
+              <a:buFont typeface="Arial" panose="020B0604020202020204" pitchFamily="34" charset="0"/>
+              <a:buChar char="•"/>
+              <a:defRPr sz="2800" kern="1200">
+                <a:solidFill>
+                  <a:schemeClr val="tx1"/>
+                </a:solidFill>
+                <a:latin typeface="+mn-lt"/>
+                <a:ea typeface="+mn-ea"/>
+                <a:cs typeface="+mn-cs"/>
+              </a:defRPr>
+            </a:lvl1pPr>
+            <a:lvl2pPr marL="685800" indent="-228600" algn="l" defTabSz="914400" rtl="0" eaLnBrk="1" latinLnBrk="0" hangingPunct="1">
+              <a:lnSpc>
+                <a:spcPct val="90000"/>
+              </a:lnSpc>
+              <a:spcBef>
+                <a:spcPts val="500"/>
+              </a:spcBef>
+              <a:buFont typeface="Arial" panose="020B0604020202020204" pitchFamily="34" charset="0"/>
+              <a:buChar char="•"/>
+              <a:defRPr sz="2400" kern="1200">
+                <a:solidFill>
+                  <a:schemeClr val="tx1"/>
+                </a:solidFill>
+                <a:latin typeface="+mn-lt"/>
+                <a:ea typeface="+mn-ea"/>
+                <a:cs typeface="+mn-cs"/>
+              </a:defRPr>
+            </a:lvl2pPr>
+            <a:lvl3pPr marL="1143000" indent="-228600" algn="l" defTabSz="914400" rtl="0" eaLnBrk="1" latinLnBrk="0" hangingPunct="1">
+              <a:lnSpc>
+                <a:spcPct val="90000"/>
+              </a:lnSpc>
+              <a:spcBef>
+                <a:spcPts val="500"/>
+              </a:spcBef>
+              <a:buFont typeface="Arial" panose="020B0604020202020204" pitchFamily="34" charset="0"/>
+              <a:buChar char="•"/>
+              <a:defRPr sz="2000" kern="1200">
+                <a:solidFill>
+                  <a:schemeClr val="tx1"/>
+                </a:solidFill>
+                <a:latin typeface="+mn-lt"/>
+                <a:ea typeface="+mn-ea"/>
+                <a:cs typeface="+mn-cs"/>
+              </a:defRPr>
+            </a:lvl3pPr>
+            <a:lvl4pPr marL="1600200" indent="-228600" algn="l" defTabSz="914400" rtl="0" eaLnBrk="1" latinLnBrk="0" hangingPunct="1">
+              <a:lnSpc>
+                <a:spcPct val="90000"/>
+              </a:lnSpc>
+              <a:spcBef>
+                <a:spcPts val="500"/>
+              </a:spcBef>
+              <a:buFont typeface="Arial" panose="020B0604020202020204" pitchFamily="34" charset="0"/>
+              <a:buChar char="•"/>
+              <a:defRPr sz="1800" kern="1200">
+                <a:solidFill>
+                  <a:schemeClr val="tx1"/>
+                </a:solidFill>
+                <a:latin typeface="+mn-lt"/>
+                <a:ea typeface="+mn-ea"/>
+                <a:cs typeface="+mn-cs"/>
+              </a:defRPr>
+            </a:lvl4pPr>
+            <a:lvl5pPr marL="2057400" indent="-228600" algn="l" defTabSz="914400" rtl="0" eaLnBrk="1" latinLnBrk="0" hangingPunct="1">
+              <a:lnSpc>
+                <a:spcPct val="90000"/>
+              </a:lnSpc>
+              <a:spcBef>
+                <a:spcPts val="500"/>
+              </a:spcBef>
+              <a:buFont typeface="Arial" panose="020B0604020202020204" pitchFamily="34" charset="0"/>
+              <a:buChar char="•"/>
+              <a:defRPr sz="1800" kern="1200">
+                <a:solidFill>
+                  <a:schemeClr val="tx1"/>
+                </a:solidFill>
+                <a:latin typeface="+mn-lt"/>
+                <a:ea typeface="+mn-ea"/>
+                <a:cs typeface="+mn-cs"/>
+              </a:defRPr>
+            </a:lvl5pPr>
+            <a:lvl6pPr marL="2514600" indent="-228600" algn="l" defTabSz="914400" rtl="0" eaLnBrk="1" latinLnBrk="0" hangingPunct="1">
+              <a:lnSpc>
+                <a:spcPct val="90000"/>
+              </a:lnSpc>
+              <a:spcBef>
+                <a:spcPts val="500"/>
+              </a:spcBef>
+              <a:buFont typeface="Arial" panose="020B0604020202020204" pitchFamily="34" charset="0"/>
+              <a:buChar char="•"/>
+              <a:defRPr sz="1800" kern="1200">
+                <a:solidFill>
+                  <a:schemeClr val="tx1"/>
+                </a:solidFill>
+                <a:latin typeface="+mn-lt"/>
+                <a:ea typeface="+mn-ea"/>
+                <a:cs typeface="+mn-cs"/>
+              </a:defRPr>
+            </a:lvl6pPr>
+            <a:lvl7pPr marL="2971800" indent="-228600" algn="l" defTabSz="914400" rtl="0" eaLnBrk="1" latinLnBrk="0" hangingPunct="1">
+              <a:lnSpc>
+                <a:spcPct val="90000"/>
+              </a:lnSpc>
+              <a:spcBef>
+                <a:spcPts val="500"/>
+              </a:spcBef>
+              <a:buFont typeface="Arial" panose="020B0604020202020204" pitchFamily="34" charset="0"/>
+              <a:buChar char="•"/>
+              <a:defRPr sz="1800" kern="1200">
+                <a:solidFill>
+                  <a:schemeClr val="tx1"/>
+                </a:solidFill>
+                <a:latin typeface="+mn-lt"/>
+                <a:ea typeface="+mn-ea"/>
+                <a:cs typeface="+mn-cs"/>
+              </a:defRPr>
+            </a:lvl7pPr>
+            <a:lvl8pPr marL="3429000" indent="-228600" algn="l" defTabSz="914400" rtl="0" eaLnBrk="1" latinLnBrk="0" hangingPunct="1">
+              <a:lnSpc>
+                <a:spcPct val="90000"/>
+              </a:lnSpc>
+              <a:spcBef>
+                <a:spcPts val="500"/>
+              </a:spcBef>
+              <a:buFont typeface="Arial" panose="020B0604020202020204" pitchFamily="34" charset="0"/>
+              <a:buChar char="•"/>
+              <a:defRPr sz="1800" kern="1200">
+                <a:solidFill>
+                  <a:schemeClr val="tx1"/>
+                </a:solidFill>
+                <a:latin typeface="+mn-lt"/>
+                <a:ea typeface="+mn-ea"/>
+                <a:cs typeface="+mn-cs"/>
+              </a:defRPr>
+            </a:lvl8pPr>
+            <a:lvl9pPr marL="3886200" indent="-228600" algn="l" defTabSz="914400" rtl="0" eaLnBrk="1" latinLnBrk="0" hangingPunct="1">
+              <a:lnSpc>
+                <a:spcPct val="90000"/>
+              </a:lnSpc>
+              <a:spcBef>
+                <a:spcPts val="500"/>
+              </a:spcBef>
+              <a:buFont typeface="Arial" panose="020B0604020202020204" pitchFamily="34" charset="0"/>
+              <a:buChar char="•"/>
+              <a:defRPr sz="1800" kern="1200">
+                <a:solidFill>
+                  <a:schemeClr val="tx1"/>
+                </a:solidFill>
+                <a:latin typeface="+mn-lt"/>
+                <a:ea typeface="+mn-ea"/>
+                <a:cs typeface="+mn-cs"/>
+              </a:defRPr>
+            </a:lvl9pPr>
+          </a:lstStyle>
+          <a:p>
+            <a:pPr marL="0" indent="0">
+              <a:buFont typeface="Arial" panose="020B0604020202020204" pitchFamily="34" charset="0"/>
+              <a:buNone/>
+            </a:pPr>
+            <a:r>
+              <a:rPr lang="en-US"/>
+              <a:t>int a = 5;</a:t>
+            </a:r>
+          </a:p>
+          <a:p>
+            <a:pPr marL="0" indent="0">
+              <a:buFont typeface="Arial" panose="020B0604020202020204" pitchFamily="34" charset="0"/>
+              <a:buNone/>
+            </a:pPr>
+            <a:r>
+              <a:rPr lang="en-US"/>
+              <a:t>int &amp;b = a;</a:t>
+            </a:r>
+          </a:p>
+        </p:txBody>
+      </p:sp>
+      <p:cxnSp>
+        <p:nvCxnSpPr>
+          <p:cNvPr id="14" name="Straight Arrow Connector 13"/>
+          <p:cNvCxnSpPr>
+            <a:stCxn id="4" idx="3"/>
+          </p:cNvCxnSpPr>
+          <p:nvPr/>
+        </p:nvCxnSpPr>
+        <p:spPr>
+          <a:xfrm flipV="1">
+            <a:off x="2677885" y="3262652"/>
+            <a:ext cx="2009503" cy="357642"/>
+          </a:xfrm>
+          <a:prstGeom prst="straightConnector1">
+            <a:avLst/>
+          </a:prstGeom>
+          <a:ln w="38100">
+            <a:solidFill>
+              <a:schemeClr val="tx1"/>
+            </a:solidFill>
+            <a:tailEnd type="triangle"/>
+          </a:ln>
+        </p:spPr>
+        <p:style>
+          <a:lnRef idx="1">
+            <a:schemeClr val="accent1"/>
+          </a:lnRef>
+          <a:fillRef idx="0">
+            <a:schemeClr val="accent1"/>
+          </a:fillRef>
+          <a:effectRef idx="0">
+            <a:schemeClr val="accent1"/>
+          </a:effectRef>
+          <a:fontRef idx="minor">
+            <a:schemeClr val="tx1"/>
+          </a:fontRef>
+        </p:style>
+      </p:cxnSp>
+      <p:sp>
+        <p:nvSpPr>
+          <p:cNvPr id="6" name="Slide Number Placeholder 5">
+            <a:extLst>
+              <a:ext uri="{FF2B5EF4-FFF2-40B4-BE49-F238E27FC236}">
+                <a16:creationId xmlns:a16="http://schemas.microsoft.com/office/drawing/2014/main" id="{017EDD38-BB96-7263-F901-63271DCF20EE}"/>
+              </a:ext>
+            </a:extLst>
+          </p:cNvPr>
+          <p:cNvSpPr>
+            <a:spLocks noGrp="1"/>
+          </p:cNvSpPr>
+          <p:nvPr>
+            <p:ph type="sldNum" sz="quarter" idx="12"/>
+          </p:nvPr>
+        </p:nvSpPr>
+        <p:spPr/>
+        <p:txBody>
+          <a:bodyPr/>
+          <a:lstStyle/>
+          <a:p>
+            <a:fld id="{9D563E13-6253-4AA0-BAE6-80A963751161}" type="slidenum">
+              <a:rPr lang="en-US" smtClean="0"/>
+              <a:t>10</a:t>
+            </a:fld>
+            <a:endParaRPr lang="en-US"/>
+          </a:p>
+        </p:txBody>
+      </p:sp>
+    </p:spTree>
+    <p:extLst>
+      <p:ext uri="{BB962C8B-B14F-4D97-AF65-F5344CB8AC3E}">
+        <p14:creationId xmlns:p14="http://schemas.microsoft.com/office/powerpoint/2010/main" val="2900171510"/>
+      </p:ext>
+    </p:extLst>
+  </p:cSld>
+  <p:clrMapOvr>
+    <a:masterClrMapping/>
+  </p:clrMapOvr>
+</p:sld>
+</file>
+
+<file path=ppt/slides/slide11.xml><?xml version="1.0" encoding="utf-8"?>
+<p:sld xmlns:a="http://schemas.openxmlformats.org/drawingml/2006/main" xmlns:r="http://schemas.openxmlformats.org/officeDocument/2006/relationships" xmlns:p="http://schemas.openxmlformats.org/presentationml/2006/main">
+  <p:cSld>
+    <p:spTree>
+      <p:nvGrpSpPr>
+        <p:cNvPr id="1" name=""/>
+        <p:cNvGrpSpPr/>
+        <p:nvPr/>
+      </p:nvGrpSpPr>
+      <p:grpSpPr>
+        <a:xfrm>
+          <a:off x="0" y="0"/>
+          <a:ext cx="0" cy="0"/>
+          <a:chOff x="0" y="0"/>
+          <a:chExt cx="0" cy="0"/>
+        </a:xfrm>
+      </p:grpSpPr>
+      <p:sp>
+        <p:nvSpPr>
+          <p:cNvPr id="2" name="Title 1">
+            <a:extLst>
+              <a:ext uri="{FF2B5EF4-FFF2-40B4-BE49-F238E27FC236}">
+                <a16:creationId xmlns:a16="http://schemas.microsoft.com/office/drawing/2014/main" id="{67D3186F-ACA5-2CDC-07A3-119704A9ACFA}"/>
+              </a:ext>
+            </a:extLst>
+          </p:cNvPr>
+          <p:cNvSpPr>
+            <a:spLocks noGrp="1"/>
+          </p:cNvSpPr>
+          <p:nvPr>
+            <p:ph type="title"/>
+          </p:nvPr>
+        </p:nvSpPr>
+        <p:spPr/>
+        <p:txBody>
+          <a:bodyPr/>
+          <a:lstStyle/>
+          <a:p>
+            <a:r>
+              <a:rPr lang="en-VN"/>
+              <a:t>1.4. Một số mẹo hữu ích</a:t>
+            </a:r>
+          </a:p>
+        </p:txBody>
+      </p:sp>
+      <p:sp>
+        <p:nvSpPr>
+          <p:cNvPr id="3" name="Content Placeholder 2">
+            <a:extLst>
+              <a:ext uri="{FF2B5EF4-FFF2-40B4-BE49-F238E27FC236}">
+                <a16:creationId xmlns:a16="http://schemas.microsoft.com/office/drawing/2014/main" id="{04C32ADA-8D2E-7714-C5A9-ED45B77311B2}"/>
+              </a:ext>
+            </a:extLst>
+          </p:cNvPr>
+          <p:cNvSpPr>
+            <a:spLocks noGrp="1"/>
+          </p:cNvSpPr>
+          <p:nvPr>
+            <p:ph idx="1"/>
+          </p:nvPr>
+        </p:nvSpPr>
+        <p:spPr/>
+        <p:txBody>
+          <a:bodyPr/>
+          <a:lstStyle/>
+          <a:p>
+            <a:pPr marL="0" indent="0">
+              <a:buNone/>
+            </a:pPr>
+            <a:r>
+              <a:rPr lang="en-VN"/>
+              <a:t>+ Từ khoá auto.</a:t>
+            </a:r>
+          </a:p>
+          <a:p>
+            <a:pPr marL="0" indent="0">
+              <a:buNone/>
+            </a:pPr>
+            <a:r>
+              <a:rPr lang="en-VN"/>
+              <a:t>+ Đối tượng vector&lt;&gt; để tạo kiểu dữ liệu 1 chiều, hoặc vector&lt;vector&lt;&gt;&gt; để tạo kiểu dữ liệu 2 chiều.</a:t>
+            </a:r>
+          </a:p>
+          <a:p>
+            <a:pPr marL="0" indent="0">
+              <a:buNone/>
+            </a:pPr>
+            <a:r>
+              <a:rPr lang="en-VN"/>
+              <a:t>+ CTDL stack, queue, tree, hashmap, …</a:t>
+            </a:r>
+          </a:p>
+        </p:txBody>
+      </p:sp>
+      <p:sp>
+        <p:nvSpPr>
+          <p:cNvPr id="4" name="Slide Number Placeholder 3">
+            <a:extLst>
+              <a:ext uri="{FF2B5EF4-FFF2-40B4-BE49-F238E27FC236}">
+                <a16:creationId xmlns:a16="http://schemas.microsoft.com/office/drawing/2014/main" id="{CE27A83D-8964-2019-7D8B-8AD866667413}"/>
+              </a:ext>
+            </a:extLst>
+          </p:cNvPr>
+          <p:cNvSpPr>
+            <a:spLocks noGrp="1"/>
+          </p:cNvSpPr>
+          <p:nvPr>
+            <p:ph type="sldNum" sz="quarter" idx="12"/>
+          </p:nvPr>
+        </p:nvSpPr>
+        <p:spPr/>
+        <p:txBody>
+          <a:bodyPr/>
+          <a:lstStyle/>
+          <a:p>
+            <a:fld id="{9D563E13-6253-4AA0-BAE6-80A963751161}" type="slidenum">
+              <a:rPr lang="en-US" smtClean="0"/>
+              <a:t>11</a:t>
+            </a:fld>
+            <a:endParaRPr lang="en-US"/>
+          </a:p>
+        </p:txBody>
+      </p:sp>
+    </p:spTree>
+    <p:extLst>
+      <p:ext uri="{BB962C8B-B14F-4D97-AF65-F5344CB8AC3E}">
+        <p14:creationId xmlns:p14="http://schemas.microsoft.com/office/powerpoint/2010/main" val="3112299850"/>
       </p:ext>
     </p:extLst>
   </p:cSld>
@@ -3529,7 +4522,7 @@
             <p:ph idx="1"/>
             <p:extLst>
               <p:ext uri="{D42A27DB-BD31-4B8C-83A1-F6EECF244321}">
-                <p14:modId xmlns:p14="http://schemas.microsoft.com/office/powerpoint/2010/main" val="1337746474"/>
+                <p14:modId xmlns:p14="http://schemas.microsoft.com/office/powerpoint/2010/main" val="3232317972"/>
               </p:ext>
             </p:extLst>
           </p:nvPr>
@@ -3875,7 +4868,7 @@
                             <a:schemeClr val="tx1"/>
                           </a:solidFill>
                         </a:rPr>
-                        <a:t>3-4</a:t>
+                        <a:t>3 - 4</a:t>
                       </a:r>
                     </a:p>
                   </a:txBody>
@@ -4157,7 +5150,7 @@
                             <a:schemeClr val="tx1"/>
                           </a:solidFill>
                         </a:rPr>
-                        <a:t>5-6</a:t>
+                        <a:t>5 - 6</a:t>
                       </a:r>
                     </a:p>
                   </a:txBody>
@@ -4439,7 +5432,7 @@
                             <a:schemeClr val="tx1"/>
                           </a:solidFill>
                         </a:rPr>
-                        <a:t>7-8</a:t>
+                        <a:t>7 - 8</a:t>
                       </a:r>
                     </a:p>
                   </a:txBody>
@@ -4721,7 +5714,7 @@
                             <a:schemeClr val="tx1"/>
                           </a:solidFill>
                         </a:rPr>
-                        <a:t>9-10</a:t>
+                        <a:t>9 - 10</a:t>
                       </a:r>
                     </a:p>
                   </a:txBody>
@@ -5003,7 +5996,7 @@
                             <a:schemeClr val="tx1"/>
                           </a:solidFill>
                         </a:rPr>
-                        <a:t>11-12</a:t>
+                        <a:t>11 - 12</a:t>
                       </a:r>
                     </a:p>
                   </a:txBody>
@@ -5285,7 +6278,7 @@
                             <a:schemeClr val="tx1"/>
                           </a:solidFill>
                         </a:rPr>
-                        <a:t>13-14</a:t>
+                        <a:t>13 - 14</a:t>
                       </a:r>
                     </a:p>
                   </a:txBody>
@@ -5620,12 +6613,18 @@
       </p:grpSpPr>
       <p:sp>
         <p:nvSpPr>
-          <p:cNvPr id="2" name="Title 1"/>
+          <p:cNvPr id="2" name="Title 1">
+            <a:extLst>
+              <a:ext uri="{FF2B5EF4-FFF2-40B4-BE49-F238E27FC236}">
+                <a16:creationId xmlns:a16="http://schemas.microsoft.com/office/drawing/2014/main" id="{0A025BB5-470E-6BE1-91E7-0DEF567D65BE}"/>
+              </a:ext>
+            </a:extLst>
+          </p:cNvPr>
           <p:cNvSpPr>
             <a:spLocks noGrp="1"/>
           </p:cNvSpPr>
           <p:nvPr>
-            <p:ph type="ctrTitle"/>
+            <p:ph type="title"/>
           </p:nvPr>
         </p:nvSpPr>
         <p:spPr/>
@@ -5634,20 +6633,26 @@
           <a:lstStyle/>
           <a:p>
             <a:r>
-              <a:rPr lang="en-US"/>
-              <a:t>Lab 1</a:t>
+              <a:rPr lang="en-VN"/>
+              <a:t>Quy định trong lớp thực hành</a:t>
             </a:r>
           </a:p>
         </p:txBody>
       </p:sp>
       <p:sp>
         <p:nvSpPr>
-          <p:cNvPr id="3" name="Subtitle 2"/>
+          <p:cNvPr id="3" name="Content Placeholder 2">
+            <a:extLst>
+              <a:ext uri="{FF2B5EF4-FFF2-40B4-BE49-F238E27FC236}">
+                <a16:creationId xmlns:a16="http://schemas.microsoft.com/office/drawing/2014/main" id="{7DB845D9-F0FD-DE3A-C291-BCDF33553401}"/>
+              </a:ext>
+            </a:extLst>
+          </p:cNvPr>
           <p:cNvSpPr>
             <a:spLocks noGrp="1"/>
           </p:cNvSpPr>
           <p:nvPr>
-            <p:ph type="subTitle" idx="1"/>
+            <p:ph idx="1"/>
           </p:nvPr>
         </p:nvSpPr>
         <p:spPr/>
@@ -5656,8 +6661,20 @@
           <a:lstStyle/>
           <a:p>
             <a:r>
-              <a:rPr lang="en-US"/>
-              <a:t>Ôn tập C++</a:t>
+              <a:rPr lang="en-VN"/>
+              <a:t>Có thể làm bài tập tại nhà và không cần tới lớp.</a:t>
+            </a:r>
+          </a:p>
+          <a:p>
+            <a:r>
+              <a:rPr lang="en-VN"/>
+              <a:t>Sinh viên lớp .1 (hoặc .2) phải làm đúng theo contest lớp .1 (hoặc .2), trường hợp nộp sai contest sẽ không được tính điểm.</a:t>
+            </a:r>
+          </a:p>
+          <a:p>
+            <a:r>
+              <a:rPr lang="en-VN"/>
+              <a:t>Đổi tên username Hackerrank theo đúng định dạng _2x52xxxx (có mã số sinh viên sau cùng).</a:t>
             </a:r>
           </a:p>
         </p:txBody>
@@ -5667,7 +6684,7 @@
           <p:cNvPr id="4" name="Slide Number Placeholder 3">
             <a:extLst>
               <a:ext uri="{FF2B5EF4-FFF2-40B4-BE49-F238E27FC236}">
-                <a16:creationId xmlns:a16="http://schemas.microsoft.com/office/drawing/2014/main" id="{8975A5AA-092F-F762-FC4A-5FE44A096C99}"/>
+                <a16:creationId xmlns:a16="http://schemas.microsoft.com/office/drawing/2014/main" id="{B64A59E1-7796-494C-E32C-07E1C966ECB1}"/>
               </a:ext>
             </a:extLst>
           </p:cNvPr>
@@ -5694,7 +6711,7 @@
     </p:spTree>
     <p:extLst>
       <p:ext uri="{BB962C8B-B14F-4D97-AF65-F5344CB8AC3E}">
-        <p14:creationId xmlns:p14="http://schemas.microsoft.com/office/powerpoint/2010/main" val="3704687501"/>
+        <p14:creationId xmlns:p14="http://schemas.microsoft.com/office/powerpoint/2010/main" val="3858302511"/>
       </p:ext>
     </p:extLst>
   </p:cSld>
@@ -5723,7 +6740,13 @@
       </p:grpSpPr>
       <p:sp>
         <p:nvSpPr>
-          <p:cNvPr id="2" name="Title 1"/>
+          <p:cNvPr id="2" name="Title 1">
+            <a:extLst>
+              <a:ext uri="{FF2B5EF4-FFF2-40B4-BE49-F238E27FC236}">
+                <a16:creationId xmlns:a16="http://schemas.microsoft.com/office/drawing/2014/main" id="{F310DE1D-5218-3F1F-6883-B51BD45E9D71}"/>
+              </a:ext>
+            </a:extLst>
+          </p:cNvPr>
           <p:cNvSpPr>
             <a:spLocks noGrp="1"/>
           </p:cNvSpPr>
@@ -5737,15 +6760,21 @@
           <a:lstStyle/>
           <a:p>
             <a:r>
-              <a:rPr lang="en-US"/>
-              <a:t>1. Lý thuyết tuần 1</a:t>
+              <a:rPr lang="en-VN"/>
+              <a:t>Một số câu hỏi</a:t>
             </a:r>
           </a:p>
         </p:txBody>
       </p:sp>
       <p:sp>
         <p:nvSpPr>
-          <p:cNvPr id="3" name="Content Placeholder 2"/>
+          <p:cNvPr id="3" name="Content Placeholder 2">
+            <a:extLst>
+              <a:ext uri="{FF2B5EF4-FFF2-40B4-BE49-F238E27FC236}">
+                <a16:creationId xmlns:a16="http://schemas.microsoft.com/office/drawing/2014/main" id="{98C5D8E6-5791-BBC3-7777-4A414C03AEA1}"/>
+              </a:ext>
+            </a:extLst>
+          </p:cNvPr>
           <p:cNvSpPr>
             <a:spLocks noGrp="1"/>
           </p:cNvSpPr>
@@ -5758,28 +6787,7 @@
           <a:bodyPr/>
           <a:lstStyle/>
           <a:p>
-            <a:r>
-              <a:rPr lang="en-US"/>
-              <a:t>Quy tắc đặt tên biến, hàm, …</a:t>
-            </a:r>
-          </a:p>
-          <a:p>
-            <a:r>
-              <a:rPr lang="en-US"/>
-              <a:t>Quy tắc cách lề, xuống dòng, …</a:t>
-            </a:r>
-          </a:p>
-          <a:p>
-            <a:r>
-              <a:rPr lang="en-US"/>
-              <a:t>Quy tắc ghi comment</a:t>
-            </a:r>
-          </a:p>
-          <a:p>
-            <a:r>
-              <a:rPr lang="en-US"/>
-              <a:t>C++ cơ bản</a:t>
-            </a:r>
+            <a:endParaRPr lang="en-VN"/>
           </a:p>
         </p:txBody>
       </p:sp>
@@ -5788,7 +6796,7 @@
           <p:cNvPr id="4" name="Slide Number Placeholder 3">
             <a:extLst>
               <a:ext uri="{FF2B5EF4-FFF2-40B4-BE49-F238E27FC236}">
-                <a16:creationId xmlns:a16="http://schemas.microsoft.com/office/drawing/2014/main" id="{9BC3737D-6DC2-9949-18DB-A8A6DF6C3E4B}"/>
+                <a16:creationId xmlns:a16="http://schemas.microsoft.com/office/drawing/2014/main" id="{F8F62B03-52A4-2A31-A5A0-829B2A0F8831}"/>
               </a:ext>
             </a:extLst>
           </p:cNvPr>
@@ -5815,7 +6823,7 @@
     </p:spTree>
     <p:extLst>
       <p:ext uri="{BB962C8B-B14F-4D97-AF65-F5344CB8AC3E}">
-        <p14:creationId xmlns:p14="http://schemas.microsoft.com/office/powerpoint/2010/main" val="1711368906"/>
+        <p14:creationId xmlns:p14="http://schemas.microsoft.com/office/powerpoint/2010/main" val="2593935580"/>
       </p:ext>
     </p:extLst>
   </p:cSld>
@@ -5849,6 +6857,230 @@
             <a:spLocks noGrp="1"/>
           </p:cNvSpPr>
           <p:nvPr>
+            <p:ph type="ctrTitle"/>
+          </p:nvPr>
+        </p:nvSpPr>
+        <p:spPr/>
+        <p:txBody>
+          <a:bodyPr/>
+          <a:lstStyle/>
+          <a:p>
+            <a:r>
+              <a:rPr lang="en-US"/>
+              <a:t>Lab 1</a:t>
+            </a:r>
+          </a:p>
+        </p:txBody>
+      </p:sp>
+      <p:sp>
+        <p:nvSpPr>
+          <p:cNvPr id="3" name="Subtitle 2"/>
+          <p:cNvSpPr>
+            <a:spLocks noGrp="1"/>
+          </p:cNvSpPr>
+          <p:nvPr>
+            <p:ph type="subTitle" idx="1"/>
+          </p:nvPr>
+        </p:nvSpPr>
+        <p:spPr/>
+        <p:txBody>
+          <a:bodyPr/>
+          <a:lstStyle/>
+          <a:p>
+            <a:r>
+              <a:rPr lang="en-US"/>
+              <a:t>Ôn tập C++</a:t>
+            </a:r>
+          </a:p>
+        </p:txBody>
+      </p:sp>
+      <p:sp>
+        <p:nvSpPr>
+          <p:cNvPr id="4" name="Slide Number Placeholder 3">
+            <a:extLst>
+              <a:ext uri="{FF2B5EF4-FFF2-40B4-BE49-F238E27FC236}">
+                <a16:creationId xmlns:a16="http://schemas.microsoft.com/office/drawing/2014/main" id="{8975A5AA-092F-F762-FC4A-5FE44A096C99}"/>
+              </a:ext>
+            </a:extLst>
+          </p:cNvPr>
+          <p:cNvSpPr>
+            <a:spLocks noGrp="1"/>
+          </p:cNvSpPr>
+          <p:nvPr>
+            <p:ph type="sldNum" sz="quarter" idx="12"/>
+          </p:nvPr>
+        </p:nvSpPr>
+        <p:spPr/>
+        <p:txBody>
+          <a:bodyPr/>
+          <a:lstStyle/>
+          <a:p>
+            <a:fld id="{9D563E13-6253-4AA0-BAE6-80A963751161}" type="slidenum">
+              <a:rPr lang="en-US" smtClean="0"/>
+              <a:t>5</a:t>
+            </a:fld>
+            <a:endParaRPr lang="en-US"/>
+          </a:p>
+        </p:txBody>
+      </p:sp>
+    </p:spTree>
+    <p:extLst>
+      <p:ext uri="{BB962C8B-B14F-4D97-AF65-F5344CB8AC3E}">
+        <p14:creationId xmlns:p14="http://schemas.microsoft.com/office/powerpoint/2010/main" val="3704687501"/>
+      </p:ext>
+    </p:extLst>
+  </p:cSld>
+  <p:clrMapOvr>
+    <a:masterClrMapping/>
+  </p:clrMapOvr>
+</p:sld>
+</file>
+
+<file path=ppt/slides/slide6.xml><?xml version="1.0" encoding="utf-8"?>
+<p:sld xmlns:a="http://schemas.openxmlformats.org/drawingml/2006/main" xmlns:r="http://schemas.openxmlformats.org/officeDocument/2006/relationships" xmlns:p="http://schemas.openxmlformats.org/presentationml/2006/main">
+  <p:cSld>
+    <p:spTree>
+      <p:nvGrpSpPr>
+        <p:cNvPr id="1" name=""/>
+        <p:cNvGrpSpPr/>
+        <p:nvPr/>
+      </p:nvGrpSpPr>
+      <p:grpSpPr>
+        <a:xfrm>
+          <a:off x="0" y="0"/>
+          <a:ext cx="0" cy="0"/>
+          <a:chOff x="0" y="0"/>
+          <a:chExt cx="0" cy="0"/>
+        </a:xfrm>
+      </p:grpSpPr>
+      <p:sp>
+        <p:nvSpPr>
+          <p:cNvPr id="2" name="Title 1"/>
+          <p:cNvSpPr>
+            <a:spLocks noGrp="1"/>
+          </p:cNvSpPr>
+          <p:nvPr>
+            <p:ph type="title"/>
+          </p:nvPr>
+        </p:nvSpPr>
+        <p:spPr/>
+        <p:txBody>
+          <a:bodyPr/>
+          <a:lstStyle/>
+          <a:p>
+            <a:r>
+              <a:rPr lang="en-US"/>
+              <a:t>1. Lý thuyết tuần 1</a:t>
+            </a:r>
+          </a:p>
+        </p:txBody>
+      </p:sp>
+      <p:sp>
+        <p:nvSpPr>
+          <p:cNvPr id="3" name="Content Placeholder 2"/>
+          <p:cNvSpPr>
+            <a:spLocks noGrp="1"/>
+          </p:cNvSpPr>
+          <p:nvPr>
+            <p:ph idx="1"/>
+          </p:nvPr>
+        </p:nvSpPr>
+        <p:spPr/>
+        <p:txBody>
+          <a:bodyPr/>
+          <a:lstStyle/>
+          <a:p>
+            <a:r>
+              <a:rPr lang="en-US"/>
+              <a:t>Quy tắc đặt tên biến, hàm, …</a:t>
+            </a:r>
+          </a:p>
+          <a:p>
+            <a:r>
+              <a:rPr lang="en-US"/>
+              <a:t>Quy tắc cách lề, xuống dòng, …</a:t>
+            </a:r>
+          </a:p>
+          <a:p>
+            <a:r>
+              <a:rPr lang="en-US"/>
+              <a:t>Quy tắc ghi comment</a:t>
+            </a:r>
+          </a:p>
+          <a:p>
+            <a:r>
+              <a:rPr lang="en-US"/>
+              <a:t>C++ cơ bản</a:t>
+            </a:r>
+          </a:p>
+        </p:txBody>
+      </p:sp>
+      <p:sp>
+        <p:nvSpPr>
+          <p:cNvPr id="4" name="Slide Number Placeholder 3">
+            <a:extLst>
+              <a:ext uri="{FF2B5EF4-FFF2-40B4-BE49-F238E27FC236}">
+                <a16:creationId xmlns:a16="http://schemas.microsoft.com/office/drawing/2014/main" id="{9BC3737D-6DC2-9949-18DB-A8A6DF6C3E4B}"/>
+              </a:ext>
+            </a:extLst>
+          </p:cNvPr>
+          <p:cNvSpPr>
+            <a:spLocks noGrp="1"/>
+          </p:cNvSpPr>
+          <p:nvPr>
+            <p:ph type="sldNum" sz="quarter" idx="12"/>
+          </p:nvPr>
+        </p:nvSpPr>
+        <p:spPr/>
+        <p:txBody>
+          <a:bodyPr/>
+          <a:lstStyle/>
+          <a:p>
+            <a:fld id="{9D563E13-6253-4AA0-BAE6-80A963751161}" type="slidenum">
+              <a:rPr lang="en-US" smtClean="0"/>
+              <a:t>6</a:t>
+            </a:fld>
+            <a:endParaRPr lang="en-US"/>
+          </a:p>
+        </p:txBody>
+      </p:sp>
+    </p:spTree>
+    <p:extLst>
+      <p:ext uri="{BB962C8B-B14F-4D97-AF65-F5344CB8AC3E}">
+        <p14:creationId xmlns:p14="http://schemas.microsoft.com/office/powerpoint/2010/main" val="1711368906"/>
+      </p:ext>
+    </p:extLst>
+  </p:cSld>
+  <p:clrMapOvr>
+    <a:masterClrMapping/>
+  </p:clrMapOvr>
+</p:sld>
+</file>
+
+<file path=ppt/slides/slide7.xml><?xml version="1.0" encoding="utf-8"?>
+<p:sld xmlns:a="http://schemas.openxmlformats.org/drawingml/2006/main" xmlns:r="http://schemas.openxmlformats.org/officeDocument/2006/relationships" xmlns:p="http://schemas.openxmlformats.org/presentationml/2006/main">
+  <p:cSld>
+    <p:spTree>
+      <p:nvGrpSpPr>
+        <p:cNvPr id="1" name=""/>
+        <p:cNvGrpSpPr/>
+        <p:nvPr/>
+      </p:nvGrpSpPr>
+      <p:grpSpPr>
+        <a:xfrm>
+          <a:off x="0" y="0"/>
+          <a:ext cx="0" cy="0"/>
+          <a:chOff x="0" y="0"/>
+          <a:chExt cx="0" cy="0"/>
+        </a:xfrm>
+      </p:grpSpPr>
+      <p:sp>
+        <p:nvSpPr>
+          <p:cNvPr id="2" name="Title 1"/>
+          <p:cNvSpPr>
+            <a:spLocks noGrp="1"/>
+          </p:cNvSpPr>
+          <p:nvPr>
             <p:ph type="title"/>
           </p:nvPr>
         </p:nvSpPr>
@@ -6045,7 +7277,7 @@
           <a:p>
             <a:fld id="{9D563E13-6253-4AA0-BAE6-80A963751161}" type="slidenum">
               <a:rPr lang="en-US" smtClean="0"/>
-              <a:t>5</a:t>
+              <a:t>7</a:t>
             </a:fld>
             <a:endParaRPr lang="en-US"/>
           </a:p>
@@ -6769,7 +8001,7 @@
 </p:sld>
 </file>
 
-<file path=ppt/slides/slide6.xml><?xml version="1.0" encoding="utf-8"?>
+<file path=ppt/slides/slide8.xml><?xml version="1.0" encoding="utf-8"?>
 <p:sld xmlns:a="http://schemas.openxmlformats.org/drawingml/2006/main" xmlns:r="http://schemas.openxmlformats.org/officeDocument/2006/relationships" xmlns:p="http://schemas.openxmlformats.org/presentationml/2006/main">
   <p:cSld>
     <p:spTree>
@@ -8074,7 +9306,7 @@
           <a:p>
             <a:fld id="{9D563E13-6253-4AA0-BAE6-80A963751161}" type="slidenum">
               <a:rPr lang="en-US" smtClean="0"/>
-              <a:t>6</a:t>
+              <a:t>8</a:t>
             </a:fld>
             <a:endParaRPr lang="en-US"/>
           </a:p>
@@ -8093,7 +9325,7 @@
 </p:sld>
 </file>
 
-<file path=ppt/slides/slide7.xml><?xml version="1.0" encoding="utf-8"?>
+<file path=ppt/slides/slide9.xml><?xml version="1.0" encoding="utf-8"?>
 <p:sld xmlns:a="http://schemas.openxmlformats.org/drawingml/2006/main" xmlns:r="http://schemas.openxmlformats.org/officeDocument/2006/relationships" xmlns:p="http://schemas.openxmlformats.org/presentationml/2006/main">
   <p:cSld>
     <p:spTree>
@@ -9510,7 +10742,7 @@
           <a:p>
             <a:fld id="{9D563E13-6253-4AA0-BAE6-80A963751161}" type="slidenum">
               <a:rPr lang="en-US" smtClean="0"/>
-              <a:t>7</a:t>
+              <a:t>9</a:t>
             </a:fld>
             <a:endParaRPr lang="en-US"/>
           </a:p>
@@ -9520,970 +10752,6 @@
     <p:extLst>
       <p:ext uri="{BB962C8B-B14F-4D97-AF65-F5344CB8AC3E}">
         <p14:creationId xmlns:p14="http://schemas.microsoft.com/office/powerpoint/2010/main" val="2643672212"/>
-      </p:ext>
-    </p:extLst>
-  </p:cSld>
-  <p:clrMapOvr>
-    <a:masterClrMapping/>
-  </p:clrMapOvr>
-</p:sld>
-</file>
-
-<file path=ppt/slides/slide8.xml><?xml version="1.0" encoding="utf-8"?>
-<p:sld xmlns:a="http://schemas.openxmlformats.org/drawingml/2006/main" xmlns:r="http://schemas.openxmlformats.org/officeDocument/2006/relationships" xmlns:p="http://schemas.openxmlformats.org/presentationml/2006/main">
-  <p:cSld>
-    <p:spTree>
-      <p:nvGrpSpPr>
-        <p:cNvPr id="1" name=""/>
-        <p:cNvGrpSpPr/>
-        <p:nvPr/>
-      </p:nvGrpSpPr>
-      <p:grpSpPr>
-        <a:xfrm>
-          <a:off x="0" y="0"/>
-          <a:ext cx="0" cy="0"/>
-          <a:chOff x="0" y="0"/>
-          <a:chExt cx="0" cy="0"/>
-        </a:xfrm>
-      </p:grpSpPr>
-      <p:sp>
-        <p:nvSpPr>
-          <p:cNvPr id="2" name="Title 1"/>
-          <p:cNvSpPr>
-            <a:spLocks noGrp="1"/>
-          </p:cNvSpPr>
-          <p:nvPr>
-            <p:ph type="title"/>
-          </p:nvPr>
-        </p:nvSpPr>
-        <p:spPr/>
-        <p:txBody>
-          <a:bodyPr/>
-          <a:lstStyle/>
-          <a:p>
-            <a:r>
-              <a:rPr lang="en-US"/>
-              <a:t>1.3. Tham chiếu &amp; Tham trị</a:t>
-            </a:r>
-          </a:p>
-        </p:txBody>
-      </p:sp>
-      <p:sp>
-        <p:nvSpPr>
-          <p:cNvPr id="3" name="Content Placeholder 2"/>
-          <p:cNvSpPr>
-            <a:spLocks noGrp="1"/>
-          </p:cNvSpPr>
-          <p:nvPr>
-            <p:ph idx="1"/>
-          </p:nvPr>
-        </p:nvSpPr>
-        <p:spPr>
-          <a:xfrm>
-            <a:off x="968828" y="1825625"/>
-            <a:ext cx="7260772" cy="747758"/>
-          </a:xfrm>
-        </p:spPr>
-        <p:txBody>
-          <a:bodyPr>
-            <a:normAutofit/>
-          </a:bodyPr>
-          <a:lstStyle/>
-          <a:p>
-            <a:pPr marL="0" indent="0">
-              <a:buNone/>
-            </a:pPr>
-            <a:r>
-              <a:rPr lang="en-US"/>
-              <a:t>Deep copy (tham chiếu)</a:t>
-            </a:r>
-          </a:p>
-        </p:txBody>
-      </p:sp>
-      <p:graphicFrame>
-        <p:nvGraphicFramePr>
-          <p:cNvPr id="4" name="Table 3"/>
-          <p:cNvGraphicFramePr>
-            <a:graphicFrameLocks noGrp="1"/>
-          </p:cNvGraphicFramePr>
-          <p:nvPr>
-            <p:extLst>
-              <p:ext uri="{D42A27DB-BD31-4B8C-83A1-F6EECF244321}">
-                <p14:modId xmlns:p14="http://schemas.microsoft.com/office/powerpoint/2010/main" val="1742721913"/>
-              </p:ext>
-            </p:extLst>
-          </p:nvPr>
-        </p:nvGraphicFramePr>
-        <p:xfrm>
-          <a:off x="968828" y="2888774"/>
-          <a:ext cx="1709057" cy="1463040"/>
-        </p:xfrm>
-        <a:graphic>
-          <a:graphicData uri="http://schemas.openxmlformats.org/drawingml/2006/table">
-            <a:tbl>
-              <a:tblPr>
-                <a:tableStyleId>{5C22544A-7EE6-4342-B048-85BDC9FD1C3A}</a:tableStyleId>
-              </a:tblPr>
-              <a:tblGrid>
-                <a:gridCol w="1709057">
-                  <a:extLst>
-                    <a:ext uri="{9D8B030D-6E8A-4147-A177-3AD203B41FA5}">
-                      <a16:colId xmlns:a16="http://schemas.microsoft.com/office/drawing/2014/main" val="1234399600"/>
-                    </a:ext>
-                  </a:extLst>
-                </a:gridCol>
-              </a:tblGrid>
-              <a:tr h="370840">
-                <a:tc>
-                  <a:txBody>
-                    <a:bodyPr/>
-                    <a:lstStyle/>
-                    <a:p>
-                      <a:r>
-                        <a:rPr lang="en-US" sz="2600"/>
-                        <a:t>int a</a:t>
-                      </a:r>
-                    </a:p>
-                  </a:txBody>
-                  <a:tcPr>
-                    <a:lnL w="12700" cap="flat" cmpd="sng" algn="ctr">
-                      <a:solidFill>
-                        <a:schemeClr val="tx1"/>
-                      </a:solidFill>
-                      <a:prstDash val="solid"/>
-                      <a:round/>
-                      <a:headEnd type="none" w="med" len="med"/>
-                      <a:tailEnd type="none" w="med" len="med"/>
-                    </a:lnL>
-                    <a:lnR w="12700" cap="flat" cmpd="sng" algn="ctr">
-                      <a:solidFill>
-                        <a:schemeClr val="tx1"/>
-                      </a:solidFill>
-                      <a:prstDash val="solid"/>
-                      <a:round/>
-                      <a:headEnd type="none" w="med" len="med"/>
-                      <a:tailEnd type="none" w="med" len="med"/>
-                    </a:lnR>
-                    <a:lnT w="12700" cap="flat" cmpd="sng" algn="ctr">
-                      <a:solidFill>
-                        <a:schemeClr val="tx1"/>
-                      </a:solidFill>
-                      <a:prstDash val="solid"/>
-                      <a:round/>
-                      <a:headEnd type="none" w="med" len="med"/>
-                      <a:tailEnd type="none" w="med" len="med"/>
-                    </a:lnT>
-                    <a:lnB w="12700" cap="flat" cmpd="sng" algn="ctr">
-                      <a:solidFill>
-                        <a:schemeClr val="tx1"/>
-                      </a:solidFill>
-                      <a:prstDash val="solid"/>
-                      <a:round/>
-                      <a:headEnd type="none" w="med" len="med"/>
-                      <a:tailEnd type="none" w="med" len="med"/>
-                    </a:lnB>
-                    <a:solidFill>
-                      <a:schemeClr val="bg1"/>
-                    </a:solidFill>
-                  </a:tcPr>
-                </a:tc>
-                <a:extLst>
-                  <a:ext uri="{0D108BD9-81ED-4DB2-BD59-A6C34878D82A}">
-                    <a16:rowId xmlns:a16="http://schemas.microsoft.com/office/drawing/2014/main" val="140790062"/>
-                  </a:ext>
-                </a:extLst>
-              </a:tr>
-              <a:tr h="370840">
-                <a:tc>
-                  <a:txBody>
-                    <a:bodyPr/>
-                    <a:lstStyle/>
-                    <a:p>
-                      <a:r>
-                        <a:rPr lang="en-US" sz="2600"/>
-                        <a:t>int &amp;b</a:t>
-                      </a:r>
-                    </a:p>
-                  </a:txBody>
-                  <a:tcPr>
-                    <a:lnL w="12700" cap="flat" cmpd="sng" algn="ctr">
-                      <a:solidFill>
-                        <a:schemeClr val="tx1"/>
-                      </a:solidFill>
-                      <a:prstDash val="solid"/>
-                      <a:round/>
-                      <a:headEnd type="none" w="med" len="med"/>
-                      <a:tailEnd type="none" w="med" len="med"/>
-                    </a:lnL>
-                    <a:lnR w="12700" cap="flat" cmpd="sng" algn="ctr">
-                      <a:solidFill>
-                        <a:schemeClr val="tx1"/>
-                      </a:solidFill>
-                      <a:prstDash val="solid"/>
-                      <a:round/>
-                      <a:headEnd type="none" w="med" len="med"/>
-                      <a:tailEnd type="none" w="med" len="med"/>
-                    </a:lnR>
-                    <a:lnT w="12700" cap="flat" cmpd="sng" algn="ctr">
-                      <a:solidFill>
-                        <a:schemeClr val="tx1"/>
-                      </a:solidFill>
-                      <a:prstDash val="solid"/>
-                      <a:round/>
-                      <a:headEnd type="none" w="med" len="med"/>
-                      <a:tailEnd type="none" w="med" len="med"/>
-                    </a:lnT>
-                    <a:lnB w="12700" cap="flat" cmpd="sng" algn="ctr">
-                      <a:solidFill>
-                        <a:schemeClr val="tx1"/>
-                      </a:solidFill>
-                      <a:prstDash val="solid"/>
-                      <a:round/>
-                      <a:headEnd type="none" w="med" len="med"/>
-                      <a:tailEnd type="none" w="med" len="med"/>
-                    </a:lnB>
-                    <a:solidFill>
-                      <a:schemeClr val="bg1"/>
-                    </a:solidFill>
-                  </a:tcPr>
-                </a:tc>
-                <a:extLst>
-                  <a:ext uri="{0D108BD9-81ED-4DB2-BD59-A6C34878D82A}">
-                    <a16:rowId xmlns:a16="http://schemas.microsoft.com/office/drawing/2014/main" val="2051485560"/>
-                  </a:ext>
-                </a:extLst>
-              </a:tr>
-              <a:tr h="370840">
-                <a:tc>
-                  <a:txBody>
-                    <a:bodyPr/>
-                    <a:lstStyle/>
-                    <a:p>
-                      <a:r>
-                        <a:rPr lang="en-US" sz="2600" b="1"/>
-                        <a:t>RAM</a:t>
-                      </a:r>
-                    </a:p>
-                  </a:txBody>
-                  <a:tcPr>
-                    <a:lnL w="12700" cap="flat" cmpd="sng" algn="ctr">
-                      <a:solidFill>
-                        <a:schemeClr val="tx1"/>
-                      </a:solidFill>
-                      <a:prstDash val="solid"/>
-                      <a:round/>
-                      <a:headEnd type="none" w="med" len="med"/>
-                      <a:tailEnd type="none" w="med" len="med"/>
-                    </a:lnL>
-                    <a:lnR w="12700" cap="flat" cmpd="sng" algn="ctr">
-                      <a:solidFill>
-                        <a:schemeClr val="tx1"/>
-                      </a:solidFill>
-                      <a:prstDash val="solid"/>
-                      <a:round/>
-                      <a:headEnd type="none" w="med" len="med"/>
-                      <a:tailEnd type="none" w="med" len="med"/>
-                    </a:lnR>
-                    <a:lnT w="12700" cap="flat" cmpd="sng" algn="ctr">
-                      <a:solidFill>
-                        <a:schemeClr val="tx1"/>
-                      </a:solidFill>
-                      <a:prstDash val="solid"/>
-                      <a:round/>
-                      <a:headEnd type="none" w="med" len="med"/>
-                      <a:tailEnd type="none" w="med" len="med"/>
-                    </a:lnT>
-                    <a:lnB w="12700" cap="flat" cmpd="sng" algn="ctr">
-                      <a:solidFill>
-                        <a:schemeClr val="tx1"/>
-                      </a:solidFill>
-                      <a:prstDash val="solid"/>
-                      <a:round/>
-                      <a:headEnd type="none" w="med" len="med"/>
-                      <a:tailEnd type="none" w="med" len="med"/>
-                    </a:lnB>
-                    <a:solidFill>
-                      <a:schemeClr val="bg1"/>
-                    </a:solidFill>
-                  </a:tcPr>
-                </a:tc>
-                <a:extLst>
-                  <a:ext uri="{0D108BD9-81ED-4DB2-BD59-A6C34878D82A}">
-                    <a16:rowId xmlns:a16="http://schemas.microsoft.com/office/drawing/2014/main" val="3385658485"/>
-                  </a:ext>
-                </a:extLst>
-              </a:tr>
-            </a:tbl>
-          </a:graphicData>
-        </a:graphic>
-      </p:graphicFrame>
-      <p:graphicFrame>
-        <p:nvGraphicFramePr>
-          <p:cNvPr id="5" name="Table 4"/>
-          <p:cNvGraphicFramePr>
-            <a:graphicFrameLocks noGrp="1"/>
-          </p:cNvGraphicFramePr>
-          <p:nvPr>
-            <p:extLst>
-              <p:ext uri="{D42A27DB-BD31-4B8C-83A1-F6EECF244321}">
-                <p14:modId xmlns:p14="http://schemas.microsoft.com/office/powerpoint/2010/main" val="182732867"/>
-              </p:ext>
-            </p:extLst>
-          </p:nvPr>
-        </p:nvGraphicFramePr>
-        <p:xfrm>
-          <a:off x="4687388" y="2888774"/>
-          <a:ext cx="1709057" cy="1463040"/>
-        </p:xfrm>
-        <a:graphic>
-          <a:graphicData uri="http://schemas.openxmlformats.org/drawingml/2006/table">
-            <a:tbl>
-              <a:tblPr>
-                <a:tableStyleId>{5C22544A-7EE6-4342-B048-85BDC9FD1C3A}</a:tableStyleId>
-              </a:tblPr>
-              <a:tblGrid>
-                <a:gridCol w="1709057">
-                  <a:extLst>
-                    <a:ext uri="{9D8B030D-6E8A-4147-A177-3AD203B41FA5}">
-                      <a16:colId xmlns:a16="http://schemas.microsoft.com/office/drawing/2014/main" val="1234399600"/>
-                    </a:ext>
-                  </a:extLst>
-                </a:gridCol>
-              </a:tblGrid>
-              <a:tr h="370840">
-                <a:tc>
-                  <a:txBody>
-                    <a:bodyPr/>
-                    <a:lstStyle/>
-                    <a:p>
-                      <a:r>
-                        <a:rPr lang="en-US" sz="2600"/>
-                        <a:t>5</a:t>
-                      </a:r>
-                    </a:p>
-                  </a:txBody>
-                  <a:tcPr>
-                    <a:lnL w="12700" cap="flat" cmpd="sng" algn="ctr">
-                      <a:solidFill>
-                        <a:schemeClr val="tx1"/>
-                      </a:solidFill>
-                      <a:prstDash val="solid"/>
-                      <a:round/>
-                      <a:headEnd type="none" w="med" len="med"/>
-                      <a:tailEnd type="none" w="med" len="med"/>
-                    </a:lnL>
-                    <a:lnR w="12700" cap="flat" cmpd="sng" algn="ctr">
-                      <a:solidFill>
-                        <a:schemeClr val="tx1"/>
-                      </a:solidFill>
-                      <a:prstDash val="solid"/>
-                      <a:round/>
-                      <a:headEnd type="none" w="med" len="med"/>
-                      <a:tailEnd type="none" w="med" len="med"/>
-                    </a:lnR>
-                    <a:lnT w="12700" cap="flat" cmpd="sng" algn="ctr">
-                      <a:solidFill>
-                        <a:schemeClr val="tx1"/>
-                      </a:solidFill>
-                      <a:prstDash val="solid"/>
-                      <a:round/>
-                      <a:headEnd type="none" w="med" len="med"/>
-                      <a:tailEnd type="none" w="med" len="med"/>
-                    </a:lnT>
-                    <a:lnB w="12700" cap="flat" cmpd="sng" algn="ctr">
-                      <a:solidFill>
-                        <a:schemeClr val="tx1"/>
-                      </a:solidFill>
-                      <a:prstDash val="solid"/>
-                      <a:round/>
-                      <a:headEnd type="none" w="med" len="med"/>
-                      <a:tailEnd type="none" w="med" len="med"/>
-                    </a:lnB>
-                    <a:solidFill>
-                      <a:schemeClr val="bg1"/>
-                    </a:solidFill>
-                  </a:tcPr>
-                </a:tc>
-                <a:extLst>
-                  <a:ext uri="{0D108BD9-81ED-4DB2-BD59-A6C34878D82A}">
-                    <a16:rowId xmlns:a16="http://schemas.microsoft.com/office/drawing/2014/main" val="140790062"/>
-                  </a:ext>
-                </a:extLst>
-              </a:tr>
-              <a:tr h="370840">
-                <a:tc>
-                  <a:txBody>
-                    <a:bodyPr/>
-                    <a:lstStyle/>
-                    <a:p>
-                      <a:r>
-                        <a:rPr lang="en-US" sz="2600"/>
-                        <a:t>…</a:t>
-                      </a:r>
-                    </a:p>
-                  </a:txBody>
-                  <a:tcPr>
-                    <a:lnL w="12700" cap="flat" cmpd="sng" algn="ctr">
-                      <a:solidFill>
-                        <a:schemeClr val="tx1"/>
-                      </a:solidFill>
-                      <a:prstDash val="solid"/>
-                      <a:round/>
-                      <a:headEnd type="none" w="med" len="med"/>
-                      <a:tailEnd type="none" w="med" len="med"/>
-                    </a:lnL>
-                    <a:lnR w="12700" cap="flat" cmpd="sng" algn="ctr">
-                      <a:solidFill>
-                        <a:schemeClr val="tx1"/>
-                      </a:solidFill>
-                      <a:prstDash val="solid"/>
-                      <a:round/>
-                      <a:headEnd type="none" w="med" len="med"/>
-                      <a:tailEnd type="none" w="med" len="med"/>
-                    </a:lnR>
-                    <a:lnT w="12700" cap="flat" cmpd="sng" algn="ctr">
-                      <a:solidFill>
-                        <a:schemeClr val="tx1"/>
-                      </a:solidFill>
-                      <a:prstDash val="solid"/>
-                      <a:round/>
-                      <a:headEnd type="none" w="med" len="med"/>
-                      <a:tailEnd type="none" w="med" len="med"/>
-                    </a:lnT>
-                    <a:lnB w="12700" cap="flat" cmpd="sng" algn="ctr">
-                      <a:solidFill>
-                        <a:schemeClr val="tx1"/>
-                      </a:solidFill>
-                      <a:prstDash val="solid"/>
-                      <a:round/>
-                      <a:headEnd type="none" w="med" len="med"/>
-                      <a:tailEnd type="none" w="med" len="med"/>
-                    </a:lnB>
-                    <a:solidFill>
-                      <a:schemeClr val="bg1"/>
-                    </a:solidFill>
-                  </a:tcPr>
-                </a:tc>
-                <a:extLst>
-                  <a:ext uri="{0D108BD9-81ED-4DB2-BD59-A6C34878D82A}">
-                    <a16:rowId xmlns:a16="http://schemas.microsoft.com/office/drawing/2014/main" val="2051485560"/>
-                  </a:ext>
-                </a:extLst>
-              </a:tr>
-              <a:tr h="370840">
-                <a:tc>
-                  <a:txBody>
-                    <a:bodyPr/>
-                    <a:lstStyle/>
-                    <a:p>
-                      <a:r>
-                        <a:rPr lang="en-US" sz="2600" b="1"/>
-                        <a:t>RAM</a:t>
-                      </a:r>
-                    </a:p>
-                  </a:txBody>
-                  <a:tcPr>
-                    <a:lnL w="12700" cap="flat" cmpd="sng" algn="ctr">
-                      <a:solidFill>
-                        <a:schemeClr val="tx1"/>
-                      </a:solidFill>
-                      <a:prstDash val="solid"/>
-                      <a:round/>
-                      <a:headEnd type="none" w="med" len="med"/>
-                      <a:tailEnd type="none" w="med" len="med"/>
-                    </a:lnL>
-                    <a:lnR w="12700" cap="flat" cmpd="sng" algn="ctr">
-                      <a:solidFill>
-                        <a:schemeClr val="tx1"/>
-                      </a:solidFill>
-                      <a:prstDash val="solid"/>
-                      <a:round/>
-                      <a:headEnd type="none" w="med" len="med"/>
-                      <a:tailEnd type="none" w="med" len="med"/>
-                    </a:lnR>
-                    <a:lnT w="12700" cap="flat" cmpd="sng" algn="ctr">
-                      <a:solidFill>
-                        <a:schemeClr val="tx1"/>
-                      </a:solidFill>
-                      <a:prstDash val="solid"/>
-                      <a:round/>
-                      <a:headEnd type="none" w="med" len="med"/>
-                      <a:tailEnd type="none" w="med" len="med"/>
-                    </a:lnT>
-                    <a:lnB w="12700" cap="flat" cmpd="sng" algn="ctr">
-                      <a:solidFill>
-                        <a:schemeClr val="tx1"/>
-                      </a:solidFill>
-                      <a:prstDash val="solid"/>
-                      <a:round/>
-                      <a:headEnd type="none" w="med" len="med"/>
-                      <a:tailEnd type="none" w="med" len="med"/>
-                    </a:lnB>
-                    <a:solidFill>
-                      <a:schemeClr val="bg1"/>
-                    </a:solidFill>
-                  </a:tcPr>
-                </a:tc>
-                <a:extLst>
-                  <a:ext uri="{0D108BD9-81ED-4DB2-BD59-A6C34878D82A}">
-                    <a16:rowId xmlns:a16="http://schemas.microsoft.com/office/drawing/2014/main" val="3385658485"/>
-                  </a:ext>
-                </a:extLst>
-              </a:tr>
-            </a:tbl>
-          </a:graphicData>
-        </a:graphic>
-      </p:graphicFrame>
-      <p:cxnSp>
-        <p:nvCxnSpPr>
-          <p:cNvPr id="19" name="Straight Arrow Connector 18"/>
-          <p:cNvCxnSpPr/>
-          <p:nvPr/>
-        </p:nvCxnSpPr>
-        <p:spPr>
-          <a:xfrm>
-            <a:off x="2677885" y="3135086"/>
-            <a:ext cx="2009503" cy="0"/>
-          </a:xfrm>
-          <a:prstGeom prst="straightConnector1">
-            <a:avLst/>
-          </a:prstGeom>
-          <a:ln w="38100">
-            <a:solidFill>
-              <a:schemeClr val="tx1"/>
-            </a:solidFill>
-            <a:tailEnd type="triangle"/>
-          </a:ln>
-        </p:spPr>
-        <p:style>
-          <a:lnRef idx="1">
-            <a:schemeClr val="accent1"/>
-          </a:lnRef>
-          <a:fillRef idx="0">
-            <a:schemeClr val="accent1"/>
-          </a:fillRef>
-          <a:effectRef idx="0">
-            <a:schemeClr val="accent1"/>
-          </a:effectRef>
-          <a:fontRef idx="minor">
-            <a:schemeClr val="tx1"/>
-          </a:fontRef>
-        </p:style>
-      </p:cxnSp>
-      <p:sp>
-        <p:nvSpPr>
-          <p:cNvPr id="31" name="Content Placeholder 2"/>
-          <p:cNvSpPr txBox="1">
-            <a:spLocks/>
-          </p:cNvSpPr>
-          <p:nvPr/>
-        </p:nvSpPr>
-        <p:spPr>
-          <a:xfrm>
-            <a:off x="968828" y="4976213"/>
-            <a:ext cx="7260772" cy="1411524"/>
-          </a:xfrm>
-          <a:prstGeom prst="rect">
-            <a:avLst/>
-          </a:prstGeom>
-        </p:spPr>
-        <p:txBody>
-          <a:bodyPr vert="horz" lIns="91440" tIns="45720" rIns="91440" bIns="45720" rtlCol="0">
-            <a:normAutofit/>
-          </a:bodyPr>
-          <a:lstStyle>
-            <a:lvl1pPr marL="228600" indent="-228600" algn="l" defTabSz="914400" rtl="0" eaLnBrk="1" latinLnBrk="0" hangingPunct="1">
-              <a:lnSpc>
-                <a:spcPct val="90000"/>
-              </a:lnSpc>
-              <a:spcBef>
-                <a:spcPts val="1000"/>
-              </a:spcBef>
-              <a:buFont typeface="Arial" panose="020B0604020202020204" pitchFamily="34" charset="0"/>
-              <a:buChar char="•"/>
-              <a:defRPr sz="2800" kern="1200">
-                <a:solidFill>
-                  <a:schemeClr val="tx1"/>
-                </a:solidFill>
-                <a:latin typeface="+mn-lt"/>
-                <a:ea typeface="+mn-ea"/>
-                <a:cs typeface="+mn-cs"/>
-              </a:defRPr>
-            </a:lvl1pPr>
-            <a:lvl2pPr marL="685800" indent="-228600" algn="l" defTabSz="914400" rtl="0" eaLnBrk="1" latinLnBrk="0" hangingPunct="1">
-              <a:lnSpc>
-                <a:spcPct val="90000"/>
-              </a:lnSpc>
-              <a:spcBef>
-                <a:spcPts val="500"/>
-              </a:spcBef>
-              <a:buFont typeface="Arial" panose="020B0604020202020204" pitchFamily="34" charset="0"/>
-              <a:buChar char="•"/>
-              <a:defRPr sz="2400" kern="1200">
-                <a:solidFill>
-                  <a:schemeClr val="tx1"/>
-                </a:solidFill>
-                <a:latin typeface="+mn-lt"/>
-                <a:ea typeface="+mn-ea"/>
-                <a:cs typeface="+mn-cs"/>
-              </a:defRPr>
-            </a:lvl2pPr>
-            <a:lvl3pPr marL="1143000" indent="-228600" algn="l" defTabSz="914400" rtl="0" eaLnBrk="1" latinLnBrk="0" hangingPunct="1">
-              <a:lnSpc>
-                <a:spcPct val="90000"/>
-              </a:lnSpc>
-              <a:spcBef>
-                <a:spcPts val="500"/>
-              </a:spcBef>
-              <a:buFont typeface="Arial" panose="020B0604020202020204" pitchFamily="34" charset="0"/>
-              <a:buChar char="•"/>
-              <a:defRPr sz="2000" kern="1200">
-                <a:solidFill>
-                  <a:schemeClr val="tx1"/>
-                </a:solidFill>
-                <a:latin typeface="+mn-lt"/>
-                <a:ea typeface="+mn-ea"/>
-                <a:cs typeface="+mn-cs"/>
-              </a:defRPr>
-            </a:lvl3pPr>
-            <a:lvl4pPr marL="1600200" indent="-228600" algn="l" defTabSz="914400" rtl="0" eaLnBrk="1" latinLnBrk="0" hangingPunct="1">
-              <a:lnSpc>
-                <a:spcPct val="90000"/>
-              </a:lnSpc>
-              <a:spcBef>
-                <a:spcPts val="500"/>
-              </a:spcBef>
-              <a:buFont typeface="Arial" panose="020B0604020202020204" pitchFamily="34" charset="0"/>
-              <a:buChar char="•"/>
-              <a:defRPr sz="1800" kern="1200">
-                <a:solidFill>
-                  <a:schemeClr val="tx1"/>
-                </a:solidFill>
-                <a:latin typeface="+mn-lt"/>
-                <a:ea typeface="+mn-ea"/>
-                <a:cs typeface="+mn-cs"/>
-              </a:defRPr>
-            </a:lvl4pPr>
-            <a:lvl5pPr marL="2057400" indent="-228600" algn="l" defTabSz="914400" rtl="0" eaLnBrk="1" latinLnBrk="0" hangingPunct="1">
-              <a:lnSpc>
-                <a:spcPct val="90000"/>
-              </a:lnSpc>
-              <a:spcBef>
-                <a:spcPts val="500"/>
-              </a:spcBef>
-              <a:buFont typeface="Arial" panose="020B0604020202020204" pitchFamily="34" charset="0"/>
-              <a:buChar char="•"/>
-              <a:defRPr sz="1800" kern="1200">
-                <a:solidFill>
-                  <a:schemeClr val="tx1"/>
-                </a:solidFill>
-                <a:latin typeface="+mn-lt"/>
-                <a:ea typeface="+mn-ea"/>
-                <a:cs typeface="+mn-cs"/>
-              </a:defRPr>
-            </a:lvl5pPr>
-            <a:lvl6pPr marL="2514600" indent="-228600" algn="l" defTabSz="914400" rtl="0" eaLnBrk="1" latinLnBrk="0" hangingPunct="1">
-              <a:lnSpc>
-                <a:spcPct val="90000"/>
-              </a:lnSpc>
-              <a:spcBef>
-                <a:spcPts val="500"/>
-              </a:spcBef>
-              <a:buFont typeface="Arial" panose="020B0604020202020204" pitchFamily="34" charset="0"/>
-              <a:buChar char="•"/>
-              <a:defRPr sz="1800" kern="1200">
-                <a:solidFill>
-                  <a:schemeClr val="tx1"/>
-                </a:solidFill>
-                <a:latin typeface="+mn-lt"/>
-                <a:ea typeface="+mn-ea"/>
-                <a:cs typeface="+mn-cs"/>
-              </a:defRPr>
-            </a:lvl6pPr>
-            <a:lvl7pPr marL="2971800" indent="-228600" algn="l" defTabSz="914400" rtl="0" eaLnBrk="1" latinLnBrk="0" hangingPunct="1">
-              <a:lnSpc>
-                <a:spcPct val="90000"/>
-              </a:lnSpc>
-              <a:spcBef>
-                <a:spcPts val="500"/>
-              </a:spcBef>
-              <a:buFont typeface="Arial" panose="020B0604020202020204" pitchFamily="34" charset="0"/>
-              <a:buChar char="•"/>
-              <a:defRPr sz="1800" kern="1200">
-                <a:solidFill>
-                  <a:schemeClr val="tx1"/>
-                </a:solidFill>
-                <a:latin typeface="+mn-lt"/>
-                <a:ea typeface="+mn-ea"/>
-                <a:cs typeface="+mn-cs"/>
-              </a:defRPr>
-            </a:lvl7pPr>
-            <a:lvl8pPr marL="3429000" indent="-228600" algn="l" defTabSz="914400" rtl="0" eaLnBrk="1" latinLnBrk="0" hangingPunct="1">
-              <a:lnSpc>
-                <a:spcPct val="90000"/>
-              </a:lnSpc>
-              <a:spcBef>
-                <a:spcPts val="500"/>
-              </a:spcBef>
-              <a:buFont typeface="Arial" panose="020B0604020202020204" pitchFamily="34" charset="0"/>
-              <a:buChar char="•"/>
-              <a:defRPr sz="1800" kern="1200">
-                <a:solidFill>
-                  <a:schemeClr val="tx1"/>
-                </a:solidFill>
-                <a:latin typeface="+mn-lt"/>
-                <a:ea typeface="+mn-ea"/>
-                <a:cs typeface="+mn-cs"/>
-              </a:defRPr>
-            </a:lvl8pPr>
-            <a:lvl9pPr marL="3886200" indent="-228600" algn="l" defTabSz="914400" rtl="0" eaLnBrk="1" latinLnBrk="0" hangingPunct="1">
-              <a:lnSpc>
-                <a:spcPct val="90000"/>
-              </a:lnSpc>
-              <a:spcBef>
-                <a:spcPts val="500"/>
-              </a:spcBef>
-              <a:buFont typeface="Arial" panose="020B0604020202020204" pitchFamily="34" charset="0"/>
-              <a:buChar char="•"/>
-              <a:defRPr sz="1800" kern="1200">
-                <a:solidFill>
-                  <a:schemeClr val="tx1"/>
-                </a:solidFill>
-                <a:latin typeface="+mn-lt"/>
-                <a:ea typeface="+mn-ea"/>
-                <a:cs typeface="+mn-cs"/>
-              </a:defRPr>
-            </a:lvl9pPr>
-          </a:lstStyle>
-          <a:p>
-            <a:pPr marL="0" indent="0">
-              <a:buFont typeface="Arial" panose="020B0604020202020204" pitchFamily="34" charset="0"/>
-              <a:buNone/>
-            </a:pPr>
-            <a:r>
-              <a:rPr lang="en-US"/>
-              <a:t>int a = 5;</a:t>
-            </a:r>
-          </a:p>
-          <a:p>
-            <a:pPr marL="0" indent="0">
-              <a:buFont typeface="Arial" panose="020B0604020202020204" pitchFamily="34" charset="0"/>
-              <a:buNone/>
-            </a:pPr>
-            <a:r>
-              <a:rPr lang="en-US"/>
-              <a:t>int &amp;b = a;</a:t>
-            </a:r>
-          </a:p>
-        </p:txBody>
-      </p:sp>
-      <p:cxnSp>
-        <p:nvCxnSpPr>
-          <p:cNvPr id="14" name="Straight Arrow Connector 13"/>
-          <p:cNvCxnSpPr>
-            <a:stCxn id="4" idx="3"/>
-          </p:cNvCxnSpPr>
-          <p:nvPr/>
-        </p:nvCxnSpPr>
-        <p:spPr>
-          <a:xfrm flipV="1">
-            <a:off x="2677885" y="3262652"/>
-            <a:ext cx="2009503" cy="357642"/>
-          </a:xfrm>
-          <a:prstGeom prst="straightConnector1">
-            <a:avLst/>
-          </a:prstGeom>
-          <a:ln w="38100">
-            <a:solidFill>
-              <a:schemeClr val="tx1"/>
-            </a:solidFill>
-            <a:tailEnd type="triangle"/>
-          </a:ln>
-        </p:spPr>
-        <p:style>
-          <a:lnRef idx="1">
-            <a:schemeClr val="accent1"/>
-          </a:lnRef>
-          <a:fillRef idx="0">
-            <a:schemeClr val="accent1"/>
-          </a:fillRef>
-          <a:effectRef idx="0">
-            <a:schemeClr val="accent1"/>
-          </a:effectRef>
-          <a:fontRef idx="minor">
-            <a:schemeClr val="tx1"/>
-          </a:fontRef>
-        </p:style>
-      </p:cxnSp>
-      <p:sp>
-        <p:nvSpPr>
-          <p:cNvPr id="6" name="Slide Number Placeholder 5">
-            <a:extLst>
-              <a:ext uri="{FF2B5EF4-FFF2-40B4-BE49-F238E27FC236}">
-                <a16:creationId xmlns:a16="http://schemas.microsoft.com/office/drawing/2014/main" id="{017EDD38-BB96-7263-F901-63271DCF20EE}"/>
-              </a:ext>
-            </a:extLst>
-          </p:cNvPr>
-          <p:cNvSpPr>
-            <a:spLocks noGrp="1"/>
-          </p:cNvSpPr>
-          <p:nvPr>
-            <p:ph type="sldNum" sz="quarter" idx="12"/>
-          </p:nvPr>
-        </p:nvSpPr>
-        <p:spPr/>
-        <p:txBody>
-          <a:bodyPr/>
-          <a:lstStyle/>
-          <a:p>
-            <a:fld id="{9D563E13-6253-4AA0-BAE6-80A963751161}" type="slidenum">
-              <a:rPr lang="en-US" smtClean="0"/>
-              <a:t>8</a:t>
-            </a:fld>
-            <a:endParaRPr lang="en-US"/>
-          </a:p>
-        </p:txBody>
-      </p:sp>
-    </p:spTree>
-    <p:extLst>
-      <p:ext uri="{BB962C8B-B14F-4D97-AF65-F5344CB8AC3E}">
-        <p14:creationId xmlns:p14="http://schemas.microsoft.com/office/powerpoint/2010/main" val="2900171510"/>
-      </p:ext>
-    </p:extLst>
-  </p:cSld>
-  <p:clrMapOvr>
-    <a:masterClrMapping/>
-  </p:clrMapOvr>
-</p:sld>
-</file>
-
-<file path=ppt/slides/slide9.xml><?xml version="1.0" encoding="utf-8"?>
-<p:sld xmlns:a="http://schemas.openxmlformats.org/drawingml/2006/main" xmlns:r="http://schemas.openxmlformats.org/officeDocument/2006/relationships" xmlns:p="http://schemas.openxmlformats.org/presentationml/2006/main">
-  <p:cSld>
-    <p:spTree>
-      <p:nvGrpSpPr>
-        <p:cNvPr id="1" name=""/>
-        <p:cNvGrpSpPr/>
-        <p:nvPr/>
-      </p:nvGrpSpPr>
-      <p:grpSpPr>
-        <a:xfrm>
-          <a:off x="0" y="0"/>
-          <a:ext cx="0" cy="0"/>
-          <a:chOff x="0" y="0"/>
-          <a:chExt cx="0" cy="0"/>
-        </a:xfrm>
-      </p:grpSpPr>
-      <p:sp>
-        <p:nvSpPr>
-          <p:cNvPr id="2" name="Title 1">
-            <a:extLst>
-              <a:ext uri="{FF2B5EF4-FFF2-40B4-BE49-F238E27FC236}">
-                <a16:creationId xmlns:a16="http://schemas.microsoft.com/office/drawing/2014/main" id="{67D3186F-ACA5-2CDC-07A3-119704A9ACFA}"/>
-              </a:ext>
-            </a:extLst>
-          </p:cNvPr>
-          <p:cNvSpPr>
-            <a:spLocks noGrp="1"/>
-          </p:cNvSpPr>
-          <p:nvPr>
-            <p:ph type="title"/>
-          </p:nvPr>
-        </p:nvSpPr>
-        <p:spPr/>
-        <p:txBody>
-          <a:bodyPr/>
-          <a:lstStyle/>
-          <a:p>
-            <a:r>
-              <a:rPr lang="en-VN"/>
-              <a:t>1.4. Một số mẹo hữu ích</a:t>
-            </a:r>
-          </a:p>
-        </p:txBody>
-      </p:sp>
-      <p:sp>
-        <p:nvSpPr>
-          <p:cNvPr id="3" name="Content Placeholder 2">
-            <a:extLst>
-              <a:ext uri="{FF2B5EF4-FFF2-40B4-BE49-F238E27FC236}">
-                <a16:creationId xmlns:a16="http://schemas.microsoft.com/office/drawing/2014/main" id="{04C32ADA-8D2E-7714-C5A9-ED45B77311B2}"/>
-              </a:ext>
-            </a:extLst>
-          </p:cNvPr>
-          <p:cNvSpPr>
-            <a:spLocks noGrp="1"/>
-          </p:cNvSpPr>
-          <p:nvPr>
-            <p:ph idx="1"/>
-          </p:nvPr>
-        </p:nvSpPr>
-        <p:spPr/>
-        <p:txBody>
-          <a:bodyPr/>
-          <a:lstStyle/>
-          <a:p>
-            <a:pPr marL="0" indent="0">
-              <a:buNone/>
-            </a:pPr>
-            <a:r>
-              <a:rPr lang="en-VN"/>
-              <a:t>+ Từ khoá auto.</a:t>
-            </a:r>
-          </a:p>
-          <a:p>
-            <a:pPr marL="0" indent="0">
-              <a:buNone/>
-            </a:pPr>
-            <a:r>
-              <a:rPr lang="en-VN"/>
-              <a:t>+ Đối tượng vector&lt;&gt; để tạo kiểu dữ liệu 1 chiều, hoặc vector&lt;vector&lt;&gt;&gt; để tạo kiểu dữ liệu 2 chiều.</a:t>
-            </a:r>
-          </a:p>
-          <a:p>
-            <a:pPr marL="0" indent="0">
-              <a:buNone/>
-            </a:pPr>
-            <a:r>
-              <a:rPr lang="en-VN"/>
-              <a:t>+ CTDL stack, queue, tree, hashmap, …</a:t>
-            </a:r>
-          </a:p>
-        </p:txBody>
-      </p:sp>
-      <p:sp>
-        <p:nvSpPr>
-          <p:cNvPr id="4" name="Slide Number Placeholder 3">
-            <a:extLst>
-              <a:ext uri="{FF2B5EF4-FFF2-40B4-BE49-F238E27FC236}">
-                <a16:creationId xmlns:a16="http://schemas.microsoft.com/office/drawing/2014/main" id="{CE27A83D-8964-2019-7D8B-8AD866667413}"/>
-              </a:ext>
-            </a:extLst>
-          </p:cNvPr>
-          <p:cNvSpPr>
-            <a:spLocks noGrp="1"/>
-          </p:cNvSpPr>
-          <p:nvPr>
-            <p:ph type="sldNum" sz="quarter" idx="12"/>
-          </p:nvPr>
-        </p:nvSpPr>
-        <p:spPr/>
-        <p:txBody>
-          <a:bodyPr/>
-          <a:lstStyle/>
-          <a:p>
-            <a:fld id="{9D563E13-6253-4AA0-BAE6-80A963751161}" type="slidenum">
-              <a:rPr lang="en-US" smtClean="0"/>
-              <a:t>9</a:t>
-            </a:fld>
-            <a:endParaRPr lang="en-US"/>
-          </a:p>
-        </p:txBody>
-      </p:sp>
-    </p:spTree>
-    <p:extLst>
-      <p:ext uri="{BB962C8B-B14F-4D97-AF65-F5344CB8AC3E}">
-        <p14:creationId xmlns:p14="http://schemas.microsoft.com/office/powerpoint/2010/main" val="3112299850"/>
       </p:ext>
     </p:extLst>
   </p:cSld>
